--- a/Documentation/Silkscreen/Design.pptx
+++ b/Documentation/Silkscreen/Design.pptx
@@ -6,9 +6,9 @@
   </p:sldMasterIdLst>
   <p:sldIdLst>
     <p:sldId id="258" r:id="rId2"/>
-    <p:sldId id="256" r:id="rId3"/>
-    <p:sldId id="261" r:id="rId4"/>
-    <p:sldId id="260" r:id="rId5"/>
+    <p:sldId id="259" r:id="rId3"/>
+    <p:sldId id="262" r:id="rId4"/>
+    <p:sldId id="261" r:id="rId5"/>
   </p:sldIdLst>
   <p:sldSz cx="7199313" cy="7199313"/>
   <p:notesSz cx="6858000" cy="9144000"/>
@@ -246,7 +246,7 @@
           <a:p>
             <a:fld id="{DB89F38B-51E1-4C90-A834-FCA36791B729}" type="datetimeFigureOut">
               <a:rPr lang="es-ES" smtClean="0"/>
-              <a:t>01/03/2022</a:t>
+              <a:t>05/04/2022</a:t>
             </a:fld>
             <a:endParaRPr lang="es-ES"/>
           </a:p>
@@ -416,7 +416,7 @@
           <a:p>
             <a:fld id="{DB89F38B-51E1-4C90-A834-FCA36791B729}" type="datetimeFigureOut">
               <a:rPr lang="es-ES" smtClean="0"/>
-              <a:t>01/03/2022</a:t>
+              <a:t>05/04/2022</a:t>
             </a:fld>
             <a:endParaRPr lang="es-ES"/>
           </a:p>
@@ -596,7 +596,7 @@
           <a:p>
             <a:fld id="{DB89F38B-51E1-4C90-A834-FCA36791B729}" type="datetimeFigureOut">
               <a:rPr lang="es-ES" smtClean="0"/>
-              <a:t>01/03/2022</a:t>
+              <a:t>05/04/2022</a:t>
             </a:fld>
             <a:endParaRPr lang="es-ES"/>
           </a:p>
@@ -766,7 +766,7 @@
           <a:p>
             <a:fld id="{DB89F38B-51E1-4C90-A834-FCA36791B729}" type="datetimeFigureOut">
               <a:rPr lang="es-ES" smtClean="0"/>
-              <a:t>01/03/2022</a:t>
+              <a:t>05/04/2022</a:t>
             </a:fld>
             <a:endParaRPr lang="es-ES"/>
           </a:p>
@@ -1010,7 +1010,7 @@
           <a:p>
             <a:fld id="{DB89F38B-51E1-4C90-A834-FCA36791B729}" type="datetimeFigureOut">
               <a:rPr lang="es-ES" smtClean="0"/>
-              <a:t>01/03/2022</a:t>
+              <a:t>05/04/2022</a:t>
             </a:fld>
             <a:endParaRPr lang="es-ES"/>
           </a:p>
@@ -1242,7 +1242,7 @@
           <a:p>
             <a:fld id="{DB89F38B-51E1-4C90-A834-FCA36791B729}" type="datetimeFigureOut">
               <a:rPr lang="es-ES" smtClean="0"/>
-              <a:t>01/03/2022</a:t>
+              <a:t>05/04/2022</a:t>
             </a:fld>
             <a:endParaRPr lang="es-ES"/>
           </a:p>
@@ -1609,7 +1609,7 @@
           <a:p>
             <a:fld id="{DB89F38B-51E1-4C90-A834-FCA36791B729}" type="datetimeFigureOut">
               <a:rPr lang="es-ES" smtClean="0"/>
-              <a:t>01/03/2022</a:t>
+              <a:t>05/04/2022</a:t>
             </a:fld>
             <a:endParaRPr lang="es-ES"/>
           </a:p>
@@ -1727,7 +1727,7 @@
           <a:p>
             <a:fld id="{DB89F38B-51E1-4C90-A834-FCA36791B729}" type="datetimeFigureOut">
               <a:rPr lang="es-ES" smtClean="0"/>
-              <a:t>01/03/2022</a:t>
+              <a:t>05/04/2022</a:t>
             </a:fld>
             <a:endParaRPr lang="es-ES"/>
           </a:p>
@@ -1822,7 +1822,7 @@
           <a:p>
             <a:fld id="{DB89F38B-51E1-4C90-A834-FCA36791B729}" type="datetimeFigureOut">
               <a:rPr lang="es-ES" smtClean="0"/>
-              <a:t>01/03/2022</a:t>
+              <a:t>05/04/2022</a:t>
             </a:fld>
             <a:endParaRPr lang="es-ES"/>
           </a:p>
@@ -2099,7 +2099,7 @@
           <a:p>
             <a:fld id="{DB89F38B-51E1-4C90-A834-FCA36791B729}" type="datetimeFigureOut">
               <a:rPr lang="es-ES" smtClean="0"/>
-              <a:t>01/03/2022</a:t>
+              <a:t>05/04/2022</a:t>
             </a:fld>
             <a:endParaRPr lang="es-ES"/>
           </a:p>
@@ -2356,7 +2356,7 @@
           <a:p>
             <a:fld id="{DB89F38B-51E1-4C90-A834-FCA36791B729}" type="datetimeFigureOut">
               <a:rPr lang="es-ES" smtClean="0"/>
-              <a:t>01/03/2022</a:t>
+              <a:t>05/04/2022</a:t>
             </a:fld>
             <a:endParaRPr lang="es-ES"/>
           </a:p>
@@ -2569,7 +2569,7 @@
           <a:p>
             <a:fld id="{DB89F38B-51E1-4C90-A834-FCA36791B729}" type="datetimeFigureOut">
               <a:rPr lang="es-ES" smtClean="0"/>
-              <a:t>01/03/2022</a:t>
+              <a:t>05/04/2022</a:t>
             </a:fld>
             <a:endParaRPr lang="es-ES"/>
           </a:p>
@@ -2989,25 +2989,25 @@
           <p:nvPr>
             <p:extLst>
               <p:ext uri="{D42A27DB-BD31-4B8C-83A1-F6EECF244321}">
-                <p14:modId xmlns:p14="http://schemas.microsoft.com/office/powerpoint/2010/main" val="563263729"/>
+                <p14:modId xmlns:p14="http://schemas.microsoft.com/office/powerpoint/2010/main" val="1962468955"/>
               </p:ext>
             </p:extLst>
           </p:nvPr>
         </p:nvGraphicFramePr>
         <p:xfrm>
-          <a:off x="785018" y="1975643"/>
+          <a:off x="785813" y="1976438"/>
           <a:ext cx="5629275" cy="3248025"/>
         </p:xfrm>
         <a:graphic>
           <a:graphicData uri="http://schemas.openxmlformats.org/presentationml/2006/ole">
             <mc:AlternateContent xmlns:mc="http://schemas.openxmlformats.org/markup-compatibility/2006">
               <mc:Choice xmlns:v="urn:schemas-microsoft-com:vml" Requires="v">
-                <p:oleObj spid="_x0000_s1028" name="Worksheet" r:id="rId3" imgW="5629275" imgH="3248062" progId="Excel.Sheet.12">
+                <p:oleObj spid="_x0000_s1030" name="Worksheet" r:id="rId3" imgW="5629218" imgH="3248059" progId="Excel.Sheet.12">
                   <p:embed/>
                 </p:oleObj>
               </mc:Choice>
               <mc:Fallback>
-                <p:oleObj name="Worksheet" r:id="rId3" imgW="5629275" imgH="3248062" progId="Excel.Sheet.12">
+                <p:oleObj name="Worksheet" r:id="rId3" imgW="5629218" imgH="3248059" progId="Excel.Sheet.12">
                   <p:embed/>
                   <p:pic>
                     <p:nvPicPr>
@@ -3023,7 +3023,7 @@
                     </p:blipFill>
                     <p:spPr>
                       <a:xfrm>
-                        <a:off x="785018" y="1975643"/>
+                        <a:off x="785813" y="1976438"/>
                         <a:ext cx="5629275" cy="3248025"/>
                       </a:xfrm>
                       <a:prstGeom prst="rect">
@@ -3069,10 +3069,10 @@
       </p:grpSpPr>
       <p:pic>
         <p:nvPicPr>
-          <p:cNvPr id="27" name="Imagen 26">
+          <p:cNvPr id="4" name="Imagen 3">
             <a:extLst>
               <a:ext uri="{FF2B5EF4-FFF2-40B4-BE49-F238E27FC236}">
-                <a16:creationId xmlns:a16="http://schemas.microsoft.com/office/drawing/2014/main" id="{A1DFEBBA-B08B-4AA9-91F4-833278A0F1B2}"/>
+                <a16:creationId xmlns:a16="http://schemas.microsoft.com/office/drawing/2014/main" id="{FAF9839F-6099-40FF-A9E7-8E2ECD4016BE}"/>
               </a:ext>
             </a:extLst>
           </p:cNvPr>
@@ -3093,6 +3093,11 @@
                 </a:srgbClr>
               </a:clrTo>
             </a:clrChange>
+            <a:extLst>
+              <a:ext uri="{28A0092B-C50C-407E-A947-70E740481C1C}">
+                <a14:useLocalDpi xmlns:a14="http://schemas.microsoft.com/office/drawing/2010/main" val="0"/>
+              </a:ext>
+            </a:extLst>
           </a:blip>
           <a:stretch>
             <a:fillRect/>
@@ -3100,8 +3105,8 @@
         </p:blipFill>
         <p:spPr>
           <a:xfrm>
-            <a:off x="1" y="0"/>
-            <a:ext cx="7189328" cy="7209326"/>
+            <a:off x="0" y="8294"/>
+            <a:ext cx="7199313" cy="7182724"/>
           </a:xfrm>
           <a:prstGeom prst="rect">
             <a:avLst/>
@@ -3122,8 +3127,8 @@
         </p:nvSpPr>
         <p:spPr>
           <a:xfrm>
-            <a:off x="2016339" y="6635415"/>
-            <a:ext cx="924412" cy="338554"/>
+            <a:off x="6336619" y="5980918"/>
+            <a:ext cx="707735" cy="261610"/>
           </a:xfrm>
           <a:prstGeom prst="rect">
             <a:avLst/>
@@ -3137,239 +3142,13 @@
           <a:lstStyle/>
           <a:p>
             <a:r>
-              <a:rPr lang="es-ES" sz="1600" dirty="0" err="1">
+              <a:rPr lang="es-ES" sz="1100" dirty="0" err="1">
                 <a:latin typeface="Audiowide" panose="02000503000000020004" pitchFamily="2" charset="0"/>
               </a:rPr>
               <a:t>Power</a:t>
             </a:r>
-            <a:endParaRPr lang="es-ES" sz="1400" dirty="0">
+            <a:endParaRPr lang="es-ES" sz="1000" dirty="0">
               <a:latin typeface="Audiowide" panose="02000503000000020004" pitchFamily="2" charset="0"/>
-            </a:endParaRPr>
-          </a:p>
-        </p:txBody>
-      </p:sp>
-      <p:grpSp>
-        <p:nvGrpSpPr>
-          <p:cNvPr id="3" name="Grupo 2">
-            <a:extLst>
-              <a:ext uri="{FF2B5EF4-FFF2-40B4-BE49-F238E27FC236}">
-                <a16:creationId xmlns:a16="http://schemas.microsoft.com/office/drawing/2014/main" id="{DD8BF122-38F0-449B-B46D-A13EF4E9D54B}"/>
-              </a:ext>
-            </a:extLst>
-          </p:cNvPr>
-          <p:cNvGrpSpPr/>
-          <p:nvPr/>
-        </p:nvGrpSpPr>
-        <p:grpSpPr>
-          <a:xfrm rot="16200000">
-            <a:off x="6318401" y="5052159"/>
-            <a:ext cx="284449" cy="1477373"/>
-            <a:chOff x="10063326" y="1537200"/>
-            <a:chExt cx="402568" cy="2120584"/>
-          </a:xfrm>
-        </p:grpSpPr>
-        <p:sp>
-          <p:nvSpPr>
-            <p:cNvPr id="35" name="CuadroTexto 34">
-              <a:extLst>
-                <a:ext uri="{FF2B5EF4-FFF2-40B4-BE49-F238E27FC236}">
-                  <a16:creationId xmlns:a16="http://schemas.microsoft.com/office/drawing/2014/main" id="{00D77B8B-6280-451D-A554-F268F2A3FB18}"/>
-                </a:ext>
-              </a:extLst>
-            </p:cNvPr>
-            <p:cNvSpPr txBox="1"/>
-            <p:nvPr/>
-          </p:nvSpPr>
-          <p:spPr>
-            <a:xfrm rot="5400000">
-              <a:off x="9922164" y="3157266"/>
-              <a:ext cx="641680" cy="359356"/>
-            </a:xfrm>
-            <a:prstGeom prst="rect">
-              <a:avLst/>
-            </a:prstGeom>
-            <a:noFill/>
-          </p:spPr>
-          <p:txBody>
-            <a:bodyPr wrap="square" rtlCol="0">
-              <a:spAutoFit/>
-            </a:bodyPr>
-            <a:lstStyle/>
-            <a:p>
-              <a:r>
-                <a:rPr lang="es-ES" sz="1050" dirty="0">
-                  <a:latin typeface="Audiowide" panose="02000503000000020004" pitchFamily="2" charset="0"/>
-                </a:rPr>
-                <a:t>5V</a:t>
-              </a:r>
-            </a:p>
-          </p:txBody>
-        </p:sp>
-        <p:sp>
-          <p:nvSpPr>
-            <p:cNvPr id="31" name="CuadroTexto 30">
-              <a:extLst>
-                <a:ext uri="{FF2B5EF4-FFF2-40B4-BE49-F238E27FC236}">
-                  <a16:creationId xmlns:a16="http://schemas.microsoft.com/office/drawing/2014/main" id="{BBD4C01B-7E62-43FE-A0FF-73792B01A6ED}"/>
-                </a:ext>
-              </a:extLst>
-            </p:cNvPr>
-            <p:cNvSpPr txBox="1"/>
-            <p:nvPr/>
-          </p:nvSpPr>
-          <p:spPr>
-            <a:xfrm rot="5400000">
-              <a:off x="9899695" y="2633687"/>
-              <a:ext cx="716972" cy="326686"/>
-            </a:xfrm>
-            <a:prstGeom prst="rect">
-              <a:avLst/>
-            </a:prstGeom>
-            <a:noFill/>
-          </p:spPr>
-          <p:txBody>
-            <a:bodyPr wrap="square" rtlCol="0">
-              <a:spAutoFit/>
-            </a:bodyPr>
-            <a:lstStyle/>
-            <a:p>
-              <a:r>
-                <a:rPr lang="es-ES" sz="900" dirty="0">
-                  <a:latin typeface="Audiowide" panose="02000503000000020004" pitchFamily="2" charset="0"/>
-                </a:rPr>
-                <a:t>GND</a:t>
-              </a:r>
-              <a:endParaRPr lang="es-ES" sz="700" dirty="0">
-                <a:latin typeface="Audiowide" panose="02000503000000020004" pitchFamily="2" charset="0"/>
-              </a:endParaRPr>
-            </a:p>
-          </p:txBody>
-        </p:sp>
-        <p:sp>
-          <p:nvSpPr>
-            <p:cNvPr id="37" name="CuadroTexto 36">
-              <a:extLst>
-                <a:ext uri="{FF2B5EF4-FFF2-40B4-BE49-F238E27FC236}">
-                  <a16:creationId xmlns:a16="http://schemas.microsoft.com/office/drawing/2014/main" id="{938D566D-5102-4876-AB8E-CB12FFA38413}"/>
-                </a:ext>
-              </a:extLst>
-            </p:cNvPr>
-            <p:cNvSpPr txBox="1"/>
-            <p:nvPr/>
-          </p:nvSpPr>
-          <p:spPr>
-            <a:xfrm rot="5400000">
-              <a:off x="9965375" y="2136180"/>
-              <a:ext cx="641679" cy="359356"/>
-            </a:xfrm>
-            <a:prstGeom prst="rect">
-              <a:avLst/>
-            </a:prstGeom>
-            <a:noFill/>
-          </p:spPr>
-          <p:txBody>
-            <a:bodyPr wrap="square" rtlCol="0">
-              <a:spAutoFit/>
-            </a:bodyPr>
-            <a:lstStyle/>
-            <a:p>
-              <a:r>
-                <a:rPr lang="es-ES" sz="1050" dirty="0" err="1">
-                  <a:latin typeface="Audiowide" panose="02000503000000020004" pitchFamily="2" charset="0"/>
-                </a:rPr>
-                <a:t>Tx</a:t>
-              </a:r>
-              <a:endParaRPr lang="es-ES" sz="1050" dirty="0">
-                <a:latin typeface="Audiowide" panose="02000503000000020004" pitchFamily="2" charset="0"/>
-              </a:endParaRPr>
-            </a:p>
-          </p:txBody>
-        </p:sp>
-        <p:sp>
-          <p:nvSpPr>
-            <p:cNvPr id="39" name="CuadroTexto 38">
-              <a:extLst>
-                <a:ext uri="{FF2B5EF4-FFF2-40B4-BE49-F238E27FC236}">
-                  <a16:creationId xmlns:a16="http://schemas.microsoft.com/office/drawing/2014/main" id="{2E0787BC-322D-47AB-8E9E-980B34C22FB2}"/>
-                </a:ext>
-              </a:extLst>
-            </p:cNvPr>
-            <p:cNvSpPr txBox="1"/>
-            <p:nvPr/>
-          </p:nvSpPr>
-          <p:spPr>
-            <a:xfrm rot="5400000">
-              <a:off x="9965375" y="1678363"/>
-              <a:ext cx="641681" cy="359356"/>
-            </a:xfrm>
-            <a:prstGeom prst="rect">
-              <a:avLst/>
-            </a:prstGeom>
-            <a:noFill/>
-          </p:spPr>
-          <p:txBody>
-            <a:bodyPr wrap="square" rtlCol="0">
-              <a:spAutoFit/>
-            </a:bodyPr>
-            <a:lstStyle/>
-            <a:p>
-              <a:r>
-                <a:rPr lang="es-ES" sz="1050" dirty="0" err="1">
-                  <a:latin typeface="Audiowide" panose="02000503000000020004" pitchFamily="2" charset="0"/>
-                </a:rPr>
-                <a:t>Rx</a:t>
-              </a:r>
-              <a:endParaRPr lang="es-ES" sz="1050" dirty="0">
-                <a:latin typeface="Audiowide" panose="02000503000000020004" pitchFamily="2" charset="0"/>
-              </a:endParaRPr>
-            </a:p>
-          </p:txBody>
-        </p:sp>
-      </p:grpSp>
-      <p:sp>
-        <p:nvSpPr>
-          <p:cNvPr id="53" name="CuadroTexto 52">
-            <a:extLst>
-              <a:ext uri="{FF2B5EF4-FFF2-40B4-BE49-F238E27FC236}">
-                <a16:creationId xmlns:a16="http://schemas.microsoft.com/office/drawing/2014/main" id="{D39C0242-52C4-4F20-9E9B-C78E063735BE}"/>
-              </a:ext>
-            </a:extLst>
-          </p:cNvPr>
-          <p:cNvSpPr txBox="1"/>
-          <p:nvPr/>
-        </p:nvSpPr>
-        <p:spPr>
-          <a:xfrm>
-            <a:off x="5652654" y="5137782"/>
-            <a:ext cx="1489687" cy="246221"/>
-          </a:xfrm>
-          <a:prstGeom prst="rect">
-            <a:avLst/>
-          </a:prstGeom>
-          <a:solidFill>
-            <a:schemeClr val="tx1"/>
-          </a:solidFill>
-        </p:spPr>
-        <p:txBody>
-          <a:bodyPr wrap="square">
-            <a:spAutoFit/>
-          </a:bodyPr>
-          <a:lstStyle/>
-          <a:p>
-            <a:pPr algn="ctr"/>
-            <a:r>
-              <a:rPr lang="es-ES" sz="1000" b="1" dirty="0">
-                <a:solidFill>
-                  <a:schemeClr val="bg1"/>
-                </a:solidFill>
-                <a:latin typeface="Audiowide" panose="02000503000000020004" pitchFamily="2" charset="0"/>
-              </a:rPr>
-              <a:t>SERIAL</a:t>
-            </a:r>
-            <a:endParaRPr lang="es-ES" sz="1000" b="1" dirty="0">
-              <a:solidFill>
-                <a:schemeClr val="bg1"/>
-              </a:solidFill>
             </a:endParaRPr>
           </a:p>
         </p:txBody>
@@ -3388,8 +3167,8 @@
         </p:nvSpPr>
         <p:spPr>
           <a:xfrm>
-            <a:off x="4806022" y="1016083"/>
-            <a:ext cx="961510" cy="369332"/>
+            <a:off x="4742436" y="-7620"/>
+            <a:ext cx="707735" cy="276999"/>
           </a:xfrm>
           <a:prstGeom prst="rect">
             <a:avLst/>
@@ -3403,77 +3182,23 @@
           <a:lstStyle/>
           <a:p>
             <a:r>
-              <a:rPr lang="es-ES" b="1" dirty="0" err="1">
+              <a:rPr lang="es-ES" sz="1200" dirty="0" err="1">
                 <a:latin typeface="Audiowide" panose="02000503000000020004" pitchFamily="2" charset="0"/>
               </a:rPr>
               <a:t>Reset</a:t>
             </a:r>
-            <a:endParaRPr lang="es-ES" b="1" dirty="0">
+            <a:endParaRPr lang="es-ES" sz="1200" dirty="0">
               <a:latin typeface="Audiowide" panose="02000503000000020004" pitchFamily="2" charset="0"/>
             </a:endParaRPr>
           </a:p>
         </p:txBody>
       </p:sp>
-      <p:sp>
-        <p:nvSpPr>
-          <p:cNvPr id="5" name="Rectángulo: esquinas redondeadas 4">
+      <p:grpSp>
+        <p:nvGrpSpPr>
+          <p:cNvPr id="7" name="Grupo 6">
             <a:extLst>
               <a:ext uri="{FF2B5EF4-FFF2-40B4-BE49-F238E27FC236}">
-                <a16:creationId xmlns:a16="http://schemas.microsoft.com/office/drawing/2014/main" id="{DB449002-1A43-4DCC-B477-9A873D0DF2EC}"/>
-              </a:ext>
-            </a:extLst>
-          </p:cNvPr>
-          <p:cNvSpPr/>
-          <p:nvPr/>
-        </p:nvSpPr>
-        <p:spPr>
-          <a:xfrm>
-            <a:off x="5652655" y="5133401"/>
-            <a:ext cx="1489688" cy="769441"/>
-          </a:xfrm>
-          <a:prstGeom prst="roundRect">
-            <a:avLst>
-              <a:gd name="adj" fmla="val 7955"/>
-            </a:avLst>
-          </a:prstGeom>
-          <a:noFill/>
-          <a:ln w="28575">
-            <a:solidFill>
-              <a:schemeClr val="tx1"/>
-            </a:solidFill>
-          </a:ln>
-        </p:spPr>
-        <p:style>
-          <a:lnRef idx="2">
-            <a:schemeClr val="accent1">
-              <a:shade val="50000"/>
-            </a:schemeClr>
-          </a:lnRef>
-          <a:fillRef idx="1">
-            <a:schemeClr val="accent1"/>
-          </a:fillRef>
-          <a:effectRef idx="0">
-            <a:schemeClr val="accent1"/>
-          </a:effectRef>
-          <a:fontRef idx="minor">
-            <a:schemeClr val="lt1"/>
-          </a:fontRef>
-        </p:style>
-        <p:txBody>
-          <a:bodyPr rtlCol="0" anchor="ctr"/>
-          <a:lstStyle/>
-          <a:p>
-            <a:pPr algn="r"/>
-            <a:endParaRPr lang="es-ES" dirty="0"/>
-          </a:p>
-        </p:txBody>
-      </p:sp>
-      <p:grpSp>
-        <p:nvGrpSpPr>
-          <p:cNvPr id="162" name="Grupo 161">
-            <a:extLst>
-              <a:ext uri="{FF2B5EF4-FFF2-40B4-BE49-F238E27FC236}">
-                <a16:creationId xmlns:a16="http://schemas.microsoft.com/office/drawing/2014/main" id="{2B5D488D-009F-46BA-B28E-D02B0AD7C9F6}"/>
+                <a16:creationId xmlns:a16="http://schemas.microsoft.com/office/drawing/2014/main" id="{84CCD66B-6C3F-451B-A20D-AF3E68AC1DED}"/>
               </a:ext>
             </a:extLst>
           </p:cNvPr>
@@ -3482,18 +3207,244 @@
         </p:nvGrpSpPr>
         <p:grpSpPr>
           <a:xfrm>
-            <a:off x="2145737" y="1950730"/>
-            <a:ext cx="1239328" cy="276999"/>
-            <a:chOff x="4711030" y="3317822"/>
-            <a:chExt cx="832807" cy="168337"/>
+            <a:off x="6436697" y="2698140"/>
+            <a:ext cx="688810" cy="1164771"/>
+            <a:chOff x="6510503" y="5052431"/>
+            <a:chExt cx="688810" cy="1164771"/>
           </a:xfrm>
         </p:grpSpPr>
+        <p:grpSp>
+          <p:nvGrpSpPr>
+            <p:cNvPr id="3" name="Grupo 2">
+              <a:extLst>
+                <a:ext uri="{FF2B5EF4-FFF2-40B4-BE49-F238E27FC236}">
+                  <a16:creationId xmlns:a16="http://schemas.microsoft.com/office/drawing/2014/main" id="{DD8BF122-38F0-449B-B46D-A13EF4E9D54B}"/>
+                </a:ext>
+              </a:extLst>
+            </p:cNvPr>
+            <p:cNvGrpSpPr/>
+            <p:nvPr/>
+          </p:nvGrpSpPr>
+          <p:grpSpPr>
+            <a:xfrm rot="16200000">
+              <a:off x="6370423" y="5198258"/>
+              <a:ext cx="924957" cy="644797"/>
+              <a:chOff x="9215256" y="2959488"/>
+              <a:chExt cx="1309049" cy="716972"/>
+            </a:xfrm>
+          </p:grpSpPr>
+          <p:sp>
+            <p:nvSpPr>
+              <p:cNvPr id="35" name="CuadroTexto 34">
+                <a:extLst>
+                  <a:ext uri="{FF2B5EF4-FFF2-40B4-BE49-F238E27FC236}">
+                    <a16:creationId xmlns:a16="http://schemas.microsoft.com/office/drawing/2014/main" id="{00D77B8B-6280-451D-A554-F268F2A3FB18}"/>
+                  </a:ext>
+                </a:extLst>
+              </p:cNvPr>
+              <p:cNvSpPr txBox="1"/>
+              <p:nvPr/>
+            </p:nvSpPr>
+            <p:spPr>
+              <a:xfrm rot="5400000">
+                <a:off x="9057759" y="3159153"/>
+                <a:ext cx="641680" cy="326686"/>
+              </a:xfrm>
+              <a:prstGeom prst="rect">
+                <a:avLst/>
+              </a:prstGeom>
+              <a:noFill/>
+            </p:spPr>
+            <p:txBody>
+              <a:bodyPr wrap="square" rtlCol="0">
+                <a:spAutoFit/>
+              </a:bodyPr>
+              <a:lstStyle/>
+              <a:p>
+                <a:r>
+                  <a:rPr lang="es-ES" sz="900" dirty="0">
+                    <a:latin typeface="Audiowide" panose="02000503000000020004" pitchFamily="2" charset="0"/>
+                  </a:rPr>
+                  <a:t>3V3</a:t>
+                </a:r>
+              </a:p>
+            </p:txBody>
+          </p:sp>
+          <p:sp>
+            <p:nvSpPr>
+              <p:cNvPr id="31" name="CuadroTexto 30">
+                <a:extLst>
+                  <a:ext uri="{FF2B5EF4-FFF2-40B4-BE49-F238E27FC236}">
+                    <a16:creationId xmlns:a16="http://schemas.microsoft.com/office/drawing/2014/main" id="{BBD4C01B-7E62-43FE-A0FF-73792B01A6ED}"/>
+                  </a:ext>
+                </a:extLst>
+              </p:cNvPr>
+              <p:cNvSpPr txBox="1"/>
+              <p:nvPr/>
+            </p:nvSpPr>
+            <p:spPr>
+              <a:xfrm rot="5400000">
+                <a:off x="9325787" y="3154631"/>
+                <a:ext cx="716972" cy="326686"/>
+              </a:xfrm>
+              <a:prstGeom prst="rect">
+                <a:avLst/>
+              </a:prstGeom>
+              <a:noFill/>
+            </p:spPr>
+            <p:txBody>
+              <a:bodyPr wrap="square" rtlCol="0">
+                <a:spAutoFit/>
+              </a:bodyPr>
+              <a:lstStyle/>
+              <a:p>
+                <a:r>
+                  <a:rPr lang="es-ES" sz="900" dirty="0">
+                    <a:latin typeface="Audiowide" panose="02000503000000020004" pitchFamily="2" charset="0"/>
+                  </a:rPr>
+                  <a:t>GND</a:t>
+                </a:r>
+                <a:endParaRPr lang="es-ES" sz="700" dirty="0">
+                  <a:latin typeface="Audiowide" panose="02000503000000020004" pitchFamily="2" charset="0"/>
+                </a:endParaRPr>
+              </a:p>
+            </p:txBody>
+          </p:sp>
+          <p:sp>
+            <p:nvSpPr>
+              <p:cNvPr id="37" name="CuadroTexto 36">
+                <a:extLst>
+                  <a:ext uri="{FF2B5EF4-FFF2-40B4-BE49-F238E27FC236}">
+                    <a16:creationId xmlns:a16="http://schemas.microsoft.com/office/drawing/2014/main" id="{938D566D-5102-4876-AB8E-CB12FFA38413}"/>
+                  </a:ext>
+                </a:extLst>
+              </p:cNvPr>
+              <p:cNvSpPr txBox="1"/>
+              <p:nvPr/>
+            </p:nvSpPr>
+            <p:spPr>
+              <a:xfrm rot="5400000">
+                <a:off x="9685444" y="3107191"/>
+                <a:ext cx="641678" cy="359356"/>
+              </a:xfrm>
+              <a:prstGeom prst="rect">
+                <a:avLst/>
+              </a:prstGeom>
+              <a:noFill/>
+            </p:spPr>
+            <p:txBody>
+              <a:bodyPr wrap="square" rtlCol="0">
+                <a:spAutoFit/>
+              </a:bodyPr>
+              <a:lstStyle/>
+              <a:p>
+                <a:r>
+                  <a:rPr lang="es-ES" sz="1050" dirty="0" err="1">
+                    <a:latin typeface="Audiowide" panose="02000503000000020004" pitchFamily="2" charset="0"/>
+                  </a:rPr>
+                  <a:t>Tx</a:t>
+                </a:r>
+                <a:endParaRPr lang="es-ES" sz="1050" dirty="0">
+                  <a:latin typeface="Audiowide" panose="02000503000000020004" pitchFamily="2" charset="0"/>
+                </a:endParaRPr>
+              </a:p>
+            </p:txBody>
+          </p:sp>
+          <p:sp>
+            <p:nvSpPr>
+              <p:cNvPr id="39" name="CuadroTexto 38">
+                <a:extLst>
+                  <a:ext uri="{FF2B5EF4-FFF2-40B4-BE49-F238E27FC236}">
+                    <a16:creationId xmlns:a16="http://schemas.microsoft.com/office/drawing/2014/main" id="{2E0787BC-322D-47AB-8E9E-980B34C22FB2}"/>
+                  </a:ext>
+                </a:extLst>
+              </p:cNvPr>
+              <p:cNvSpPr txBox="1"/>
+              <p:nvPr/>
+            </p:nvSpPr>
+            <p:spPr>
+              <a:xfrm rot="5400000">
+                <a:off x="10023786" y="3132322"/>
+                <a:ext cx="641682" cy="359356"/>
+              </a:xfrm>
+              <a:prstGeom prst="rect">
+                <a:avLst/>
+              </a:prstGeom>
+              <a:noFill/>
+            </p:spPr>
+            <p:txBody>
+              <a:bodyPr wrap="square" rtlCol="0">
+                <a:spAutoFit/>
+              </a:bodyPr>
+              <a:lstStyle/>
+              <a:p>
+                <a:r>
+                  <a:rPr lang="es-ES" sz="1050" dirty="0" err="1">
+                    <a:latin typeface="Audiowide" panose="02000503000000020004" pitchFamily="2" charset="0"/>
+                  </a:rPr>
+                  <a:t>Rx</a:t>
+                </a:r>
+                <a:endParaRPr lang="es-ES" sz="1050" dirty="0">
+                  <a:latin typeface="Audiowide" panose="02000503000000020004" pitchFamily="2" charset="0"/>
+                </a:endParaRPr>
+              </a:p>
+            </p:txBody>
+          </p:sp>
+        </p:grpSp>
         <p:sp>
           <p:nvSpPr>
-            <p:cNvPr id="166" name="Rectángulo: esquinas redondeadas 165">
+            <p:cNvPr id="53" name="CuadroTexto 52">
               <a:extLst>
                 <a:ext uri="{FF2B5EF4-FFF2-40B4-BE49-F238E27FC236}">
-                  <a16:creationId xmlns:a16="http://schemas.microsoft.com/office/drawing/2014/main" id="{9AB9CBFB-42DE-4950-9A29-B16A5774FBA1}"/>
+                  <a16:creationId xmlns:a16="http://schemas.microsoft.com/office/drawing/2014/main" id="{D39C0242-52C4-4F20-9E9B-C78E063735BE}"/>
+                </a:ext>
+              </a:extLst>
+            </p:cNvPr>
+            <p:cNvSpPr txBox="1"/>
+            <p:nvPr/>
+          </p:nvSpPr>
+          <p:spPr>
+            <a:xfrm>
+              <a:off x="6570331" y="5997417"/>
+              <a:ext cx="622630" cy="215444"/>
+            </a:xfrm>
+            <a:prstGeom prst="rect">
+              <a:avLst/>
+            </a:prstGeom>
+            <a:solidFill>
+              <a:schemeClr val="tx1"/>
+            </a:solidFill>
+          </p:spPr>
+          <p:txBody>
+            <a:bodyPr wrap="square">
+              <a:spAutoFit/>
+            </a:bodyPr>
+            <a:lstStyle/>
+            <a:p>
+              <a:pPr algn="ctr"/>
+              <a:r>
+                <a:rPr lang="es-ES" sz="800" dirty="0">
+                  <a:solidFill>
+                    <a:schemeClr val="bg1"/>
+                  </a:solidFill>
+                  <a:latin typeface="Audiowide" panose="02000503000000020004" pitchFamily="2" charset="0"/>
+                </a:rPr>
+                <a:t>SERIAL</a:t>
+              </a:r>
+              <a:endParaRPr lang="es-ES" sz="800" dirty="0">
+                <a:solidFill>
+                  <a:schemeClr val="bg1"/>
+                </a:solidFill>
+              </a:endParaRPr>
+            </a:p>
+          </p:txBody>
+        </p:sp>
+        <p:sp>
+          <p:nvSpPr>
+            <p:cNvPr id="5" name="Rectángulo: esquinas redondeadas 4">
+              <a:extLst>
+                <a:ext uri="{FF2B5EF4-FFF2-40B4-BE49-F238E27FC236}">
+                  <a16:creationId xmlns:a16="http://schemas.microsoft.com/office/drawing/2014/main" id="{DB449002-1A43-4DCC-B477-9A873D0DF2EC}"/>
                 </a:ext>
               </a:extLst>
             </p:cNvPr>
@@ -3502,18 +3453,16 @@
           </p:nvSpPr>
           <p:spPr>
             <a:xfrm>
-              <a:off x="4711030" y="3328003"/>
-              <a:ext cx="832807" cy="147974"/>
+              <a:off x="6576683" y="5052431"/>
+              <a:ext cx="622630" cy="1164771"/>
             </a:xfrm>
             <a:prstGeom prst="roundRect">
               <a:avLst>
-                <a:gd name="adj" fmla="val 50000"/>
+                <a:gd name="adj" fmla="val 7955"/>
               </a:avLst>
             </a:prstGeom>
-            <a:solidFill>
-              <a:schemeClr val="tx1"/>
-            </a:solidFill>
-            <a:ln w="12700">
+            <a:noFill/>
+            <a:ln w="28575">
               <a:solidFill>
                 <a:schemeClr val="tx1"/>
               </a:solidFill>
@@ -3540,80 +3489,349 @@
             <a:lstStyle/>
             <a:p>
               <a:pPr algn="r"/>
-              <a:endParaRPr lang="es-ES" sz="3600" dirty="0"/>
+              <a:endParaRPr lang="es-ES" dirty="0"/>
             </a:p>
           </p:txBody>
         </p:sp>
-        <p:sp>
-          <p:nvSpPr>
-            <p:cNvPr id="167" name="Rectángulo: esquinas redondeadas 166">
+      </p:grpSp>
+      <p:grpSp>
+        <p:nvGrpSpPr>
+          <p:cNvPr id="6" name="Grupo 5">
+            <a:extLst>
+              <a:ext uri="{FF2B5EF4-FFF2-40B4-BE49-F238E27FC236}">
+                <a16:creationId xmlns:a16="http://schemas.microsoft.com/office/drawing/2014/main" id="{B0966396-0EE1-4E34-AC83-C3373B8AF8D3}"/>
+              </a:ext>
+            </a:extLst>
+          </p:cNvPr>
+          <p:cNvGrpSpPr/>
+          <p:nvPr/>
+        </p:nvGrpSpPr>
+        <p:grpSpPr>
+          <a:xfrm>
+            <a:off x="923548" y="458234"/>
+            <a:ext cx="3616322" cy="472194"/>
+            <a:chOff x="922877" y="568395"/>
+            <a:chExt cx="3616322" cy="472194"/>
+          </a:xfrm>
+        </p:grpSpPr>
+        <p:grpSp>
+          <p:nvGrpSpPr>
+            <p:cNvPr id="14" name="Grupo 13">
               <a:extLst>
                 <a:ext uri="{FF2B5EF4-FFF2-40B4-BE49-F238E27FC236}">
-                  <a16:creationId xmlns:a16="http://schemas.microsoft.com/office/drawing/2014/main" id="{1E8D6892-E2DC-408C-BA74-CE6A64485ADD}"/>
+                  <a16:creationId xmlns:a16="http://schemas.microsoft.com/office/drawing/2014/main" id="{E8E30A6C-7508-478A-9D12-400143BE564A}"/>
                 </a:ext>
               </a:extLst>
             </p:cNvPr>
-            <p:cNvSpPr/>
+            <p:cNvGrpSpPr/>
             <p:nvPr/>
-          </p:nvSpPr>
-          <p:spPr>
-            <a:xfrm>
-              <a:off x="4949312" y="3328003"/>
-              <a:ext cx="591908" cy="147974"/>
+          </p:nvGrpSpPr>
+          <p:grpSpPr>
+            <a:xfrm rot="10800000">
+              <a:off x="922877" y="568395"/>
+              <a:ext cx="2673792" cy="461666"/>
+              <a:chOff x="2413215" y="69634"/>
+              <a:chExt cx="2673792" cy="461666"/>
             </a:xfrm>
-            <a:prstGeom prst="roundRect">
-              <a:avLst>
-                <a:gd name="adj" fmla="val 50000"/>
-              </a:avLst>
-            </a:prstGeom>
-            <a:solidFill>
-              <a:schemeClr val="bg1"/>
-            </a:solidFill>
-            <a:ln w="12700">
-              <a:solidFill>
-                <a:schemeClr val="tx1"/>
-              </a:solidFill>
-            </a:ln>
-          </p:spPr>
-          <p:style>
-            <a:lnRef idx="2">
-              <a:schemeClr val="accent1">
-                <a:shade val="50000"/>
-              </a:schemeClr>
-            </a:lnRef>
-            <a:fillRef idx="1">
-              <a:schemeClr val="accent1"/>
-            </a:fillRef>
-            <a:effectRef idx="0">
-              <a:schemeClr val="accent1"/>
-            </a:effectRef>
-            <a:fontRef idx="minor">
-              <a:schemeClr val="lt1"/>
-            </a:fontRef>
-          </p:style>
-          <p:txBody>
-            <a:bodyPr lIns="0" rIns="0" rtlCol="0" anchor="ctr"/>
-            <a:lstStyle/>
-            <a:p>
-              <a:pPr algn="ctr"/>
-              <a:r>
-                <a:rPr lang="es-ES" sz="1400" dirty="0">
-                  <a:solidFill>
-                    <a:schemeClr val="tx1"/>
-                  </a:solidFill>
-                  <a:latin typeface="Audiowide" panose="02000503000000020004" pitchFamily="2" charset="0"/>
-                </a:rPr>
-                <a:t>Output</a:t>
-              </a:r>
-            </a:p>
-          </p:txBody>
-        </p:sp>
+          </p:grpSpPr>
+          <p:grpSp>
+            <p:nvGrpSpPr>
+              <p:cNvPr id="236" name="Grupo 235">
+                <a:extLst>
+                  <a:ext uri="{FF2B5EF4-FFF2-40B4-BE49-F238E27FC236}">
+                    <a16:creationId xmlns:a16="http://schemas.microsoft.com/office/drawing/2014/main" id="{E5DD1531-6D26-44E1-B617-85FC6E59101D}"/>
+                  </a:ext>
+                </a:extLst>
+              </p:cNvPr>
+              <p:cNvGrpSpPr/>
+              <p:nvPr/>
+            </p:nvGrpSpPr>
+            <p:grpSpPr>
+              <a:xfrm>
+                <a:off x="2413215" y="69634"/>
+                <a:ext cx="781191" cy="461666"/>
+                <a:chOff x="910118" y="5970636"/>
+                <a:chExt cx="781191" cy="461666"/>
+              </a:xfrm>
+            </p:grpSpPr>
+            <p:sp>
+              <p:nvSpPr>
+                <p:cNvPr id="237" name="CuadroTexto 236">
+                  <a:extLst>
+                    <a:ext uri="{FF2B5EF4-FFF2-40B4-BE49-F238E27FC236}">
+                      <a16:creationId xmlns:a16="http://schemas.microsoft.com/office/drawing/2014/main" id="{2D82A67A-F5F9-44D5-89AD-CAD9BB35FF59}"/>
+                    </a:ext>
+                  </a:extLst>
+                </p:cNvPr>
+                <p:cNvSpPr txBox="1"/>
+                <p:nvPr/>
+              </p:nvSpPr>
+              <p:spPr>
+                <a:xfrm>
+                  <a:off x="910118" y="5970637"/>
+                  <a:ext cx="308291" cy="461665"/>
+                </a:xfrm>
+                <a:prstGeom prst="rect">
+                  <a:avLst/>
+                </a:prstGeom>
+                <a:noFill/>
+              </p:spPr>
+              <p:txBody>
+                <a:bodyPr wrap="square">
+                  <a:spAutoFit/>
+                </a:bodyPr>
+                <a:lstStyle/>
+                <a:p>
+                  <a:r>
+                    <a:rPr lang="es-ES" sz="2400" dirty="0">
+                      <a:latin typeface="Audiowide" panose="02000503000000020004" pitchFamily="2" charset="0"/>
+                    </a:rPr>
+                    <a:t>-</a:t>
+                  </a:r>
+                  <a:endParaRPr lang="es-ES" sz="2400" dirty="0"/>
+                </a:p>
+              </p:txBody>
+            </p:sp>
+            <p:sp>
+              <p:nvSpPr>
+                <p:cNvPr id="238" name="CuadroTexto 237">
+                  <a:extLst>
+                    <a:ext uri="{FF2B5EF4-FFF2-40B4-BE49-F238E27FC236}">
+                      <a16:creationId xmlns:a16="http://schemas.microsoft.com/office/drawing/2014/main" id="{119A0BC9-4309-4B60-835C-32C3E4A21E2A}"/>
+                    </a:ext>
+                  </a:extLst>
+                </p:cNvPr>
+                <p:cNvSpPr txBox="1"/>
+                <p:nvPr/>
+              </p:nvSpPr>
+              <p:spPr>
+                <a:xfrm>
+                  <a:off x="1383018" y="5970636"/>
+                  <a:ext cx="308291" cy="461665"/>
+                </a:xfrm>
+                <a:prstGeom prst="rect">
+                  <a:avLst/>
+                </a:prstGeom>
+                <a:noFill/>
+              </p:spPr>
+              <p:txBody>
+                <a:bodyPr wrap="square">
+                  <a:spAutoFit/>
+                </a:bodyPr>
+                <a:lstStyle/>
+                <a:p>
+                  <a:r>
+                    <a:rPr lang="es-ES" sz="2400" dirty="0">
+                      <a:latin typeface="Audiowide" panose="02000503000000020004" pitchFamily="2" charset="0"/>
+                    </a:rPr>
+                    <a:t>+</a:t>
+                  </a:r>
+                  <a:endParaRPr lang="es-ES" sz="2400" dirty="0"/>
+                </a:p>
+              </p:txBody>
+            </p:sp>
+          </p:grpSp>
+          <p:grpSp>
+            <p:nvGrpSpPr>
+              <p:cNvPr id="239" name="Grupo 238">
+                <a:extLst>
+                  <a:ext uri="{FF2B5EF4-FFF2-40B4-BE49-F238E27FC236}">
+                    <a16:creationId xmlns:a16="http://schemas.microsoft.com/office/drawing/2014/main" id="{4C15D4D2-74CD-4D6D-8F96-B5A42F79E1E3}"/>
+                  </a:ext>
+                </a:extLst>
+              </p:cNvPr>
+              <p:cNvGrpSpPr/>
+              <p:nvPr/>
+            </p:nvGrpSpPr>
+            <p:grpSpPr>
+              <a:xfrm>
+                <a:off x="3370945" y="69634"/>
+                <a:ext cx="765951" cy="461666"/>
+                <a:chOff x="932978" y="5970636"/>
+                <a:chExt cx="765951" cy="461666"/>
+              </a:xfrm>
+            </p:grpSpPr>
+            <p:sp>
+              <p:nvSpPr>
+                <p:cNvPr id="240" name="CuadroTexto 239">
+                  <a:extLst>
+                    <a:ext uri="{FF2B5EF4-FFF2-40B4-BE49-F238E27FC236}">
+                      <a16:creationId xmlns:a16="http://schemas.microsoft.com/office/drawing/2014/main" id="{93B5B2BF-6234-44D1-88FC-499836DF5478}"/>
+                    </a:ext>
+                  </a:extLst>
+                </p:cNvPr>
+                <p:cNvSpPr txBox="1"/>
+                <p:nvPr/>
+              </p:nvSpPr>
+              <p:spPr>
+                <a:xfrm>
+                  <a:off x="932978" y="5970637"/>
+                  <a:ext cx="308291" cy="461665"/>
+                </a:xfrm>
+                <a:prstGeom prst="rect">
+                  <a:avLst/>
+                </a:prstGeom>
+                <a:noFill/>
+              </p:spPr>
+              <p:txBody>
+                <a:bodyPr wrap="square">
+                  <a:spAutoFit/>
+                </a:bodyPr>
+                <a:lstStyle/>
+                <a:p>
+                  <a:r>
+                    <a:rPr lang="es-ES" sz="2400" dirty="0">
+                      <a:latin typeface="Audiowide" panose="02000503000000020004" pitchFamily="2" charset="0"/>
+                    </a:rPr>
+                    <a:t>-</a:t>
+                  </a:r>
+                  <a:endParaRPr lang="es-ES" sz="2400" dirty="0"/>
+                </a:p>
+              </p:txBody>
+            </p:sp>
+            <p:sp>
+              <p:nvSpPr>
+                <p:cNvPr id="241" name="CuadroTexto 240">
+                  <a:extLst>
+                    <a:ext uri="{FF2B5EF4-FFF2-40B4-BE49-F238E27FC236}">
+                      <a16:creationId xmlns:a16="http://schemas.microsoft.com/office/drawing/2014/main" id="{AFB2C382-D8A5-4E1C-991D-55BD7AD739E0}"/>
+                    </a:ext>
+                  </a:extLst>
+                </p:cNvPr>
+                <p:cNvSpPr txBox="1"/>
+                <p:nvPr/>
+              </p:nvSpPr>
+              <p:spPr>
+                <a:xfrm>
+                  <a:off x="1390638" y="5970636"/>
+                  <a:ext cx="308291" cy="461665"/>
+                </a:xfrm>
+                <a:prstGeom prst="rect">
+                  <a:avLst/>
+                </a:prstGeom>
+                <a:noFill/>
+              </p:spPr>
+              <p:txBody>
+                <a:bodyPr wrap="square">
+                  <a:spAutoFit/>
+                </a:bodyPr>
+                <a:lstStyle/>
+                <a:p>
+                  <a:r>
+                    <a:rPr lang="es-ES" sz="2400" dirty="0">
+                      <a:latin typeface="Audiowide" panose="02000503000000020004" pitchFamily="2" charset="0"/>
+                    </a:rPr>
+                    <a:t>+</a:t>
+                  </a:r>
+                  <a:endParaRPr lang="es-ES" sz="2400" dirty="0"/>
+                </a:p>
+              </p:txBody>
+            </p:sp>
+          </p:grpSp>
+          <p:grpSp>
+            <p:nvGrpSpPr>
+              <p:cNvPr id="242" name="Grupo 241">
+                <a:extLst>
+                  <a:ext uri="{FF2B5EF4-FFF2-40B4-BE49-F238E27FC236}">
+                    <a16:creationId xmlns:a16="http://schemas.microsoft.com/office/drawing/2014/main" id="{E85327C9-02A4-43D3-BFED-423EE8FBE8B4}"/>
+                  </a:ext>
+                </a:extLst>
+              </p:cNvPr>
+              <p:cNvGrpSpPr/>
+              <p:nvPr/>
+            </p:nvGrpSpPr>
+            <p:grpSpPr>
+              <a:xfrm>
+                <a:off x="4321056" y="69634"/>
+                <a:ext cx="765951" cy="461666"/>
+                <a:chOff x="948218" y="5970636"/>
+                <a:chExt cx="765951" cy="461666"/>
+              </a:xfrm>
+            </p:grpSpPr>
+            <p:sp>
+              <p:nvSpPr>
+                <p:cNvPr id="243" name="CuadroTexto 242">
+                  <a:extLst>
+                    <a:ext uri="{FF2B5EF4-FFF2-40B4-BE49-F238E27FC236}">
+                      <a16:creationId xmlns:a16="http://schemas.microsoft.com/office/drawing/2014/main" id="{DB59C3F5-3CF2-43AC-AAC1-0A23CC0EF65D}"/>
+                    </a:ext>
+                  </a:extLst>
+                </p:cNvPr>
+                <p:cNvSpPr txBox="1"/>
+                <p:nvPr/>
+              </p:nvSpPr>
+              <p:spPr>
+                <a:xfrm>
+                  <a:off x="948218" y="5970637"/>
+                  <a:ext cx="308291" cy="461665"/>
+                </a:xfrm>
+                <a:prstGeom prst="rect">
+                  <a:avLst/>
+                </a:prstGeom>
+                <a:noFill/>
+              </p:spPr>
+              <p:txBody>
+                <a:bodyPr wrap="square">
+                  <a:spAutoFit/>
+                </a:bodyPr>
+                <a:lstStyle/>
+                <a:p>
+                  <a:r>
+                    <a:rPr lang="es-ES" sz="2400" dirty="0">
+                      <a:latin typeface="Audiowide" panose="02000503000000020004" pitchFamily="2" charset="0"/>
+                    </a:rPr>
+                    <a:t>-</a:t>
+                  </a:r>
+                  <a:endParaRPr lang="es-ES" sz="2400" dirty="0"/>
+                </a:p>
+              </p:txBody>
+            </p:sp>
+            <p:sp>
+              <p:nvSpPr>
+                <p:cNvPr id="244" name="CuadroTexto 243">
+                  <a:extLst>
+                    <a:ext uri="{FF2B5EF4-FFF2-40B4-BE49-F238E27FC236}">
+                      <a16:creationId xmlns:a16="http://schemas.microsoft.com/office/drawing/2014/main" id="{EDA75DDD-E547-447B-8604-E452DBC6C598}"/>
+                    </a:ext>
+                  </a:extLst>
+                </p:cNvPr>
+                <p:cNvSpPr txBox="1"/>
+                <p:nvPr/>
+              </p:nvSpPr>
+              <p:spPr>
+                <a:xfrm>
+                  <a:off x="1405878" y="5970636"/>
+                  <a:ext cx="308291" cy="461665"/>
+                </a:xfrm>
+                <a:prstGeom prst="rect">
+                  <a:avLst/>
+                </a:prstGeom>
+                <a:noFill/>
+              </p:spPr>
+              <p:txBody>
+                <a:bodyPr wrap="square">
+                  <a:spAutoFit/>
+                </a:bodyPr>
+                <a:lstStyle/>
+                <a:p>
+                  <a:r>
+                    <a:rPr lang="es-ES" sz="2400" dirty="0">
+                      <a:latin typeface="Audiowide" panose="02000503000000020004" pitchFamily="2" charset="0"/>
+                    </a:rPr>
+                    <a:t>+</a:t>
+                  </a:r>
+                  <a:endParaRPr lang="es-ES" sz="2400" dirty="0"/>
+                </a:p>
+              </p:txBody>
+            </p:sp>
+          </p:grpSp>
+        </p:grpSp>
         <p:sp>
           <p:nvSpPr>
-            <p:cNvPr id="168" name="CuadroTexto 167">
+            <p:cNvPr id="249" name="CuadroTexto 248">
               <a:extLst>
                 <a:ext uri="{FF2B5EF4-FFF2-40B4-BE49-F238E27FC236}">
-                  <a16:creationId xmlns:a16="http://schemas.microsoft.com/office/drawing/2014/main" id="{B3AE0CE1-E5B0-4A2F-8CB4-9EAF9C3AFC54}"/>
+                  <a16:creationId xmlns:a16="http://schemas.microsoft.com/office/drawing/2014/main" id="{B8A2E1AB-C706-400F-AB16-6CACC2DA233E}"/>
                 </a:ext>
               </a:extLst>
             </p:cNvPr>
@@ -3621,9 +3839,9 @@
             <p:nvPr/>
           </p:nvSpPr>
           <p:spPr>
-            <a:xfrm>
-              <a:off x="4729297" y="3317822"/>
-              <a:ext cx="382578" cy="168337"/>
+            <a:xfrm rot="10800000">
+              <a:off x="4230908" y="578923"/>
+              <a:ext cx="308291" cy="461665"/>
             </a:xfrm>
             <a:prstGeom prst="rect">
               <a:avLst/>
@@ -3637,61 +3855,60 @@
             <a:lstStyle/>
             <a:p>
               <a:r>
-                <a:rPr lang="es-ES" sz="1200" dirty="0">
-                  <a:solidFill>
-                    <a:schemeClr val="bg1"/>
-                  </a:solidFill>
+                <a:rPr lang="es-ES" sz="2400" dirty="0">
                   <a:latin typeface="Audiowide" panose="02000503000000020004" pitchFamily="2" charset="0"/>
                 </a:rPr>
-                <a:t>21</a:t>
+                <a:t>-</a:t>
               </a:r>
+              <a:endParaRPr lang="es-ES" sz="2400" dirty="0"/>
+            </a:p>
+          </p:txBody>
+        </p:sp>
+        <p:sp>
+          <p:nvSpPr>
+            <p:cNvPr id="250" name="CuadroTexto 249">
+              <a:extLst>
+                <a:ext uri="{FF2B5EF4-FFF2-40B4-BE49-F238E27FC236}">
+                  <a16:creationId xmlns:a16="http://schemas.microsoft.com/office/drawing/2014/main" id="{CA150D9E-19D3-4FEE-8C53-1425511CB5A0}"/>
+                </a:ext>
+              </a:extLst>
+            </p:cNvPr>
+            <p:cNvSpPr txBox="1"/>
+            <p:nvPr/>
+          </p:nvSpPr>
+          <p:spPr>
+            <a:xfrm rot="10800000">
+              <a:off x="3777837" y="578924"/>
+              <a:ext cx="308291" cy="461665"/>
+            </a:xfrm>
+            <a:prstGeom prst="rect">
+              <a:avLst/>
+            </a:prstGeom>
+            <a:noFill/>
+          </p:spPr>
+          <p:txBody>
+            <a:bodyPr wrap="square">
+              <a:spAutoFit/>
+            </a:bodyPr>
+            <a:lstStyle/>
+            <a:p>
+              <a:r>
+                <a:rPr lang="es-ES" sz="2400" dirty="0">
+                  <a:latin typeface="Audiowide" panose="02000503000000020004" pitchFamily="2" charset="0"/>
+                </a:rPr>
+                <a:t>+</a:t>
+              </a:r>
+              <a:endParaRPr lang="es-ES" sz="2400" dirty="0"/>
             </a:p>
           </p:txBody>
         </p:sp>
       </p:grpSp>
-      <p:sp>
-        <p:nvSpPr>
-          <p:cNvPr id="228" name="CuadroTexto 227">
+      <p:grpSp>
+        <p:nvGrpSpPr>
+          <p:cNvPr id="9" name="Grupo 8">
             <a:extLst>
               <a:ext uri="{FF2B5EF4-FFF2-40B4-BE49-F238E27FC236}">
-                <a16:creationId xmlns:a16="http://schemas.microsoft.com/office/drawing/2014/main" id="{73E5EA14-2F06-456B-8CB6-2AAB092C1EDA}"/>
-              </a:ext>
-            </a:extLst>
-          </p:cNvPr>
-          <p:cNvSpPr txBox="1"/>
-          <p:nvPr/>
-        </p:nvSpPr>
-        <p:spPr>
-          <a:xfrm>
-            <a:off x="4484915" y="6021360"/>
-            <a:ext cx="1080720" cy="338554"/>
-          </a:xfrm>
-          <a:prstGeom prst="rect">
-            <a:avLst/>
-          </a:prstGeom>
-          <a:noFill/>
-        </p:spPr>
-        <p:txBody>
-          <a:bodyPr wrap="square" rtlCol="0">
-            <a:spAutoFit/>
-          </a:bodyPr>
-          <a:lstStyle/>
-          <a:p>
-            <a:r>
-              <a:rPr lang="es-ES" sz="1600" b="1" dirty="0">
-                <a:latin typeface="Audiowide" panose="02000503000000020004" pitchFamily="2" charset="0"/>
-              </a:rPr>
-              <a:t>Flash</a:t>
-            </a:r>
-          </a:p>
-        </p:txBody>
-      </p:sp>
-      <p:grpSp>
-        <p:nvGrpSpPr>
-          <p:cNvPr id="13" name="Grupo 12">
-            <a:extLst>
-              <a:ext uri="{FF2B5EF4-FFF2-40B4-BE49-F238E27FC236}">
-                <a16:creationId xmlns:a16="http://schemas.microsoft.com/office/drawing/2014/main" id="{055F9BCC-BE7E-4440-A691-587144A37216}"/>
+                <a16:creationId xmlns:a16="http://schemas.microsoft.com/office/drawing/2014/main" id="{16E30D38-70F8-4988-A930-41F1889C172C}"/>
               </a:ext>
             </a:extLst>
           </p:cNvPr>
@@ -3700,225 +3917,743 @@
         </p:nvGrpSpPr>
         <p:grpSpPr>
           <a:xfrm>
-            <a:off x="3303189" y="1440940"/>
-            <a:ext cx="2507398" cy="1090326"/>
-            <a:chOff x="2347408" y="3083453"/>
-            <a:chExt cx="2337767" cy="1034410"/>
+            <a:off x="807653" y="842652"/>
+            <a:ext cx="3786908" cy="245934"/>
+            <a:chOff x="807653" y="895992"/>
+            <a:chExt cx="3786908" cy="245934"/>
           </a:xfrm>
         </p:grpSpPr>
-        <p:sp>
-          <p:nvSpPr>
-            <p:cNvPr id="46" name="CuadroTexto 45">
+        <p:grpSp>
+          <p:nvGrpSpPr>
+            <p:cNvPr id="162" name="Grupo 161">
               <a:extLst>
                 <a:ext uri="{FF2B5EF4-FFF2-40B4-BE49-F238E27FC236}">
-                  <a16:creationId xmlns:a16="http://schemas.microsoft.com/office/drawing/2014/main" id="{5D7FA04C-DFEF-4618-8C6A-317F9D0E6025}"/>
+                  <a16:creationId xmlns:a16="http://schemas.microsoft.com/office/drawing/2014/main" id="{2B5D488D-009F-46BA-B28E-D02B0AD7C9F6}"/>
                 </a:ext>
               </a:extLst>
             </p:cNvPr>
-            <p:cNvSpPr txBox="1"/>
+            <p:cNvGrpSpPr/>
             <p:nvPr/>
-          </p:nvSpPr>
-          <p:spPr>
+          </p:nvGrpSpPr>
+          <p:grpSpPr>
             <a:xfrm>
-              <a:off x="2347408" y="3095889"/>
-              <a:ext cx="1619492" cy="1021974"/>
+              <a:off x="807653" y="895992"/>
+              <a:ext cx="952564" cy="230832"/>
+              <a:chOff x="4686106" y="3308594"/>
+              <a:chExt cx="857731" cy="184284"/>
             </a:xfrm>
-            <a:prstGeom prst="rect">
-              <a:avLst/>
-            </a:prstGeom>
-            <a:noFill/>
-          </p:spPr>
-          <p:txBody>
-            <a:bodyPr wrap="square" rtlCol="0">
-              <a:spAutoFit/>
-            </a:bodyPr>
-            <a:lstStyle/>
-            <a:p>
-              <a:pPr algn="r"/>
-              <a:r>
-                <a:rPr lang="es-ES" sz="3200" dirty="0">
-                  <a:latin typeface="Audiowide" panose="02000503000000020004" pitchFamily="2" charset="0"/>
-                </a:rPr>
-                <a:t>Smart </a:t>
-              </a:r>
-              <a:r>
-                <a:rPr lang="es-ES" sz="3200" dirty="0" err="1">
-                  <a:latin typeface="Audiowide" panose="02000503000000020004" pitchFamily="2" charset="0"/>
-                </a:rPr>
-                <a:t>Lights</a:t>
-              </a:r>
-              <a:endParaRPr lang="es-ES" sz="3200" dirty="0">
-                <a:latin typeface="Audiowide" panose="02000503000000020004" pitchFamily="2" charset="0"/>
-              </a:endParaRPr>
-            </a:p>
-          </p:txBody>
-        </p:sp>
-        <p:pic>
-          <p:nvPicPr>
-            <p:cNvPr id="3104" name="Picture 32" descr="Internet and WiFi - Bibliothèques de Martigues">
+          </p:grpSpPr>
+          <p:sp>
+            <p:nvSpPr>
+              <p:cNvPr id="166" name="Rectángulo: esquinas redondeadas 165">
+                <a:extLst>
+                  <a:ext uri="{FF2B5EF4-FFF2-40B4-BE49-F238E27FC236}">
+                    <a16:creationId xmlns:a16="http://schemas.microsoft.com/office/drawing/2014/main" id="{9AB9CBFB-42DE-4950-9A29-B16A5774FBA1}"/>
+                  </a:ext>
+                </a:extLst>
+              </p:cNvPr>
+              <p:cNvSpPr/>
+              <p:nvPr/>
+            </p:nvSpPr>
+            <p:spPr>
+              <a:xfrm>
+                <a:off x="4711030" y="3325666"/>
+                <a:ext cx="832807" cy="147974"/>
+              </a:xfrm>
+              <a:prstGeom prst="roundRect">
+                <a:avLst>
+                  <a:gd name="adj" fmla="val 50000"/>
+                </a:avLst>
+              </a:prstGeom>
+              <a:solidFill>
+                <a:schemeClr val="tx1"/>
+              </a:solidFill>
+              <a:ln w="12700">
+                <a:solidFill>
+                  <a:schemeClr val="tx1"/>
+                </a:solidFill>
+              </a:ln>
+            </p:spPr>
+            <p:style>
+              <a:lnRef idx="2">
+                <a:schemeClr val="accent1">
+                  <a:shade val="50000"/>
+                </a:schemeClr>
+              </a:lnRef>
+              <a:fillRef idx="1">
+                <a:schemeClr val="accent1"/>
+              </a:fillRef>
+              <a:effectRef idx="0">
+                <a:schemeClr val="accent1"/>
+              </a:effectRef>
+              <a:fontRef idx="minor">
+                <a:schemeClr val="lt1"/>
+              </a:fontRef>
+            </p:style>
+            <p:txBody>
+              <a:bodyPr rtlCol="0" anchor="ctr"/>
+              <a:lstStyle/>
+              <a:p>
+                <a:pPr algn="r"/>
+                <a:endParaRPr lang="es-ES" dirty="0"/>
+              </a:p>
+            </p:txBody>
+          </p:sp>
+          <p:sp>
+            <p:nvSpPr>
+              <p:cNvPr id="167" name="Rectángulo: esquinas redondeadas 166">
+                <a:extLst>
+                  <a:ext uri="{FF2B5EF4-FFF2-40B4-BE49-F238E27FC236}">
+                    <a16:creationId xmlns:a16="http://schemas.microsoft.com/office/drawing/2014/main" id="{1E8D6892-E2DC-408C-BA74-CE6A64485ADD}"/>
+                  </a:ext>
+                </a:extLst>
+              </p:cNvPr>
+              <p:cNvSpPr/>
+              <p:nvPr/>
+            </p:nvSpPr>
+            <p:spPr>
+              <a:xfrm>
+                <a:off x="4911272" y="3323088"/>
+                <a:ext cx="622513" cy="147974"/>
+              </a:xfrm>
+              <a:prstGeom prst="roundRect">
+                <a:avLst>
+                  <a:gd name="adj" fmla="val 50000"/>
+                </a:avLst>
+              </a:prstGeom>
+              <a:solidFill>
+                <a:schemeClr val="bg1"/>
+              </a:solidFill>
+              <a:ln w="12700">
+                <a:solidFill>
+                  <a:schemeClr val="tx1"/>
+                </a:solidFill>
+              </a:ln>
+            </p:spPr>
+            <p:style>
+              <a:lnRef idx="2">
+                <a:schemeClr val="accent1">
+                  <a:shade val="50000"/>
+                </a:schemeClr>
+              </a:lnRef>
+              <a:fillRef idx="1">
+                <a:schemeClr val="accent1"/>
+              </a:fillRef>
+              <a:effectRef idx="0">
+                <a:schemeClr val="accent1"/>
+              </a:effectRef>
+              <a:fontRef idx="minor">
+                <a:schemeClr val="lt1"/>
+              </a:fontRef>
+            </p:style>
+            <p:txBody>
+              <a:bodyPr lIns="0" rIns="0" rtlCol="0" anchor="ctr"/>
+              <a:lstStyle/>
+              <a:p>
+                <a:pPr algn="ctr"/>
+                <a:r>
+                  <a:rPr lang="es-ES" sz="900" dirty="0">
+                    <a:solidFill>
+                      <a:schemeClr val="tx1"/>
+                    </a:solidFill>
+                    <a:latin typeface="Audiowide" panose="02000503000000020004" pitchFamily="2" charset="0"/>
+                  </a:rPr>
+                  <a:t>Output 1</a:t>
+                </a:r>
+              </a:p>
+            </p:txBody>
+          </p:sp>
+          <p:sp>
+            <p:nvSpPr>
+              <p:cNvPr id="168" name="CuadroTexto 167">
+                <a:extLst>
+                  <a:ext uri="{FF2B5EF4-FFF2-40B4-BE49-F238E27FC236}">
+                    <a16:creationId xmlns:a16="http://schemas.microsoft.com/office/drawing/2014/main" id="{B3AE0CE1-E5B0-4A2F-8CB4-9EAF9C3AFC54}"/>
+                  </a:ext>
+                </a:extLst>
+              </p:cNvPr>
+              <p:cNvSpPr txBox="1"/>
+              <p:nvPr/>
+            </p:nvSpPr>
+            <p:spPr>
+              <a:xfrm>
+                <a:off x="4686106" y="3308594"/>
+                <a:ext cx="382578" cy="184284"/>
+              </a:xfrm>
+              <a:prstGeom prst="rect">
+                <a:avLst/>
+              </a:prstGeom>
+              <a:noFill/>
+            </p:spPr>
+            <p:txBody>
+              <a:bodyPr wrap="square">
+                <a:spAutoFit/>
+              </a:bodyPr>
+              <a:lstStyle/>
+              <a:p>
+                <a:r>
+                  <a:rPr lang="es-ES" sz="900" dirty="0">
+                    <a:solidFill>
+                      <a:schemeClr val="bg1"/>
+                    </a:solidFill>
+                    <a:latin typeface="Audiowide" panose="02000503000000020004" pitchFamily="2" charset="0"/>
+                  </a:rPr>
+                  <a:t>21</a:t>
+                </a:r>
+              </a:p>
+            </p:txBody>
+          </p:sp>
+        </p:grpSp>
+        <p:grpSp>
+          <p:nvGrpSpPr>
+            <p:cNvPr id="78" name="Grupo 77">
               <a:extLst>
                 <a:ext uri="{FF2B5EF4-FFF2-40B4-BE49-F238E27FC236}">
-                  <a16:creationId xmlns:a16="http://schemas.microsoft.com/office/drawing/2014/main" id="{A361A618-93F3-45C0-86B1-95B965794789}"/>
+                  <a16:creationId xmlns:a16="http://schemas.microsoft.com/office/drawing/2014/main" id="{F5D30D47-C559-460C-8862-866FF128C0E4}"/>
                 </a:ext>
               </a:extLst>
             </p:cNvPr>
-            <p:cNvPicPr>
-              <a:picLocks noChangeAspect="1" noChangeArrowheads="1"/>
-            </p:cNvPicPr>
+            <p:cNvGrpSpPr/>
             <p:nvPr/>
-          </p:nvPicPr>
-          <p:blipFill>
-            <a:blip r:embed="rId3">
-              <a:extLst>
-                <a:ext uri="{28A0092B-C50C-407E-A947-70E740481C1C}">
-                  <a14:useLocalDpi xmlns:a14="http://schemas.microsoft.com/office/drawing/2010/main" val="0"/>
-                </a:ext>
-              </a:extLst>
-            </a:blip>
-            <a:srcRect/>
-            <a:stretch>
-              <a:fillRect/>
-            </a:stretch>
-          </p:blipFill>
-          <p:spPr bwMode="auto">
-            <a:xfrm rot="2726951">
-              <a:off x="3840168" y="3587061"/>
-              <a:ext cx="529516" cy="475234"/>
+          </p:nvGrpSpPr>
+          <p:grpSpPr>
+            <a:xfrm>
+              <a:off x="1736562" y="903543"/>
+              <a:ext cx="967804" cy="230832"/>
+              <a:chOff x="4672384" y="3308594"/>
+              <a:chExt cx="871453" cy="184284"/>
             </a:xfrm>
-            <a:prstGeom prst="rect">
-              <a:avLst/>
-            </a:prstGeom>
-            <a:noFill/>
-            <a:extLst>
-              <a:ext uri="{909E8E84-426E-40DD-AFC4-6F175D3DCCD1}">
-                <a14:hiddenFill xmlns:a14="http://schemas.microsoft.com/office/drawing/2010/main">
-                  <a:solidFill>
-                    <a:srgbClr val="FFFFFF"/>
-                  </a:solidFill>
-                </a14:hiddenFill>
-              </a:ext>
-            </a:extLst>
-          </p:spPr>
-        </p:pic>
-        <p:pic>
-          <p:nvPicPr>
-            <p:cNvPr id="8" name="Imagen 7">
+          </p:grpSpPr>
+          <p:sp>
+            <p:nvSpPr>
+              <p:cNvPr id="79" name="Rectángulo: esquinas redondeadas 78">
+                <a:extLst>
+                  <a:ext uri="{FF2B5EF4-FFF2-40B4-BE49-F238E27FC236}">
+                    <a16:creationId xmlns:a16="http://schemas.microsoft.com/office/drawing/2014/main" id="{70B8EF5F-9563-4375-9FE8-FC87D3D1C217}"/>
+                  </a:ext>
+                </a:extLst>
+              </p:cNvPr>
+              <p:cNvSpPr/>
+              <p:nvPr/>
+            </p:nvSpPr>
+            <p:spPr>
+              <a:xfrm>
+                <a:off x="4711030" y="3325666"/>
+                <a:ext cx="832807" cy="147974"/>
+              </a:xfrm>
+              <a:prstGeom prst="roundRect">
+                <a:avLst>
+                  <a:gd name="adj" fmla="val 50000"/>
+                </a:avLst>
+              </a:prstGeom>
+              <a:solidFill>
+                <a:schemeClr val="tx1"/>
+              </a:solidFill>
+              <a:ln w="12700">
+                <a:solidFill>
+                  <a:schemeClr val="tx1"/>
+                </a:solidFill>
+              </a:ln>
+            </p:spPr>
+            <p:style>
+              <a:lnRef idx="2">
+                <a:schemeClr val="accent1">
+                  <a:shade val="50000"/>
+                </a:schemeClr>
+              </a:lnRef>
+              <a:fillRef idx="1">
+                <a:schemeClr val="accent1"/>
+              </a:fillRef>
+              <a:effectRef idx="0">
+                <a:schemeClr val="accent1"/>
+              </a:effectRef>
+              <a:fontRef idx="minor">
+                <a:schemeClr val="lt1"/>
+              </a:fontRef>
+            </p:style>
+            <p:txBody>
+              <a:bodyPr rtlCol="0" anchor="ctr"/>
+              <a:lstStyle/>
+              <a:p>
+                <a:pPr algn="r"/>
+                <a:endParaRPr lang="es-ES" dirty="0"/>
+              </a:p>
+            </p:txBody>
+          </p:sp>
+          <p:sp>
+            <p:nvSpPr>
+              <p:cNvPr id="80" name="Rectángulo: esquinas redondeadas 79">
+                <a:extLst>
+                  <a:ext uri="{FF2B5EF4-FFF2-40B4-BE49-F238E27FC236}">
+                    <a16:creationId xmlns:a16="http://schemas.microsoft.com/office/drawing/2014/main" id="{F4ACDDCC-6C42-49FE-AA1D-5A1C5CF49AEA}"/>
+                  </a:ext>
+                </a:extLst>
+              </p:cNvPr>
+              <p:cNvSpPr/>
+              <p:nvPr/>
+            </p:nvSpPr>
+            <p:spPr>
+              <a:xfrm>
+                <a:off x="4911272" y="3323088"/>
+                <a:ext cx="622513" cy="147974"/>
+              </a:xfrm>
+              <a:prstGeom prst="roundRect">
+                <a:avLst>
+                  <a:gd name="adj" fmla="val 50000"/>
+                </a:avLst>
+              </a:prstGeom>
+              <a:solidFill>
+                <a:schemeClr val="bg1"/>
+              </a:solidFill>
+              <a:ln w="12700">
+                <a:solidFill>
+                  <a:schemeClr val="tx1"/>
+                </a:solidFill>
+              </a:ln>
+            </p:spPr>
+            <p:style>
+              <a:lnRef idx="2">
+                <a:schemeClr val="accent1">
+                  <a:shade val="50000"/>
+                </a:schemeClr>
+              </a:lnRef>
+              <a:fillRef idx="1">
+                <a:schemeClr val="accent1"/>
+              </a:fillRef>
+              <a:effectRef idx="0">
+                <a:schemeClr val="accent1"/>
+              </a:effectRef>
+              <a:fontRef idx="minor">
+                <a:schemeClr val="lt1"/>
+              </a:fontRef>
+            </p:style>
+            <p:txBody>
+              <a:bodyPr lIns="0" rIns="0" rtlCol="0" anchor="ctr"/>
+              <a:lstStyle/>
+              <a:p>
+                <a:pPr algn="ctr"/>
+                <a:r>
+                  <a:rPr lang="es-ES" sz="900" dirty="0">
+                    <a:solidFill>
+                      <a:schemeClr val="tx1"/>
+                    </a:solidFill>
+                    <a:latin typeface="Audiowide" panose="02000503000000020004" pitchFamily="2" charset="0"/>
+                  </a:rPr>
+                  <a:t>Output 2</a:t>
+                </a:r>
+              </a:p>
+            </p:txBody>
+          </p:sp>
+          <p:sp>
+            <p:nvSpPr>
+              <p:cNvPr id="81" name="CuadroTexto 80">
+                <a:extLst>
+                  <a:ext uri="{FF2B5EF4-FFF2-40B4-BE49-F238E27FC236}">
+                    <a16:creationId xmlns:a16="http://schemas.microsoft.com/office/drawing/2014/main" id="{C5C909DC-7273-43B9-88B1-B4C247F53FEA}"/>
+                  </a:ext>
+                </a:extLst>
+              </p:cNvPr>
+              <p:cNvSpPr txBox="1"/>
+              <p:nvPr/>
+            </p:nvSpPr>
+            <p:spPr>
+              <a:xfrm>
+                <a:off x="4672384" y="3308594"/>
+                <a:ext cx="382578" cy="184284"/>
+              </a:xfrm>
+              <a:prstGeom prst="rect">
+                <a:avLst/>
+              </a:prstGeom>
+              <a:noFill/>
+            </p:spPr>
+            <p:txBody>
+              <a:bodyPr wrap="square">
+                <a:spAutoFit/>
+              </a:bodyPr>
+              <a:lstStyle/>
+              <a:p>
+                <a:r>
+                  <a:rPr lang="es-ES" sz="900" dirty="0">
+                    <a:solidFill>
+                      <a:schemeClr val="bg1"/>
+                    </a:solidFill>
+                    <a:latin typeface="Audiowide" panose="02000503000000020004" pitchFamily="2" charset="0"/>
+                  </a:rPr>
+                  <a:t>36</a:t>
+                </a:r>
+              </a:p>
+            </p:txBody>
+          </p:sp>
+        </p:grpSp>
+        <p:grpSp>
+          <p:nvGrpSpPr>
+            <p:cNvPr id="82" name="Grupo 81">
               <a:extLst>
                 <a:ext uri="{FF2B5EF4-FFF2-40B4-BE49-F238E27FC236}">
-                  <a16:creationId xmlns:a16="http://schemas.microsoft.com/office/drawing/2014/main" id="{8EFEF838-999D-4BBD-9A45-94A3A844848B}"/>
+                  <a16:creationId xmlns:a16="http://schemas.microsoft.com/office/drawing/2014/main" id="{D836E470-5A34-4559-A757-5DDDCE5F5C30}"/>
                 </a:ext>
               </a:extLst>
             </p:cNvPr>
-            <p:cNvPicPr>
-              <a:picLocks noChangeAspect="1"/>
-            </p:cNvPicPr>
+            <p:cNvGrpSpPr/>
             <p:nvPr/>
-          </p:nvPicPr>
-          <p:blipFill>
-            <a:blip r:embed="rId4">
+          </p:nvGrpSpPr>
+          <p:grpSpPr>
+            <a:xfrm>
+              <a:off x="2682614" y="903543"/>
+              <a:ext cx="967804" cy="230832"/>
+              <a:chOff x="4672384" y="3308594"/>
+              <a:chExt cx="871453" cy="184284"/>
+            </a:xfrm>
+          </p:grpSpPr>
+          <p:sp>
+            <p:nvSpPr>
+              <p:cNvPr id="83" name="Rectángulo: esquinas redondeadas 82">
+                <a:extLst>
+                  <a:ext uri="{FF2B5EF4-FFF2-40B4-BE49-F238E27FC236}">
+                    <a16:creationId xmlns:a16="http://schemas.microsoft.com/office/drawing/2014/main" id="{4C2215C5-11C8-4327-B7AE-4FABB84AE862}"/>
+                  </a:ext>
+                </a:extLst>
+              </p:cNvPr>
+              <p:cNvSpPr/>
+              <p:nvPr/>
+            </p:nvSpPr>
+            <p:spPr>
+              <a:xfrm>
+                <a:off x="4711030" y="3325666"/>
+                <a:ext cx="832807" cy="147974"/>
+              </a:xfrm>
+              <a:prstGeom prst="roundRect">
+                <a:avLst>
+                  <a:gd name="adj" fmla="val 50000"/>
+                </a:avLst>
+              </a:prstGeom>
+              <a:solidFill>
+                <a:schemeClr val="tx1"/>
+              </a:solidFill>
+              <a:ln w="12700">
+                <a:solidFill>
+                  <a:schemeClr val="tx1"/>
+                </a:solidFill>
+              </a:ln>
+            </p:spPr>
+            <p:style>
+              <a:lnRef idx="2">
+                <a:schemeClr val="accent1">
+                  <a:shade val="50000"/>
+                </a:schemeClr>
+              </a:lnRef>
+              <a:fillRef idx="1">
+                <a:schemeClr val="accent1"/>
+              </a:fillRef>
+              <a:effectRef idx="0">
+                <a:schemeClr val="accent1"/>
+              </a:effectRef>
+              <a:fontRef idx="minor">
+                <a:schemeClr val="lt1"/>
+              </a:fontRef>
+            </p:style>
+            <p:txBody>
+              <a:bodyPr rtlCol="0" anchor="ctr"/>
+              <a:lstStyle/>
+              <a:p>
+                <a:pPr algn="r"/>
+                <a:endParaRPr lang="es-ES" dirty="0"/>
+              </a:p>
+            </p:txBody>
+          </p:sp>
+          <p:sp>
+            <p:nvSpPr>
+              <p:cNvPr id="84" name="Rectángulo: esquinas redondeadas 83">
+                <a:extLst>
+                  <a:ext uri="{FF2B5EF4-FFF2-40B4-BE49-F238E27FC236}">
+                    <a16:creationId xmlns:a16="http://schemas.microsoft.com/office/drawing/2014/main" id="{D438A632-7804-422B-B8DE-8B74D1C6A934}"/>
+                  </a:ext>
+                </a:extLst>
+              </p:cNvPr>
+              <p:cNvSpPr/>
+              <p:nvPr/>
+            </p:nvSpPr>
+            <p:spPr>
+              <a:xfrm>
+                <a:off x="4911272" y="3323088"/>
+                <a:ext cx="622513" cy="147974"/>
+              </a:xfrm>
+              <a:prstGeom prst="roundRect">
+                <a:avLst>
+                  <a:gd name="adj" fmla="val 50000"/>
+                </a:avLst>
+              </a:prstGeom>
+              <a:solidFill>
+                <a:schemeClr val="bg1"/>
+              </a:solidFill>
+              <a:ln w="12700">
+                <a:solidFill>
+                  <a:schemeClr val="tx1"/>
+                </a:solidFill>
+              </a:ln>
+            </p:spPr>
+            <p:style>
+              <a:lnRef idx="2">
+                <a:schemeClr val="accent1">
+                  <a:shade val="50000"/>
+                </a:schemeClr>
+              </a:lnRef>
+              <a:fillRef idx="1">
+                <a:schemeClr val="accent1"/>
+              </a:fillRef>
+              <a:effectRef idx="0">
+                <a:schemeClr val="accent1"/>
+              </a:effectRef>
+              <a:fontRef idx="minor">
+                <a:schemeClr val="lt1"/>
+              </a:fontRef>
+            </p:style>
+            <p:txBody>
+              <a:bodyPr lIns="0" rIns="0" rtlCol="0" anchor="ctr"/>
+              <a:lstStyle/>
+              <a:p>
+                <a:pPr algn="ctr"/>
+                <a:r>
+                  <a:rPr lang="es-ES" sz="900" dirty="0">
+                    <a:solidFill>
+                      <a:schemeClr val="tx1"/>
+                    </a:solidFill>
+                    <a:latin typeface="Audiowide" panose="02000503000000020004" pitchFamily="2" charset="0"/>
+                  </a:rPr>
+                  <a:t>Output 3</a:t>
+                </a:r>
+              </a:p>
+            </p:txBody>
+          </p:sp>
+          <p:sp>
+            <p:nvSpPr>
+              <p:cNvPr id="85" name="CuadroTexto 84">
+                <a:extLst>
+                  <a:ext uri="{FF2B5EF4-FFF2-40B4-BE49-F238E27FC236}">
+                    <a16:creationId xmlns:a16="http://schemas.microsoft.com/office/drawing/2014/main" id="{68B2D8FC-A77A-4200-BDD4-0637653E0CD0}"/>
+                  </a:ext>
+                </a:extLst>
+              </p:cNvPr>
+              <p:cNvSpPr txBox="1"/>
+              <p:nvPr/>
+            </p:nvSpPr>
+            <p:spPr>
+              <a:xfrm>
+                <a:off x="4672384" y="3308594"/>
+                <a:ext cx="382578" cy="184284"/>
+              </a:xfrm>
+              <a:prstGeom prst="rect">
+                <a:avLst/>
+              </a:prstGeom>
+              <a:noFill/>
+            </p:spPr>
+            <p:txBody>
+              <a:bodyPr wrap="square">
+                <a:spAutoFit/>
+              </a:bodyPr>
+              <a:lstStyle/>
+              <a:p>
+                <a:r>
+                  <a:rPr lang="es-ES" sz="900" dirty="0">
+                    <a:solidFill>
+                      <a:schemeClr val="bg1"/>
+                    </a:solidFill>
+                    <a:latin typeface="Audiowide" panose="02000503000000020004" pitchFamily="2" charset="0"/>
+                  </a:rPr>
+                  <a:t>37</a:t>
+                </a:r>
+              </a:p>
+            </p:txBody>
+          </p:sp>
+        </p:grpSp>
+        <p:grpSp>
+          <p:nvGrpSpPr>
+            <p:cNvPr id="86" name="Grupo 85">
               <a:extLst>
-                <a:ext uri="{28A0092B-C50C-407E-A947-70E740481C1C}">
-                  <a14:useLocalDpi xmlns:a14="http://schemas.microsoft.com/office/drawing/2010/main" val="0"/>
+                <a:ext uri="{FF2B5EF4-FFF2-40B4-BE49-F238E27FC236}">
+                  <a16:creationId xmlns:a16="http://schemas.microsoft.com/office/drawing/2014/main" id="{E5B436CD-11D5-4E32-BBD2-27924DA286CA}"/>
                 </a:ext>
               </a:extLst>
-            </a:blip>
-            <a:stretch>
-              <a:fillRect/>
-            </a:stretch>
-          </p:blipFill>
-          <p:spPr>
+            </p:cNvPr>
+            <p:cNvGrpSpPr/>
+            <p:nvPr/>
+          </p:nvGrpSpPr>
+          <p:grpSpPr>
             <a:xfrm>
-              <a:off x="4049551" y="3083453"/>
-              <a:ext cx="635624" cy="635623"/>
+              <a:off x="3626757" y="911094"/>
+              <a:ext cx="967804" cy="230832"/>
+              <a:chOff x="4672384" y="3308594"/>
+              <a:chExt cx="871453" cy="184284"/>
             </a:xfrm>
-            <a:prstGeom prst="rect">
-              <a:avLst/>
-            </a:prstGeom>
-          </p:spPr>
-        </p:pic>
+          </p:grpSpPr>
+          <p:sp>
+            <p:nvSpPr>
+              <p:cNvPr id="87" name="Rectángulo: esquinas redondeadas 86">
+                <a:extLst>
+                  <a:ext uri="{FF2B5EF4-FFF2-40B4-BE49-F238E27FC236}">
+                    <a16:creationId xmlns:a16="http://schemas.microsoft.com/office/drawing/2014/main" id="{111A2ED9-A040-4045-8FE6-8B7254EBD0F1}"/>
+                  </a:ext>
+                </a:extLst>
+              </p:cNvPr>
+              <p:cNvSpPr/>
+              <p:nvPr/>
+            </p:nvSpPr>
+            <p:spPr>
+              <a:xfrm>
+                <a:off x="4711030" y="3325666"/>
+                <a:ext cx="832807" cy="147974"/>
+              </a:xfrm>
+              <a:prstGeom prst="roundRect">
+                <a:avLst>
+                  <a:gd name="adj" fmla="val 50000"/>
+                </a:avLst>
+              </a:prstGeom>
+              <a:solidFill>
+                <a:schemeClr val="tx1"/>
+              </a:solidFill>
+              <a:ln w="12700">
+                <a:solidFill>
+                  <a:schemeClr val="tx1"/>
+                </a:solidFill>
+              </a:ln>
+            </p:spPr>
+            <p:style>
+              <a:lnRef idx="2">
+                <a:schemeClr val="accent1">
+                  <a:shade val="50000"/>
+                </a:schemeClr>
+              </a:lnRef>
+              <a:fillRef idx="1">
+                <a:schemeClr val="accent1"/>
+              </a:fillRef>
+              <a:effectRef idx="0">
+                <a:schemeClr val="accent1"/>
+              </a:effectRef>
+              <a:fontRef idx="minor">
+                <a:schemeClr val="lt1"/>
+              </a:fontRef>
+            </p:style>
+            <p:txBody>
+              <a:bodyPr rtlCol="0" anchor="ctr"/>
+              <a:lstStyle/>
+              <a:p>
+                <a:pPr algn="r"/>
+                <a:endParaRPr lang="es-ES" dirty="0"/>
+              </a:p>
+            </p:txBody>
+          </p:sp>
+          <p:sp>
+            <p:nvSpPr>
+              <p:cNvPr id="89" name="Rectángulo: esquinas redondeadas 88">
+                <a:extLst>
+                  <a:ext uri="{FF2B5EF4-FFF2-40B4-BE49-F238E27FC236}">
+                    <a16:creationId xmlns:a16="http://schemas.microsoft.com/office/drawing/2014/main" id="{882AC86E-9552-44E2-94D0-51260BB0430F}"/>
+                  </a:ext>
+                </a:extLst>
+              </p:cNvPr>
+              <p:cNvSpPr/>
+              <p:nvPr/>
+            </p:nvSpPr>
+            <p:spPr>
+              <a:xfrm>
+                <a:off x="4918133" y="3323088"/>
+                <a:ext cx="622513" cy="147974"/>
+              </a:xfrm>
+              <a:prstGeom prst="roundRect">
+                <a:avLst>
+                  <a:gd name="adj" fmla="val 50000"/>
+                </a:avLst>
+              </a:prstGeom>
+              <a:solidFill>
+                <a:schemeClr val="bg1"/>
+              </a:solidFill>
+              <a:ln w="12700">
+                <a:solidFill>
+                  <a:schemeClr val="tx1"/>
+                </a:solidFill>
+              </a:ln>
+            </p:spPr>
+            <p:style>
+              <a:lnRef idx="2">
+                <a:schemeClr val="accent1">
+                  <a:shade val="50000"/>
+                </a:schemeClr>
+              </a:lnRef>
+              <a:fillRef idx="1">
+                <a:schemeClr val="accent1"/>
+              </a:fillRef>
+              <a:effectRef idx="0">
+                <a:schemeClr val="accent1"/>
+              </a:effectRef>
+              <a:fontRef idx="minor">
+                <a:schemeClr val="lt1"/>
+              </a:fontRef>
+            </p:style>
+            <p:txBody>
+              <a:bodyPr lIns="0" rIns="0" rtlCol="0" anchor="ctr"/>
+              <a:lstStyle/>
+              <a:p>
+                <a:pPr algn="ctr"/>
+                <a:r>
+                  <a:rPr lang="es-ES" sz="900" dirty="0">
+                    <a:solidFill>
+                      <a:schemeClr val="tx1"/>
+                    </a:solidFill>
+                    <a:latin typeface="Audiowide" panose="02000503000000020004" pitchFamily="2" charset="0"/>
+                  </a:rPr>
+                  <a:t>Output 4</a:t>
+                </a:r>
+              </a:p>
+            </p:txBody>
+          </p:sp>
+          <p:sp>
+            <p:nvSpPr>
+              <p:cNvPr id="90" name="CuadroTexto 89">
+                <a:extLst>
+                  <a:ext uri="{FF2B5EF4-FFF2-40B4-BE49-F238E27FC236}">
+                    <a16:creationId xmlns:a16="http://schemas.microsoft.com/office/drawing/2014/main" id="{EF1B1A90-6379-497F-B566-202A6D12C3B9}"/>
+                  </a:ext>
+                </a:extLst>
+              </p:cNvPr>
+              <p:cNvSpPr txBox="1"/>
+              <p:nvPr/>
+            </p:nvSpPr>
+            <p:spPr>
+              <a:xfrm>
+                <a:off x="4672384" y="3308594"/>
+                <a:ext cx="382578" cy="184284"/>
+              </a:xfrm>
+              <a:prstGeom prst="rect">
+                <a:avLst/>
+              </a:prstGeom>
+              <a:noFill/>
+            </p:spPr>
+            <p:txBody>
+              <a:bodyPr wrap="square">
+                <a:spAutoFit/>
+              </a:bodyPr>
+              <a:lstStyle/>
+              <a:p>
+                <a:r>
+                  <a:rPr lang="es-ES" sz="900" dirty="0">
+                    <a:solidFill>
+                      <a:schemeClr val="bg1"/>
+                    </a:solidFill>
+                    <a:latin typeface="Audiowide" panose="02000503000000020004" pitchFamily="2" charset="0"/>
+                  </a:rPr>
+                  <a:t>25</a:t>
+                </a:r>
+              </a:p>
+            </p:txBody>
+          </p:sp>
+        </p:grpSp>
       </p:grpSp>
-      <p:sp>
-        <p:nvSpPr>
-          <p:cNvPr id="249" name="CuadroTexto 248">
+      <p:grpSp>
+        <p:nvGrpSpPr>
+          <p:cNvPr id="92" name="Grupo 91">
             <a:extLst>
               <a:ext uri="{FF2B5EF4-FFF2-40B4-BE49-F238E27FC236}">
-                <a16:creationId xmlns:a16="http://schemas.microsoft.com/office/drawing/2014/main" id="{B8A2E1AB-C706-400F-AB16-6CACC2DA233E}"/>
-              </a:ext>
-            </a:extLst>
-          </p:cNvPr>
-          <p:cNvSpPr txBox="1"/>
-          <p:nvPr/>
-        </p:nvSpPr>
-        <p:spPr>
-          <a:xfrm rot="10800000">
-            <a:off x="3834150" y="761503"/>
-            <a:ext cx="308291" cy="584775"/>
-          </a:xfrm>
-          <a:prstGeom prst="rect">
-            <a:avLst/>
-          </a:prstGeom>
-          <a:noFill/>
-        </p:spPr>
-        <p:txBody>
-          <a:bodyPr wrap="square">
-            <a:spAutoFit/>
-          </a:bodyPr>
-          <a:lstStyle/>
-          <a:p>
-            <a:r>
-              <a:rPr lang="es-ES" sz="3200" dirty="0">
-                <a:latin typeface="Audiowide" panose="02000503000000020004" pitchFamily="2" charset="0"/>
-              </a:rPr>
-              <a:t>-</a:t>
-            </a:r>
-            <a:endParaRPr lang="es-ES" sz="3200" dirty="0"/>
-          </a:p>
-        </p:txBody>
-      </p:sp>
-      <p:sp>
-        <p:nvSpPr>
-          <p:cNvPr id="250" name="CuadroTexto 249">
-            <a:extLst>
-              <a:ext uri="{FF2B5EF4-FFF2-40B4-BE49-F238E27FC236}">
-                <a16:creationId xmlns:a16="http://schemas.microsoft.com/office/drawing/2014/main" id="{CA150D9E-19D3-4FEE-8C53-1425511CB5A0}"/>
-              </a:ext>
-            </a:extLst>
-          </p:cNvPr>
-          <p:cNvSpPr txBox="1"/>
-          <p:nvPr/>
-        </p:nvSpPr>
-        <p:spPr>
-          <a:xfrm rot="10800000">
-            <a:off x="3157442" y="771503"/>
-            <a:ext cx="308291" cy="584775"/>
-          </a:xfrm>
-          <a:prstGeom prst="rect">
-            <a:avLst/>
-          </a:prstGeom>
-          <a:noFill/>
-        </p:spPr>
-        <p:txBody>
-          <a:bodyPr wrap="square">
-            <a:spAutoFit/>
-          </a:bodyPr>
-          <a:lstStyle/>
-          <a:p>
-            <a:r>
-              <a:rPr lang="es-ES" sz="3200" dirty="0">
-                <a:latin typeface="Audiowide" panose="02000503000000020004" pitchFamily="2" charset="0"/>
-              </a:rPr>
-              <a:t>+</a:t>
-            </a:r>
-            <a:endParaRPr lang="es-ES" sz="3200" dirty="0"/>
-          </a:p>
-        </p:txBody>
-      </p:sp>
-      <p:grpSp>
-        <p:nvGrpSpPr>
-          <p:cNvPr id="18" name="Grupo 17">
-            <a:extLst>
-              <a:ext uri="{FF2B5EF4-FFF2-40B4-BE49-F238E27FC236}">
-                <a16:creationId xmlns:a16="http://schemas.microsoft.com/office/drawing/2014/main" id="{455FF394-A00B-4954-BEEF-F2BD4577DB0F}"/>
+                <a16:creationId xmlns:a16="http://schemas.microsoft.com/office/drawing/2014/main" id="{D97B6C58-6392-4EFF-8BDE-6F224EFFDC5B}"/>
               </a:ext>
             </a:extLst>
           </p:cNvPr>
@@ -3927,10 +4662,755 @@
         </p:nvGrpSpPr>
         <p:grpSpPr>
           <a:xfrm>
-            <a:off x="2831196" y="4976649"/>
-            <a:ext cx="1178503" cy="554348"/>
-            <a:chOff x="2831196" y="4976649"/>
-            <a:chExt cx="1178503" cy="554348"/>
+            <a:off x="998162" y="2480952"/>
+            <a:ext cx="3809759" cy="245934"/>
+            <a:chOff x="784802" y="895992"/>
+            <a:chExt cx="3809759" cy="245934"/>
+          </a:xfrm>
+        </p:grpSpPr>
+        <p:grpSp>
+          <p:nvGrpSpPr>
+            <p:cNvPr id="93" name="Grupo 92">
+              <a:extLst>
+                <a:ext uri="{FF2B5EF4-FFF2-40B4-BE49-F238E27FC236}">
+                  <a16:creationId xmlns:a16="http://schemas.microsoft.com/office/drawing/2014/main" id="{05DBDACD-3909-4C39-B2B7-1C625EB0382A}"/>
+                </a:ext>
+              </a:extLst>
+            </p:cNvPr>
+            <p:cNvGrpSpPr/>
+            <p:nvPr/>
+          </p:nvGrpSpPr>
+          <p:grpSpPr>
+            <a:xfrm>
+              <a:off x="784802" y="895992"/>
+              <a:ext cx="975424" cy="230832"/>
+              <a:chOff x="4665523" y="3308594"/>
+              <a:chExt cx="878314" cy="184284"/>
+            </a:xfrm>
+          </p:grpSpPr>
+          <p:sp>
+            <p:nvSpPr>
+              <p:cNvPr id="106" name="Rectángulo: esquinas redondeadas 105">
+                <a:extLst>
+                  <a:ext uri="{FF2B5EF4-FFF2-40B4-BE49-F238E27FC236}">
+                    <a16:creationId xmlns:a16="http://schemas.microsoft.com/office/drawing/2014/main" id="{38E00668-0D4A-4B6F-9377-85099DCE0B43}"/>
+                  </a:ext>
+                </a:extLst>
+              </p:cNvPr>
+              <p:cNvSpPr/>
+              <p:nvPr/>
+            </p:nvSpPr>
+            <p:spPr>
+              <a:xfrm>
+                <a:off x="4711030" y="3325666"/>
+                <a:ext cx="832807" cy="147974"/>
+              </a:xfrm>
+              <a:prstGeom prst="roundRect">
+                <a:avLst>
+                  <a:gd name="adj" fmla="val 50000"/>
+                </a:avLst>
+              </a:prstGeom>
+              <a:solidFill>
+                <a:schemeClr val="tx1"/>
+              </a:solidFill>
+              <a:ln w="12700">
+                <a:solidFill>
+                  <a:schemeClr val="tx1"/>
+                </a:solidFill>
+              </a:ln>
+            </p:spPr>
+            <p:style>
+              <a:lnRef idx="2">
+                <a:schemeClr val="accent1">
+                  <a:shade val="50000"/>
+                </a:schemeClr>
+              </a:lnRef>
+              <a:fillRef idx="1">
+                <a:schemeClr val="accent1"/>
+              </a:fillRef>
+              <a:effectRef idx="0">
+                <a:schemeClr val="accent1"/>
+              </a:effectRef>
+              <a:fontRef idx="minor">
+                <a:schemeClr val="lt1"/>
+              </a:fontRef>
+            </p:style>
+            <p:txBody>
+              <a:bodyPr rtlCol="0" anchor="ctr"/>
+              <a:lstStyle/>
+              <a:p>
+                <a:pPr algn="r"/>
+                <a:endParaRPr lang="es-ES" dirty="0"/>
+              </a:p>
+            </p:txBody>
+          </p:sp>
+          <p:sp>
+            <p:nvSpPr>
+              <p:cNvPr id="107" name="Rectángulo: esquinas redondeadas 106">
+                <a:extLst>
+                  <a:ext uri="{FF2B5EF4-FFF2-40B4-BE49-F238E27FC236}">
+                    <a16:creationId xmlns:a16="http://schemas.microsoft.com/office/drawing/2014/main" id="{CD9774E2-5FA0-43A1-A44B-B702ED06D235}"/>
+                  </a:ext>
+                </a:extLst>
+              </p:cNvPr>
+              <p:cNvSpPr/>
+              <p:nvPr/>
+            </p:nvSpPr>
+            <p:spPr>
+              <a:xfrm>
+                <a:off x="4911272" y="3323088"/>
+                <a:ext cx="622513" cy="147974"/>
+              </a:xfrm>
+              <a:prstGeom prst="roundRect">
+                <a:avLst>
+                  <a:gd name="adj" fmla="val 50000"/>
+                </a:avLst>
+              </a:prstGeom>
+              <a:solidFill>
+                <a:schemeClr val="bg1"/>
+              </a:solidFill>
+              <a:ln w="12700">
+                <a:solidFill>
+                  <a:schemeClr val="tx1"/>
+                </a:solidFill>
+              </a:ln>
+            </p:spPr>
+            <p:style>
+              <a:lnRef idx="2">
+                <a:schemeClr val="accent1">
+                  <a:shade val="50000"/>
+                </a:schemeClr>
+              </a:lnRef>
+              <a:fillRef idx="1">
+                <a:schemeClr val="accent1"/>
+              </a:fillRef>
+              <a:effectRef idx="0">
+                <a:schemeClr val="accent1"/>
+              </a:effectRef>
+              <a:fontRef idx="minor">
+                <a:schemeClr val="lt1"/>
+              </a:fontRef>
+            </p:style>
+            <p:txBody>
+              <a:bodyPr lIns="0" rIns="0" rtlCol="0" anchor="ctr"/>
+              <a:lstStyle/>
+              <a:p>
+                <a:pPr algn="ctr"/>
+                <a:r>
+                  <a:rPr lang="es-ES" sz="900" dirty="0">
+                    <a:solidFill>
+                      <a:schemeClr val="tx1"/>
+                    </a:solidFill>
+                    <a:latin typeface="Audiowide" panose="02000503000000020004" pitchFamily="2" charset="0"/>
+                  </a:rPr>
+                  <a:t>Input 1</a:t>
+                </a:r>
+              </a:p>
+            </p:txBody>
+          </p:sp>
+          <p:sp>
+            <p:nvSpPr>
+              <p:cNvPr id="108" name="CuadroTexto 107">
+                <a:extLst>
+                  <a:ext uri="{FF2B5EF4-FFF2-40B4-BE49-F238E27FC236}">
+                    <a16:creationId xmlns:a16="http://schemas.microsoft.com/office/drawing/2014/main" id="{759E3012-E342-4B96-88A5-ECA6426D1B93}"/>
+                  </a:ext>
+                </a:extLst>
+              </p:cNvPr>
+              <p:cNvSpPr txBox="1"/>
+              <p:nvPr/>
+            </p:nvSpPr>
+            <p:spPr>
+              <a:xfrm>
+                <a:off x="4665523" y="3308594"/>
+                <a:ext cx="382578" cy="184284"/>
+              </a:xfrm>
+              <a:prstGeom prst="rect">
+                <a:avLst/>
+              </a:prstGeom>
+              <a:noFill/>
+            </p:spPr>
+            <p:txBody>
+              <a:bodyPr wrap="square">
+                <a:spAutoFit/>
+              </a:bodyPr>
+              <a:lstStyle/>
+              <a:p>
+                <a:r>
+                  <a:rPr lang="es-ES" sz="900" dirty="0">
+                    <a:solidFill>
+                      <a:schemeClr val="bg1"/>
+                    </a:solidFill>
+                    <a:latin typeface="Audiowide" panose="02000503000000020004" pitchFamily="2" charset="0"/>
+                  </a:rPr>
+                  <a:t>32</a:t>
+                </a:r>
+              </a:p>
+            </p:txBody>
+          </p:sp>
+        </p:grpSp>
+        <p:grpSp>
+          <p:nvGrpSpPr>
+            <p:cNvPr id="94" name="Grupo 93">
+              <a:extLst>
+                <a:ext uri="{FF2B5EF4-FFF2-40B4-BE49-F238E27FC236}">
+                  <a16:creationId xmlns:a16="http://schemas.microsoft.com/office/drawing/2014/main" id="{B5E031AC-71C4-4812-8028-BAD46A23E113}"/>
+                </a:ext>
+              </a:extLst>
+            </p:cNvPr>
+            <p:cNvGrpSpPr/>
+            <p:nvPr/>
+          </p:nvGrpSpPr>
+          <p:grpSpPr>
+            <a:xfrm>
+              <a:off x="1736562" y="903543"/>
+              <a:ext cx="967804" cy="230832"/>
+              <a:chOff x="4672384" y="3308594"/>
+              <a:chExt cx="871453" cy="184284"/>
+            </a:xfrm>
+          </p:grpSpPr>
+          <p:sp>
+            <p:nvSpPr>
+              <p:cNvPr id="103" name="Rectángulo: esquinas redondeadas 102">
+                <a:extLst>
+                  <a:ext uri="{FF2B5EF4-FFF2-40B4-BE49-F238E27FC236}">
+                    <a16:creationId xmlns:a16="http://schemas.microsoft.com/office/drawing/2014/main" id="{FE975E6D-3186-4EF9-983B-E0114F32F8B4}"/>
+                  </a:ext>
+                </a:extLst>
+              </p:cNvPr>
+              <p:cNvSpPr/>
+              <p:nvPr/>
+            </p:nvSpPr>
+            <p:spPr>
+              <a:xfrm>
+                <a:off x="4711030" y="3325666"/>
+                <a:ext cx="832807" cy="147974"/>
+              </a:xfrm>
+              <a:prstGeom prst="roundRect">
+                <a:avLst>
+                  <a:gd name="adj" fmla="val 50000"/>
+                </a:avLst>
+              </a:prstGeom>
+              <a:solidFill>
+                <a:schemeClr val="tx1"/>
+              </a:solidFill>
+              <a:ln w="12700">
+                <a:solidFill>
+                  <a:schemeClr val="tx1"/>
+                </a:solidFill>
+              </a:ln>
+            </p:spPr>
+            <p:style>
+              <a:lnRef idx="2">
+                <a:schemeClr val="accent1">
+                  <a:shade val="50000"/>
+                </a:schemeClr>
+              </a:lnRef>
+              <a:fillRef idx="1">
+                <a:schemeClr val="accent1"/>
+              </a:fillRef>
+              <a:effectRef idx="0">
+                <a:schemeClr val="accent1"/>
+              </a:effectRef>
+              <a:fontRef idx="minor">
+                <a:schemeClr val="lt1"/>
+              </a:fontRef>
+            </p:style>
+            <p:txBody>
+              <a:bodyPr rtlCol="0" anchor="ctr"/>
+              <a:lstStyle/>
+              <a:p>
+                <a:pPr algn="r"/>
+                <a:endParaRPr lang="es-ES" dirty="0"/>
+              </a:p>
+            </p:txBody>
+          </p:sp>
+          <p:sp>
+            <p:nvSpPr>
+              <p:cNvPr id="104" name="Rectángulo: esquinas redondeadas 103">
+                <a:extLst>
+                  <a:ext uri="{FF2B5EF4-FFF2-40B4-BE49-F238E27FC236}">
+                    <a16:creationId xmlns:a16="http://schemas.microsoft.com/office/drawing/2014/main" id="{F99D238C-E367-409A-83C6-CBB744B24DA2}"/>
+                  </a:ext>
+                </a:extLst>
+              </p:cNvPr>
+              <p:cNvSpPr/>
+              <p:nvPr/>
+            </p:nvSpPr>
+            <p:spPr>
+              <a:xfrm>
+                <a:off x="4911272" y="3323088"/>
+                <a:ext cx="622513" cy="147974"/>
+              </a:xfrm>
+              <a:prstGeom prst="roundRect">
+                <a:avLst>
+                  <a:gd name="adj" fmla="val 50000"/>
+                </a:avLst>
+              </a:prstGeom>
+              <a:solidFill>
+                <a:schemeClr val="bg1"/>
+              </a:solidFill>
+              <a:ln w="12700">
+                <a:solidFill>
+                  <a:schemeClr val="tx1"/>
+                </a:solidFill>
+              </a:ln>
+            </p:spPr>
+            <p:style>
+              <a:lnRef idx="2">
+                <a:schemeClr val="accent1">
+                  <a:shade val="50000"/>
+                </a:schemeClr>
+              </a:lnRef>
+              <a:fillRef idx="1">
+                <a:schemeClr val="accent1"/>
+              </a:fillRef>
+              <a:effectRef idx="0">
+                <a:schemeClr val="accent1"/>
+              </a:effectRef>
+              <a:fontRef idx="minor">
+                <a:schemeClr val="lt1"/>
+              </a:fontRef>
+            </p:style>
+            <p:txBody>
+              <a:bodyPr lIns="0" rIns="0" rtlCol="0" anchor="ctr"/>
+              <a:lstStyle/>
+              <a:p>
+                <a:pPr algn="ctr"/>
+                <a:r>
+                  <a:rPr lang="es-ES" sz="900" dirty="0">
+                    <a:solidFill>
+                      <a:schemeClr val="tx1"/>
+                    </a:solidFill>
+                    <a:latin typeface="Audiowide" panose="02000503000000020004" pitchFamily="2" charset="0"/>
+                  </a:rPr>
+                  <a:t>Input 2</a:t>
+                </a:r>
+              </a:p>
+            </p:txBody>
+          </p:sp>
+          <p:sp>
+            <p:nvSpPr>
+              <p:cNvPr id="105" name="CuadroTexto 104">
+                <a:extLst>
+                  <a:ext uri="{FF2B5EF4-FFF2-40B4-BE49-F238E27FC236}">
+                    <a16:creationId xmlns:a16="http://schemas.microsoft.com/office/drawing/2014/main" id="{268747B5-031E-43EA-9E49-D5B6834DE7B1}"/>
+                  </a:ext>
+                </a:extLst>
+              </p:cNvPr>
+              <p:cNvSpPr txBox="1"/>
+              <p:nvPr/>
+            </p:nvSpPr>
+            <p:spPr>
+              <a:xfrm>
+                <a:off x="4672384" y="3308594"/>
+                <a:ext cx="382578" cy="184284"/>
+              </a:xfrm>
+              <a:prstGeom prst="rect">
+                <a:avLst/>
+              </a:prstGeom>
+              <a:noFill/>
+            </p:spPr>
+            <p:txBody>
+              <a:bodyPr wrap="square">
+                <a:spAutoFit/>
+              </a:bodyPr>
+              <a:lstStyle/>
+              <a:p>
+                <a:r>
+                  <a:rPr lang="es-ES" sz="900" dirty="0">
+                    <a:solidFill>
+                      <a:schemeClr val="bg1"/>
+                    </a:solidFill>
+                    <a:latin typeface="Audiowide" panose="02000503000000020004" pitchFamily="2" charset="0"/>
+                  </a:rPr>
+                  <a:t>33</a:t>
+                </a:r>
+              </a:p>
+            </p:txBody>
+          </p:sp>
+        </p:grpSp>
+        <p:grpSp>
+          <p:nvGrpSpPr>
+            <p:cNvPr id="95" name="Grupo 94">
+              <a:extLst>
+                <a:ext uri="{FF2B5EF4-FFF2-40B4-BE49-F238E27FC236}">
+                  <a16:creationId xmlns:a16="http://schemas.microsoft.com/office/drawing/2014/main" id="{991FEFE1-E4B7-44EC-900E-F5377AC3D764}"/>
+                </a:ext>
+              </a:extLst>
+            </p:cNvPr>
+            <p:cNvGrpSpPr/>
+            <p:nvPr/>
+          </p:nvGrpSpPr>
+          <p:grpSpPr>
+            <a:xfrm>
+              <a:off x="2682614" y="903543"/>
+              <a:ext cx="967804" cy="230832"/>
+              <a:chOff x="4672384" y="3308594"/>
+              <a:chExt cx="871453" cy="184284"/>
+            </a:xfrm>
+          </p:grpSpPr>
+          <p:sp>
+            <p:nvSpPr>
+              <p:cNvPr id="100" name="Rectángulo: esquinas redondeadas 99">
+                <a:extLst>
+                  <a:ext uri="{FF2B5EF4-FFF2-40B4-BE49-F238E27FC236}">
+                    <a16:creationId xmlns:a16="http://schemas.microsoft.com/office/drawing/2014/main" id="{32A0F8C6-B789-49CB-BF9D-F02959B93578}"/>
+                  </a:ext>
+                </a:extLst>
+              </p:cNvPr>
+              <p:cNvSpPr/>
+              <p:nvPr/>
+            </p:nvSpPr>
+            <p:spPr>
+              <a:xfrm>
+                <a:off x="4711030" y="3325666"/>
+                <a:ext cx="832807" cy="147974"/>
+              </a:xfrm>
+              <a:prstGeom prst="roundRect">
+                <a:avLst>
+                  <a:gd name="adj" fmla="val 50000"/>
+                </a:avLst>
+              </a:prstGeom>
+              <a:solidFill>
+                <a:schemeClr val="tx1"/>
+              </a:solidFill>
+              <a:ln w="12700">
+                <a:solidFill>
+                  <a:schemeClr val="tx1"/>
+                </a:solidFill>
+              </a:ln>
+            </p:spPr>
+            <p:style>
+              <a:lnRef idx="2">
+                <a:schemeClr val="accent1">
+                  <a:shade val="50000"/>
+                </a:schemeClr>
+              </a:lnRef>
+              <a:fillRef idx="1">
+                <a:schemeClr val="accent1"/>
+              </a:fillRef>
+              <a:effectRef idx="0">
+                <a:schemeClr val="accent1"/>
+              </a:effectRef>
+              <a:fontRef idx="minor">
+                <a:schemeClr val="lt1"/>
+              </a:fontRef>
+            </p:style>
+            <p:txBody>
+              <a:bodyPr rtlCol="0" anchor="ctr"/>
+              <a:lstStyle/>
+              <a:p>
+                <a:pPr algn="r"/>
+                <a:endParaRPr lang="es-ES" dirty="0"/>
+              </a:p>
+            </p:txBody>
+          </p:sp>
+          <p:sp>
+            <p:nvSpPr>
+              <p:cNvPr id="101" name="Rectángulo: esquinas redondeadas 100">
+                <a:extLst>
+                  <a:ext uri="{FF2B5EF4-FFF2-40B4-BE49-F238E27FC236}">
+                    <a16:creationId xmlns:a16="http://schemas.microsoft.com/office/drawing/2014/main" id="{B38FD597-0022-4A2E-A3D3-A3EC6BA77E4B}"/>
+                  </a:ext>
+                </a:extLst>
+              </p:cNvPr>
+              <p:cNvSpPr/>
+              <p:nvPr/>
+            </p:nvSpPr>
+            <p:spPr>
+              <a:xfrm>
+                <a:off x="4911272" y="3323088"/>
+                <a:ext cx="622513" cy="147974"/>
+              </a:xfrm>
+              <a:prstGeom prst="roundRect">
+                <a:avLst>
+                  <a:gd name="adj" fmla="val 50000"/>
+                </a:avLst>
+              </a:prstGeom>
+              <a:solidFill>
+                <a:schemeClr val="bg1"/>
+              </a:solidFill>
+              <a:ln w="12700">
+                <a:solidFill>
+                  <a:schemeClr val="tx1"/>
+                </a:solidFill>
+              </a:ln>
+            </p:spPr>
+            <p:style>
+              <a:lnRef idx="2">
+                <a:schemeClr val="accent1">
+                  <a:shade val="50000"/>
+                </a:schemeClr>
+              </a:lnRef>
+              <a:fillRef idx="1">
+                <a:schemeClr val="accent1"/>
+              </a:fillRef>
+              <a:effectRef idx="0">
+                <a:schemeClr val="accent1"/>
+              </a:effectRef>
+              <a:fontRef idx="minor">
+                <a:schemeClr val="lt1"/>
+              </a:fontRef>
+            </p:style>
+            <p:txBody>
+              <a:bodyPr lIns="0" rIns="0" rtlCol="0" anchor="ctr"/>
+              <a:lstStyle/>
+              <a:p>
+                <a:pPr algn="ctr"/>
+                <a:r>
+                  <a:rPr lang="es-ES" sz="900" dirty="0">
+                    <a:solidFill>
+                      <a:schemeClr val="tx1"/>
+                    </a:solidFill>
+                    <a:latin typeface="Audiowide" panose="02000503000000020004" pitchFamily="2" charset="0"/>
+                  </a:rPr>
+                  <a:t>Input 3</a:t>
+                </a:r>
+              </a:p>
+            </p:txBody>
+          </p:sp>
+          <p:sp>
+            <p:nvSpPr>
+              <p:cNvPr id="102" name="CuadroTexto 101">
+                <a:extLst>
+                  <a:ext uri="{FF2B5EF4-FFF2-40B4-BE49-F238E27FC236}">
+                    <a16:creationId xmlns:a16="http://schemas.microsoft.com/office/drawing/2014/main" id="{E5DB3591-BA6E-48CD-9A10-11C38F974B82}"/>
+                  </a:ext>
+                </a:extLst>
+              </p:cNvPr>
+              <p:cNvSpPr txBox="1"/>
+              <p:nvPr/>
+            </p:nvSpPr>
+            <p:spPr>
+              <a:xfrm>
+                <a:off x="4672384" y="3308594"/>
+                <a:ext cx="382578" cy="184284"/>
+              </a:xfrm>
+              <a:prstGeom prst="rect">
+                <a:avLst/>
+              </a:prstGeom>
+              <a:noFill/>
+            </p:spPr>
+            <p:txBody>
+              <a:bodyPr wrap="square">
+                <a:spAutoFit/>
+              </a:bodyPr>
+              <a:lstStyle/>
+              <a:p>
+                <a:r>
+                  <a:rPr lang="es-ES" sz="900" dirty="0">
+                    <a:solidFill>
+                      <a:schemeClr val="bg1"/>
+                    </a:solidFill>
+                    <a:latin typeface="Audiowide" panose="02000503000000020004" pitchFamily="2" charset="0"/>
+                  </a:rPr>
+                  <a:t>34</a:t>
+                </a:r>
+              </a:p>
+            </p:txBody>
+          </p:sp>
+        </p:grpSp>
+        <p:grpSp>
+          <p:nvGrpSpPr>
+            <p:cNvPr id="96" name="Grupo 95">
+              <a:extLst>
+                <a:ext uri="{FF2B5EF4-FFF2-40B4-BE49-F238E27FC236}">
+                  <a16:creationId xmlns:a16="http://schemas.microsoft.com/office/drawing/2014/main" id="{40D52EDD-F50B-4498-8268-D8D652CFD0CD}"/>
+                </a:ext>
+              </a:extLst>
+            </p:cNvPr>
+            <p:cNvGrpSpPr/>
+            <p:nvPr/>
+          </p:nvGrpSpPr>
+          <p:grpSpPr>
+            <a:xfrm>
+              <a:off x="3626757" y="911094"/>
+              <a:ext cx="967804" cy="230832"/>
+              <a:chOff x="4672384" y="3308594"/>
+              <a:chExt cx="871453" cy="184284"/>
+            </a:xfrm>
+          </p:grpSpPr>
+          <p:sp>
+            <p:nvSpPr>
+              <p:cNvPr id="97" name="Rectángulo: esquinas redondeadas 96">
+                <a:extLst>
+                  <a:ext uri="{FF2B5EF4-FFF2-40B4-BE49-F238E27FC236}">
+                    <a16:creationId xmlns:a16="http://schemas.microsoft.com/office/drawing/2014/main" id="{1DD60393-B3AF-4207-A661-25CB9A7B2B18}"/>
+                  </a:ext>
+                </a:extLst>
+              </p:cNvPr>
+              <p:cNvSpPr/>
+              <p:nvPr/>
+            </p:nvSpPr>
+            <p:spPr>
+              <a:xfrm>
+                <a:off x="4711030" y="3325666"/>
+                <a:ext cx="832807" cy="147974"/>
+              </a:xfrm>
+              <a:prstGeom prst="roundRect">
+                <a:avLst>
+                  <a:gd name="adj" fmla="val 50000"/>
+                </a:avLst>
+              </a:prstGeom>
+              <a:solidFill>
+                <a:schemeClr val="tx1"/>
+              </a:solidFill>
+              <a:ln w="12700">
+                <a:solidFill>
+                  <a:schemeClr val="tx1"/>
+                </a:solidFill>
+              </a:ln>
+            </p:spPr>
+            <p:style>
+              <a:lnRef idx="2">
+                <a:schemeClr val="accent1">
+                  <a:shade val="50000"/>
+                </a:schemeClr>
+              </a:lnRef>
+              <a:fillRef idx="1">
+                <a:schemeClr val="accent1"/>
+              </a:fillRef>
+              <a:effectRef idx="0">
+                <a:schemeClr val="accent1"/>
+              </a:effectRef>
+              <a:fontRef idx="minor">
+                <a:schemeClr val="lt1"/>
+              </a:fontRef>
+            </p:style>
+            <p:txBody>
+              <a:bodyPr rtlCol="0" anchor="ctr"/>
+              <a:lstStyle/>
+              <a:p>
+                <a:pPr algn="r"/>
+                <a:endParaRPr lang="es-ES" dirty="0"/>
+              </a:p>
+            </p:txBody>
+          </p:sp>
+          <p:sp>
+            <p:nvSpPr>
+              <p:cNvPr id="98" name="Rectángulo: esquinas redondeadas 97">
+                <a:extLst>
+                  <a:ext uri="{FF2B5EF4-FFF2-40B4-BE49-F238E27FC236}">
+                    <a16:creationId xmlns:a16="http://schemas.microsoft.com/office/drawing/2014/main" id="{8F7BD204-60A0-4485-BBA2-DCDE336F8B21}"/>
+                  </a:ext>
+                </a:extLst>
+              </p:cNvPr>
+              <p:cNvSpPr/>
+              <p:nvPr/>
+            </p:nvSpPr>
+            <p:spPr>
+              <a:xfrm>
+                <a:off x="4918133" y="3323088"/>
+                <a:ext cx="622513" cy="147974"/>
+              </a:xfrm>
+              <a:prstGeom prst="roundRect">
+                <a:avLst>
+                  <a:gd name="adj" fmla="val 50000"/>
+                </a:avLst>
+              </a:prstGeom>
+              <a:solidFill>
+                <a:schemeClr val="bg1"/>
+              </a:solidFill>
+              <a:ln w="12700">
+                <a:solidFill>
+                  <a:schemeClr val="tx1"/>
+                </a:solidFill>
+              </a:ln>
+            </p:spPr>
+            <p:style>
+              <a:lnRef idx="2">
+                <a:schemeClr val="accent1">
+                  <a:shade val="50000"/>
+                </a:schemeClr>
+              </a:lnRef>
+              <a:fillRef idx="1">
+                <a:schemeClr val="accent1"/>
+              </a:fillRef>
+              <a:effectRef idx="0">
+                <a:schemeClr val="accent1"/>
+              </a:effectRef>
+              <a:fontRef idx="minor">
+                <a:schemeClr val="lt1"/>
+              </a:fontRef>
+            </p:style>
+            <p:txBody>
+              <a:bodyPr lIns="0" rIns="0" rtlCol="0" anchor="ctr"/>
+              <a:lstStyle/>
+              <a:p>
+                <a:pPr algn="ctr"/>
+                <a:r>
+                  <a:rPr lang="es-ES" sz="900" dirty="0">
+                    <a:solidFill>
+                      <a:schemeClr val="tx1"/>
+                    </a:solidFill>
+                    <a:latin typeface="Audiowide" panose="02000503000000020004" pitchFamily="2" charset="0"/>
+                  </a:rPr>
+                  <a:t>Input 4</a:t>
+                </a:r>
+              </a:p>
+            </p:txBody>
+          </p:sp>
+          <p:sp>
+            <p:nvSpPr>
+              <p:cNvPr id="99" name="CuadroTexto 98">
+                <a:extLst>
+                  <a:ext uri="{FF2B5EF4-FFF2-40B4-BE49-F238E27FC236}">
+                    <a16:creationId xmlns:a16="http://schemas.microsoft.com/office/drawing/2014/main" id="{0D90891E-2D3B-4498-B493-D29F61C7B283}"/>
+                  </a:ext>
+                </a:extLst>
+              </p:cNvPr>
+              <p:cNvSpPr txBox="1"/>
+              <p:nvPr/>
+            </p:nvSpPr>
+            <p:spPr>
+              <a:xfrm>
+                <a:off x="4672384" y="3308594"/>
+                <a:ext cx="382578" cy="184284"/>
+              </a:xfrm>
+              <a:prstGeom prst="rect">
+                <a:avLst/>
+              </a:prstGeom>
+              <a:noFill/>
+            </p:spPr>
+            <p:txBody>
+              <a:bodyPr wrap="square">
+                <a:spAutoFit/>
+              </a:bodyPr>
+              <a:lstStyle/>
+              <a:p>
+                <a:r>
+                  <a:rPr lang="es-ES" sz="900" dirty="0">
+                    <a:solidFill>
+                      <a:schemeClr val="bg1"/>
+                    </a:solidFill>
+                    <a:latin typeface="Audiowide" panose="02000503000000020004" pitchFamily="2" charset="0"/>
+                  </a:rPr>
+                  <a:t>35</a:t>
+                </a:r>
+              </a:p>
+            </p:txBody>
+          </p:sp>
+        </p:grpSp>
+      </p:grpSp>
+      <p:grpSp>
+        <p:nvGrpSpPr>
+          <p:cNvPr id="16" name="Grupo 15">
+            <a:extLst>
+              <a:ext uri="{FF2B5EF4-FFF2-40B4-BE49-F238E27FC236}">
+                <a16:creationId xmlns:a16="http://schemas.microsoft.com/office/drawing/2014/main" id="{FB79CE37-C3AB-4A78-B4B1-014A10B92A75}"/>
+              </a:ext>
+            </a:extLst>
+          </p:cNvPr>
+          <p:cNvGrpSpPr/>
+          <p:nvPr/>
+        </p:nvGrpSpPr>
+        <p:grpSpPr>
+          <a:xfrm>
+            <a:off x="4349554" y="6442066"/>
+            <a:ext cx="924886" cy="600507"/>
+            <a:chOff x="4088786" y="6545887"/>
+            <a:chExt cx="924886" cy="600507"/>
           </a:xfrm>
         </p:grpSpPr>
         <p:grpSp>
@@ -3947,10 +5427,10 @@
           </p:nvGrpSpPr>
           <p:grpSpPr>
             <a:xfrm rot="5400000">
-              <a:off x="3194336" y="4613509"/>
-              <a:ext cx="452224" cy="1178503"/>
-              <a:chOff x="6767556" y="1357837"/>
-              <a:chExt cx="452224" cy="663456"/>
+              <a:off x="4296120" y="6338553"/>
+              <a:ext cx="510218" cy="924886"/>
+              <a:chOff x="6787662" y="1357838"/>
+              <a:chExt cx="421444" cy="663456"/>
             </a:xfrm>
           </p:grpSpPr>
           <p:sp>
@@ -3967,8 +5447,8 @@
             </p:nvSpPr>
             <p:spPr>
               <a:xfrm rot="16200000">
-                <a:off x="6589717" y="1535676"/>
-                <a:ext cx="663456" cy="307777"/>
+                <a:off x="6583047" y="1562453"/>
+                <a:ext cx="663456" cy="254226"/>
               </a:xfrm>
               <a:prstGeom prst="rect">
                 <a:avLst/>
@@ -4006,8 +5486,8 @@
             </p:nvSpPr>
             <p:spPr>
               <a:xfrm rot="16200000">
-                <a:off x="6765438" y="1486294"/>
-                <a:ext cx="497384" cy="411301"/>
+                <a:off x="6695841" y="1488157"/>
+                <a:ext cx="615229" cy="411301"/>
               </a:xfrm>
               <a:prstGeom prst="roundRect">
                 <a:avLst>
@@ -4049,10 +5529,10 @@
         </p:grpSp>
         <p:grpSp>
           <p:nvGrpSpPr>
-            <p:cNvPr id="16" name="Grupo 15">
+            <p:cNvPr id="111" name="Grupo 110">
               <a:extLst>
                 <a:ext uri="{FF2B5EF4-FFF2-40B4-BE49-F238E27FC236}">
-                  <a16:creationId xmlns:a16="http://schemas.microsoft.com/office/drawing/2014/main" id="{380D7089-0A3A-405B-B82A-D402D311388A}"/>
+                  <a16:creationId xmlns:a16="http://schemas.microsoft.com/office/drawing/2014/main" id="{45CE5621-F721-4827-9D1C-34B7D31ABDBE}"/>
                 </a:ext>
               </a:extLst>
             </p:cNvPr>
@@ -4061,191 +5541,309 @@
           </p:nvGrpSpPr>
           <p:grpSpPr>
             <a:xfrm>
-              <a:off x="3279485" y="5226869"/>
-              <a:ext cx="281927" cy="146591"/>
-              <a:chOff x="3163145" y="5226869"/>
-              <a:chExt cx="281927" cy="146591"/>
+              <a:off x="4126628" y="6684728"/>
+              <a:ext cx="849203" cy="461666"/>
+              <a:chOff x="3008772" y="5069331"/>
+              <a:chExt cx="849203" cy="461666"/>
             </a:xfrm>
           </p:grpSpPr>
-          <p:sp>
-            <p:nvSpPr>
-              <p:cNvPr id="9" name="Arco 8">
+          <p:grpSp>
+            <p:nvGrpSpPr>
+              <p:cNvPr id="113" name="Grupo 112">
                 <a:extLst>
                   <a:ext uri="{FF2B5EF4-FFF2-40B4-BE49-F238E27FC236}">
-                    <a16:creationId xmlns:a16="http://schemas.microsoft.com/office/drawing/2014/main" id="{CED014A4-C42B-4726-90A4-8A4D76DD5299}"/>
+                    <a16:creationId xmlns:a16="http://schemas.microsoft.com/office/drawing/2014/main" id="{C688D9B8-CCA8-4363-A909-42CBD3BB6368}"/>
                   </a:ext>
                 </a:extLst>
               </p:cNvPr>
-              <p:cNvSpPr/>
+              <p:cNvGrpSpPr/>
+              <p:nvPr/>
+            </p:nvGrpSpPr>
+            <p:grpSpPr>
+              <a:xfrm>
+                <a:off x="3279485" y="5226869"/>
+                <a:ext cx="281927" cy="146591"/>
+                <a:chOff x="3163145" y="5226869"/>
+                <a:chExt cx="281927" cy="146591"/>
+              </a:xfrm>
+            </p:grpSpPr>
+            <p:sp>
+              <p:nvSpPr>
+                <p:cNvPr id="116" name="Arco 115">
+                  <a:extLst>
+                    <a:ext uri="{FF2B5EF4-FFF2-40B4-BE49-F238E27FC236}">
+                      <a16:creationId xmlns:a16="http://schemas.microsoft.com/office/drawing/2014/main" id="{790C76D5-240E-43B3-AAC1-C802EE867EB4}"/>
+                    </a:ext>
+                  </a:extLst>
+                </p:cNvPr>
+                <p:cNvSpPr/>
+                <p:nvPr/>
+              </p:nvSpPr>
+              <p:spPr>
+                <a:xfrm>
+                  <a:off x="3244569" y="5226869"/>
+                  <a:ext cx="147448" cy="146591"/>
+                </a:xfrm>
+                <a:prstGeom prst="arc">
+                  <a:avLst>
+                    <a:gd name="adj1" fmla="val 5516556"/>
+                    <a:gd name="adj2" fmla="val 16386172"/>
+                  </a:avLst>
+                </a:prstGeom>
+                <a:ln w="38100"/>
+              </p:spPr>
+              <p:style>
+                <a:lnRef idx="3">
+                  <a:schemeClr val="dk1"/>
+                </a:lnRef>
+                <a:fillRef idx="0">
+                  <a:schemeClr val="dk1"/>
+                </a:fillRef>
+                <a:effectRef idx="2">
+                  <a:schemeClr val="dk1"/>
+                </a:effectRef>
+                <a:fontRef idx="minor">
+                  <a:schemeClr val="tx1"/>
+                </a:fontRef>
+              </p:style>
+              <p:txBody>
+                <a:bodyPr rtlCol="0" anchor="ctr"/>
+                <a:lstStyle/>
+                <a:p>
+                  <a:pPr algn="ctr"/>
+                  <a:endParaRPr lang="es-ES"/>
+                </a:p>
+              </p:txBody>
+            </p:sp>
+            <p:cxnSp>
+              <p:nvCxnSpPr>
+                <p:cNvPr id="117" name="Conector recto 116">
+                  <a:extLst>
+                    <a:ext uri="{FF2B5EF4-FFF2-40B4-BE49-F238E27FC236}">
+                      <a16:creationId xmlns:a16="http://schemas.microsoft.com/office/drawing/2014/main" id="{135AE6D3-A1F8-428A-9457-DE216B1A2629}"/>
+                    </a:ext>
+                  </a:extLst>
+                </p:cNvPr>
+                <p:cNvCxnSpPr>
+                  <a:cxnSpLocks/>
+                </p:cNvCxnSpPr>
+                <p:nvPr/>
+              </p:nvCxnSpPr>
+              <p:spPr>
+                <a:xfrm flipH="1">
+                  <a:off x="3163145" y="5300164"/>
+                  <a:ext cx="101931" cy="0"/>
+                </a:xfrm>
+                <a:prstGeom prst="line">
+                  <a:avLst/>
+                </a:prstGeom>
+                <a:ln w="38100"/>
+              </p:spPr>
+              <p:style>
+                <a:lnRef idx="3">
+                  <a:schemeClr val="dk1"/>
+                </a:lnRef>
+                <a:fillRef idx="0">
+                  <a:schemeClr val="dk1"/>
+                </a:fillRef>
+                <a:effectRef idx="2">
+                  <a:schemeClr val="dk1"/>
+                </a:effectRef>
+                <a:fontRef idx="minor">
+                  <a:schemeClr val="tx1"/>
+                </a:fontRef>
+              </p:style>
+            </p:cxnSp>
+            <p:cxnSp>
+              <p:nvCxnSpPr>
+                <p:cNvPr id="118" name="Conector recto 117">
+                  <a:extLst>
+                    <a:ext uri="{FF2B5EF4-FFF2-40B4-BE49-F238E27FC236}">
+                      <a16:creationId xmlns:a16="http://schemas.microsoft.com/office/drawing/2014/main" id="{E4BD61A7-4B40-48A1-8890-3CEB442B5707}"/>
+                    </a:ext>
+                  </a:extLst>
+                </p:cNvPr>
+                <p:cNvCxnSpPr>
+                  <a:cxnSpLocks/>
+                </p:cNvCxnSpPr>
+                <p:nvPr/>
+              </p:nvCxnSpPr>
+              <p:spPr>
+                <a:xfrm flipH="1">
+                  <a:off x="3343141" y="5300164"/>
+                  <a:ext cx="101931" cy="0"/>
+                </a:xfrm>
+                <a:prstGeom prst="line">
+                  <a:avLst/>
+                </a:prstGeom>
+                <a:ln w="38100"/>
+              </p:spPr>
+              <p:style>
+                <a:lnRef idx="3">
+                  <a:schemeClr val="dk1"/>
+                </a:lnRef>
+                <a:fillRef idx="0">
+                  <a:schemeClr val="dk1"/>
+                </a:fillRef>
+                <a:effectRef idx="2">
+                  <a:schemeClr val="dk1"/>
+                </a:effectRef>
+                <a:fontRef idx="minor">
+                  <a:schemeClr val="tx1"/>
+                </a:fontRef>
+              </p:style>
+            </p:cxnSp>
+            <p:sp>
+              <p:nvSpPr>
+                <p:cNvPr id="119" name="Elipse 118">
+                  <a:extLst>
+                    <a:ext uri="{FF2B5EF4-FFF2-40B4-BE49-F238E27FC236}">
+                      <a16:creationId xmlns:a16="http://schemas.microsoft.com/office/drawing/2014/main" id="{B549747E-50D8-492E-BF26-C8FBEBA0FBD4}"/>
+                    </a:ext>
+                  </a:extLst>
+                </p:cNvPr>
+                <p:cNvSpPr/>
+                <p:nvPr/>
+              </p:nvSpPr>
+              <p:spPr>
+                <a:xfrm>
+                  <a:off x="3299295" y="5277304"/>
+                  <a:ext cx="45720" cy="45720"/>
+                </a:xfrm>
+                <a:prstGeom prst="ellipse">
+                  <a:avLst/>
+                </a:prstGeom>
+              </p:spPr>
+              <p:style>
+                <a:lnRef idx="2">
+                  <a:schemeClr val="dk1">
+                    <a:shade val="50000"/>
+                  </a:schemeClr>
+                </a:lnRef>
+                <a:fillRef idx="1">
+                  <a:schemeClr val="dk1"/>
+                </a:fillRef>
+                <a:effectRef idx="0">
+                  <a:schemeClr val="dk1"/>
+                </a:effectRef>
+                <a:fontRef idx="minor">
+                  <a:schemeClr val="lt1"/>
+                </a:fontRef>
+              </p:style>
+              <p:txBody>
+                <a:bodyPr rtlCol="0" anchor="ctr"/>
+                <a:lstStyle/>
+                <a:p>
+                  <a:pPr algn="ctr"/>
+                  <a:endParaRPr lang="es-ES"/>
+                </a:p>
+              </p:txBody>
+            </p:sp>
+          </p:grpSp>
+          <p:sp>
+            <p:nvSpPr>
+              <p:cNvPr id="114" name="CuadroTexto 113">
+                <a:extLst>
+                  <a:ext uri="{FF2B5EF4-FFF2-40B4-BE49-F238E27FC236}">
+                    <a16:creationId xmlns:a16="http://schemas.microsoft.com/office/drawing/2014/main" id="{9DBB2D3A-10D0-4085-8B68-FCABB308A22D}"/>
+                  </a:ext>
+                </a:extLst>
+              </p:cNvPr>
+              <p:cNvSpPr txBox="1"/>
               <p:nvPr/>
             </p:nvSpPr>
             <p:spPr>
-              <a:xfrm>
-                <a:off x="3244569" y="5226869"/>
-                <a:ext cx="147448" cy="146591"/>
+              <a:xfrm rot="10800000">
+                <a:off x="3008772" y="5069332"/>
+                <a:ext cx="308291" cy="461665"/>
               </a:xfrm>
-              <a:prstGeom prst="arc">
-                <a:avLst>
-                  <a:gd name="adj1" fmla="val 5516556"/>
-                  <a:gd name="adj2" fmla="val 16386172"/>
-                </a:avLst>
+              <a:prstGeom prst="rect">
+                <a:avLst/>
               </a:prstGeom>
-              <a:ln w="38100"/>
+              <a:noFill/>
             </p:spPr>
-            <p:style>
-              <a:lnRef idx="3">
-                <a:schemeClr val="dk1"/>
-              </a:lnRef>
-              <a:fillRef idx="0">
-                <a:schemeClr val="dk1"/>
-              </a:fillRef>
-              <a:effectRef idx="2">
-                <a:schemeClr val="dk1"/>
-              </a:effectRef>
-              <a:fontRef idx="minor">
-                <a:schemeClr val="tx1"/>
-              </a:fontRef>
-            </p:style>
             <p:txBody>
-              <a:bodyPr rtlCol="0" anchor="ctr"/>
+              <a:bodyPr wrap="square">
+                <a:spAutoFit/>
+              </a:bodyPr>
               <a:lstStyle/>
               <a:p>
-                <a:pPr algn="ctr"/>
-                <a:endParaRPr lang="es-ES"/>
+                <a:r>
+                  <a:rPr lang="es-ES" sz="2400" dirty="0">
+                    <a:latin typeface="Audiowide" panose="02000503000000020004" pitchFamily="2" charset="0"/>
+                  </a:rPr>
+                  <a:t>-</a:t>
+                </a:r>
+                <a:endParaRPr lang="es-ES" sz="2400" dirty="0"/>
               </a:p>
             </p:txBody>
           </p:sp>
-          <p:cxnSp>
-            <p:nvCxnSpPr>
-              <p:cNvPr id="11" name="Conector recto 10">
+          <p:sp>
+            <p:nvSpPr>
+              <p:cNvPr id="115" name="CuadroTexto 114">
                 <a:extLst>
                   <a:ext uri="{FF2B5EF4-FFF2-40B4-BE49-F238E27FC236}">
-                    <a16:creationId xmlns:a16="http://schemas.microsoft.com/office/drawing/2014/main" id="{C9A35D28-D021-443A-8292-630DDC4035A4}"/>
+                    <a16:creationId xmlns:a16="http://schemas.microsoft.com/office/drawing/2014/main" id="{0EDC234C-55FF-400B-AF44-EDD875387DED}"/>
                   </a:ext>
                 </a:extLst>
               </p:cNvPr>
-              <p:cNvCxnSpPr>
-                <a:cxnSpLocks/>
-              </p:cNvCxnSpPr>
-              <p:nvPr/>
-            </p:nvCxnSpPr>
-            <p:spPr>
-              <a:xfrm flipH="1">
-                <a:off x="3163145" y="5300164"/>
-                <a:ext cx="101931" cy="0"/>
-              </a:xfrm>
-              <a:prstGeom prst="line">
-                <a:avLst/>
-              </a:prstGeom>
-              <a:ln w="38100"/>
-            </p:spPr>
-            <p:style>
-              <a:lnRef idx="3">
-                <a:schemeClr val="dk1"/>
-              </a:lnRef>
-              <a:fillRef idx="0">
-                <a:schemeClr val="dk1"/>
-              </a:fillRef>
-              <a:effectRef idx="2">
-                <a:schemeClr val="dk1"/>
-              </a:effectRef>
-              <a:fontRef idx="minor">
-                <a:schemeClr val="tx1"/>
-              </a:fontRef>
-            </p:style>
-          </p:cxnSp>
-          <p:cxnSp>
-            <p:nvCxnSpPr>
-              <p:cNvPr id="83" name="Conector recto 82">
-                <a:extLst>
-                  <a:ext uri="{FF2B5EF4-FFF2-40B4-BE49-F238E27FC236}">
-                    <a16:creationId xmlns:a16="http://schemas.microsoft.com/office/drawing/2014/main" id="{7F0C9961-BB62-4278-BC36-3E0A918B9C8A}"/>
-                  </a:ext>
-                </a:extLst>
-              </p:cNvPr>
-              <p:cNvCxnSpPr>
-                <a:cxnSpLocks/>
-              </p:cNvCxnSpPr>
-              <p:nvPr/>
-            </p:nvCxnSpPr>
-            <p:spPr>
-              <a:xfrm flipH="1">
-                <a:off x="3343141" y="5300164"/>
-                <a:ext cx="101931" cy="0"/>
-              </a:xfrm>
-              <a:prstGeom prst="line">
-                <a:avLst/>
-              </a:prstGeom>
-              <a:ln w="38100"/>
-            </p:spPr>
-            <p:style>
-              <a:lnRef idx="3">
-                <a:schemeClr val="dk1"/>
-              </a:lnRef>
-              <a:fillRef idx="0">
-                <a:schemeClr val="dk1"/>
-              </a:fillRef>
-              <a:effectRef idx="2">
-                <a:schemeClr val="dk1"/>
-              </a:effectRef>
-              <a:fontRef idx="minor">
-                <a:schemeClr val="tx1"/>
-              </a:fontRef>
-            </p:style>
-          </p:cxnSp>
-          <p:sp>
-            <p:nvSpPr>
-              <p:cNvPr id="15" name="Elipse 14">
-                <a:extLst>
-                  <a:ext uri="{FF2B5EF4-FFF2-40B4-BE49-F238E27FC236}">
-                    <a16:creationId xmlns:a16="http://schemas.microsoft.com/office/drawing/2014/main" id="{7F10570C-E437-48F8-ADC0-E9A54C284F87}"/>
-                  </a:ext>
-                </a:extLst>
-              </p:cNvPr>
-              <p:cNvSpPr/>
+              <p:cNvSpPr txBox="1"/>
               <p:nvPr/>
             </p:nvSpPr>
             <p:spPr>
-              <a:xfrm>
-                <a:off x="3299295" y="5277304"/>
-                <a:ext cx="45720" cy="45720"/>
+              <a:xfrm rot="10800000">
+                <a:off x="3549684" y="5069331"/>
+                <a:ext cx="308291" cy="461665"/>
               </a:xfrm>
-              <a:prstGeom prst="ellipse">
+              <a:prstGeom prst="rect">
                 <a:avLst/>
               </a:prstGeom>
+              <a:noFill/>
             </p:spPr>
-            <p:style>
-              <a:lnRef idx="2">
-                <a:schemeClr val="dk1">
-                  <a:shade val="50000"/>
-                </a:schemeClr>
-              </a:lnRef>
-              <a:fillRef idx="1">
-                <a:schemeClr val="dk1"/>
-              </a:fillRef>
-              <a:effectRef idx="0">
-                <a:schemeClr val="dk1"/>
-              </a:effectRef>
-              <a:fontRef idx="minor">
-                <a:schemeClr val="lt1"/>
-              </a:fontRef>
-            </p:style>
             <p:txBody>
-              <a:bodyPr rtlCol="0" anchor="ctr"/>
+              <a:bodyPr wrap="square">
+                <a:spAutoFit/>
+              </a:bodyPr>
               <a:lstStyle/>
               <a:p>
-                <a:pPr algn="ctr"/>
-                <a:endParaRPr lang="es-ES"/>
+                <a:r>
+                  <a:rPr lang="es-ES" sz="2400" dirty="0">
+                    <a:latin typeface="Audiowide" panose="02000503000000020004" pitchFamily="2" charset="0"/>
+                  </a:rPr>
+                  <a:t>+</a:t>
+                </a:r>
+                <a:endParaRPr lang="es-ES" sz="2400" dirty="0"/>
               </a:p>
             </p:txBody>
           </p:sp>
         </p:grpSp>
+      </p:grpSp>
+      <p:grpSp>
+        <p:nvGrpSpPr>
+          <p:cNvPr id="12" name="Grupo 11">
+            <a:extLst>
+              <a:ext uri="{FF2B5EF4-FFF2-40B4-BE49-F238E27FC236}">
+                <a16:creationId xmlns:a16="http://schemas.microsoft.com/office/drawing/2014/main" id="{EF9A6553-B171-4F0A-BF7C-97D917E3A957}"/>
+              </a:ext>
+            </a:extLst>
+          </p:cNvPr>
+          <p:cNvGrpSpPr/>
+          <p:nvPr/>
+        </p:nvGrpSpPr>
+        <p:grpSpPr>
+          <a:xfrm>
+            <a:off x="5466786" y="459802"/>
+            <a:ext cx="873803" cy="276999"/>
+            <a:chOff x="5588706" y="467422"/>
+            <a:chExt cx="873803" cy="276999"/>
+          </a:xfrm>
+        </p:grpSpPr>
         <p:sp>
           <p:nvSpPr>
-            <p:cNvPr id="86" name="CuadroTexto 85">
+            <p:cNvPr id="228" name="CuadroTexto 227">
               <a:extLst>
                 <a:ext uri="{FF2B5EF4-FFF2-40B4-BE49-F238E27FC236}">
-                  <a16:creationId xmlns:a16="http://schemas.microsoft.com/office/drawing/2014/main" id="{83C8CD24-553C-4095-B4B1-B9CED5931882}"/>
+                  <a16:creationId xmlns:a16="http://schemas.microsoft.com/office/drawing/2014/main" id="{73E5EA14-2F06-456B-8CB6-2AAB092C1EDA}"/>
                 </a:ext>
               </a:extLst>
             </p:cNvPr>
@@ -4253,9 +5851,259 @@
             <p:nvPr/>
           </p:nvSpPr>
           <p:spPr>
-            <a:xfrm rot="10800000">
-              <a:off x="3008772" y="5069332"/>
-              <a:ext cx="308291" cy="461665"/>
+            <a:xfrm>
+              <a:off x="5588706" y="467422"/>
+              <a:ext cx="707735" cy="276999"/>
+            </a:xfrm>
+            <a:prstGeom prst="rect">
+              <a:avLst/>
+            </a:prstGeom>
+            <a:noFill/>
+          </p:spPr>
+          <p:txBody>
+            <a:bodyPr wrap="square" rtlCol="0">
+              <a:spAutoFit/>
+            </a:bodyPr>
+            <a:lstStyle/>
+            <a:p>
+              <a:r>
+                <a:rPr lang="es-ES" sz="1200" dirty="0">
+                  <a:latin typeface="Audiowide" panose="02000503000000020004" pitchFamily="2" charset="0"/>
+                </a:rPr>
+                <a:t>Flash</a:t>
+              </a:r>
+            </a:p>
+          </p:txBody>
+        </p:sp>
+        <p:cxnSp>
+          <p:nvCxnSpPr>
+            <p:cNvPr id="122" name="Conector recto de flecha 121">
+              <a:extLst>
+                <a:ext uri="{FF2B5EF4-FFF2-40B4-BE49-F238E27FC236}">
+                  <a16:creationId xmlns:a16="http://schemas.microsoft.com/office/drawing/2014/main" id="{4AE55677-41DD-4B1B-979F-F088261630C8}"/>
+                </a:ext>
+              </a:extLst>
+            </p:cNvPr>
+            <p:cNvCxnSpPr>
+              <a:cxnSpLocks/>
+            </p:cNvCxnSpPr>
+            <p:nvPr/>
+          </p:nvCxnSpPr>
+          <p:spPr>
+            <a:xfrm>
+              <a:off x="6197381" y="605921"/>
+              <a:ext cx="265128" cy="701"/>
+            </a:xfrm>
+            <a:prstGeom prst="straightConnector1">
+              <a:avLst/>
+            </a:prstGeom>
+            <a:ln w="38100">
+              <a:tailEnd type="triangle"/>
+            </a:ln>
+          </p:spPr>
+          <p:style>
+            <a:lnRef idx="3">
+              <a:schemeClr val="dk1"/>
+            </a:lnRef>
+            <a:fillRef idx="0">
+              <a:schemeClr val="dk1"/>
+            </a:fillRef>
+            <a:effectRef idx="2">
+              <a:schemeClr val="dk1"/>
+            </a:effectRef>
+            <a:fontRef idx="minor">
+              <a:schemeClr val="tx1"/>
+            </a:fontRef>
+          </p:style>
+        </p:cxnSp>
+      </p:grpSp>
+      <p:grpSp>
+        <p:nvGrpSpPr>
+          <p:cNvPr id="123" name="Grupo 122">
+            <a:extLst>
+              <a:ext uri="{FF2B5EF4-FFF2-40B4-BE49-F238E27FC236}">
+                <a16:creationId xmlns:a16="http://schemas.microsoft.com/office/drawing/2014/main" id="{D82BB067-A598-4576-BAF5-F3B89EDAB1E7}"/>
+              </a:ext>
+            </a:extLst>
+          </p:cNvPr>
+          <p:cNvGrpSpPr/>
+          <p:nvPr/>
+        </p:nvGrpSpPr>
+        <p:grpSpPr>
+          <a:xfrm>
+            <a:off x="2411052" y="6291063"/>
+            <a:ext cx="1909488" cy="807509"/>
+            <a:chOff x="3303188" y="1440938"/>
+            <a:chExt cx="2507399" cy="1060362"/>
+          </a:xfrm>
+        </p:grpSpPr>
+        <p:grpSp>
+          <p:nvGrpSpPr>
+            <p:cNvPr id="124" name="Grupo 123">
+              <a:extLst>
+                <a:ext uri="{FF2B5EF4-FFF2-40B4-BE49-F238E27FC236}">
+                  <a16:creationId xmlns:a16="http://schemas.microsoft.com/office/drawing/2014/main" id="{E053E29B-DD10-4877-994A-3BEB97BB0604}"/>
+                </a:ext>
+              </a:extLst>
+            </p:cNvPr>
+            <p:cNvGrpSpPr/>
+            <p:nvPr/>
+          </p:nvGrpSpPr>
+          <p:grpSpPr>
+            <a:xfrm>
+              <a:off x="3303188" y="1440938"/>
+              <a:ext cx="2507399" cy="1060362"/>
+              <a:chOff x="2347407" y="3083453"/>
+              <a:chExt cx="2337768" cy="1005983"/>
+            </a:xfrm>
+          </p:grpSpPr>
+          <p:sp>
+            <p:nvSpPr>
+              <p:cNvPr id="126" name="CuadroTexto 125">
+                <a:extLst>
+                  <a:ext uri="{FF2B5EF4-FFF2-40B4-BE49-F238E27FC236}">
+                    <a16:creationId xmlns:a16="http://schemas.microsoft.com/office/drawing/2014/main" id="{A6CFEF85-55DC-4FF4-B5A3-0803BDEEB4EE}"/>
+                  </a:ext>
+                </a:extLst>
+              </p:cNvPr>
+              <p:cNvSpPr txBox="1"/>
+              <p:nvPr/>
+            </p:nvSpPr>
+            <p:spPr>
+              <a:xfrm>
+                <a:off x="2347407" y="3095889"/>
+                <a:ext cx="1619492" cy="925654"/>
+              </a:xfrm>
+              <a:prstGeom prst="rect">
+                <a:avLst/>
+              </a:prstGeom>
+              <a:noFill/>
+            </p:spPr>
+            <p:txBody>
+              <a:bodyPr wrap="square" rtlCol="0">
+                <a:spAutoFit/>
+              </a:bodyPr>
+              <a:lstStyle/>
+              <a:p>
+                <a:pPr algn="r"/>
+                <a:r>
+                  <a:rPr lang="es-ES" sz="2400" dirty="0">
+                    <a:latin typeface="Audiowide" panose="02000503000000020004" pitchFamily="2" charset="0"/>
+                  </a:rPr>
+                  <a:t>Smart </a:t>
+                </a:r>
+                <a:r>
+                  <a:rPr lang="es-ES" sz="2400" dirty="0" err="1">
+                    <a:latin typeface="Audiowide" panose="02000503000000020004" pitchFamily="2" charset="0"/>
+                  </a:rPr>
+                  <a:t>Lights</a:t>
+                </a:r>
+                <a:endParaRPr lang="es-ES" sz="2400" dirty="0">
+                  <a:latin typeface="Audiowide" panose="02000503000000020004" pitchFamily="2" charset="0"/>
+                </a:endParaRPr>
+              </a:p>
+            </p:txBody>
+          </p:sp>
+          <p:pic>
+            <p:nvPicPr>
+              <p:cNvPr id="127" name="Picture 32" descr="Internet and WiFi - Bibliothèques de Martigues">
+                <a:extLst>
+                  <a:ext uri="{FF2B5EF4-FFF2-40B4-BE49-F238E27FC236}">
+                    <a16:creationId xmlns:a16="http://schemas.microsoft.com/office/drawing/2014/main" id="{E661A52D-C6A5-4B73-A5A5-7532C377E94F}"/>
+                  </a:ext>
+                </a:extLst>
+              </p:cNvPr>
+              <p:cNvPicPr>
+                <a:picLocks noChangeAspect="1" noChangeArrowheads="1"/>
+              </p:cNvPicPr>
+              <p:nvPr/>
+            </p:nvPicPr>
+            <p:blipFill>
+              <a:blip r:embed="rId3">
+                <a:extLst>
+                  <a:ext uri="{28A0092B-C50C-407E-A947-70E740481C1C}">
+                    <a14:useLocalDpi xmlns:a14="http://schemas.microsoft.com/office/drawing/2010/main" val="0"/>
+                  </a:ext>
+                </a:extLst>
+              </a:blip>
+              <a:srcRect/>
+              <a:stretch>
+                <a:fillRect/>
+              </a:stretch>
+            </p:blipFill>
+            <p:spPr bwMode="auto">
+              <a:xfrm rot="2726951">
+                <a:off x="3840168" y="3587061"/>
+                <a:ext cx="529516" cy="475234"/>
+              </a:xfrm>
+              <a:prstGeom prst="rect">
+                <a:avLst/>
+              </a:prstGeom>
+              <a:noFill/>
+              <a:extLst>
+                <a:ext uri="{909E8E84-426E-40DD-AFC4-6F175D3DCCD1}">
+                  <a14:hiddenFill xmlns:a14="http://schemas.microsoft.com/office/drawing/2010/main">
+                    <a:solidFill>
+                      <a:srgbClr val="FFFFFF"/>
+                    </a:solidFill>
+                  </a14:hiddenFill>
+                </a:ext>
+              </a:extLst>
+            </p:spPr>
+          </p:pic>
+          <p:pic>
+            <p:nvPicPr>
+              <p:cNvPr id="128" name="Imagen 127">
+                <a:extLst>
+                  <a:ext uri="{FF2B5EF4-FFF2-40B4-BE49-F238E27FC236}">
+                    <a16:creationId xmlns:a16="http://schemas.microsoft.com/office/drawing/2014/main" id="{C5131F09-1250-4A72-AEA3-5B92832CFEA4}"/>
+                  </a:ext>
+                </a:extLst>
+              </p:cNvPr>
+              <p:cNvPicPr>
+                <a:picLocks noChangeAspect="1"/>
+              </p:cNvPicPr>
+              <p:nvPr/>
+            </p:nvPicPr>
+            <p:blipFill>
+              <a:blip r:embed="rId4">
+                <a:extLst>
+                  <a:ext uri="{28A0092B-C50C-407E-A947-70E740481C1C}">
+                    <a14:useLocalDpi xmlns:a14="http://schemas.microsoft.com/office/drawing/2010/main" val="0"/>
+                  </a:ext>
+                </a:extLst>
+              </a:blip>
+              <a:stretch>
+                <a:fillRect/>
+              </a:stretch>
+            </p:blipFill>
+            <p:spPr>
+              <a:xfrm>
+                <a:off x="4049551" y="3083453"/>
+                <a:ext cx="635624" cy="635623"/>
+              </a:xfrm>
+              <a:prstGeom prst="rect">
+                <a:avLst/>
+              </a:prstGeom>
+            </p:spPr>
+          </p:pic>
+        </p:grpSp>
+        <p:sp>
+          <p:nvSpPr>
+            <p:cNvPr id="125" name="CuadroTexto 124">
+              <a:extLst>
+                <a:ext uri="{FF2B5EF4-FFF2-40B4-BE49-F238E27FC236}">
+                  <a16:creationId xmlns:a16="http://schemas.microsoft.com/office/drawing/2014/main" id="{F703713C-9AD5-40A0-AF09-EEEC8259F6C2}"/>
+                </a:ext>
+              </a:extLst>
+            </p:cNvPr>
+            <p:cNvSpPr txBox="1"/>
+            <p:nvPr/>
+          </p:nvSpPr>
+          <p:spPr>
+            <a:xfrm>
+              <a:off x="5199816" y="1531909"/>
+              <a:ext cx="502109" cy="323319"/>
             </a:xfrm>
             <a:prstGeom prst="rect">
               <a:avLst/>
@@ -4269,21 +6117,45 @@
             <a:lstStyle/>
             <a:p>
               <a:r>
-                <a:rPr lang="es-ES" sz="2400" dirty="0">
+                <a:rPr lang="es-ES" sz="1000" i="1" dirty="0">
+                  <a:solidFill>
+                    <a:schemeClr val="bg1"/>
+                  </a:solidFill>
                   <a:latin typeface="Audiowide" panose="02000503000000020004" pitchFamily="2" charset="0"/>
                 </a:rPr>
-                <a:t>-</a:t>
+                <a:t>X4</a:t>
               </a:r>
-              <a:endParaRPr lang="es-ES" sz="2400" dirty="0"/>
+              <a:endParaRPr lang="es-ES" sz="1100" i="1" dirty="0"/>
             </a:p>
           </p:txBody>
         </p:sp>
+      </p:grpSp>
+      <p:grpSp>
+        <p:nvGrpSpPr>
+          <p:cNvPr id="173" name="Grupo 172">
+            <a:extLst>
+              <a:ext uri="{FF2B5EF4-FFF2-40B4-BE49-F238E27FC236}">
+                <a16:creationId xmlns:a16="http://schemas.microsoft.com/office/drawing/2014/main" id="{326250D1-82BC-4832-8922-DBD7F5664F70}"/>
+              </a:ext>
+            </a:extLst>
+          </p:cNvPr>
+          <p:cNvGrpSpPr/>
+          <p:nvPr/>
+        </p:nvGrpSpPr>
+        <p:grpSpPr>
+          <a:xfrm rot="5400000">
+            <a:off x="775711" y="6459142"/>
+            <a:ext cx="432113" cy="566217"/>
+            <a:chOff x="6790137" y="1271217"/>
+            <a:chExt cx="418969" cy="855280"/>
+          </a:xfrm>
+        </p:grpSpPr>
         <p:sp>
           <p:nvSpPr>
-            <p:cNvPr id="87" name="CuadroTexto 86">
+            <p:cNvPr id="190" name="CuadroTexto 189">
               <a:extLst>
                 <a:ext uri="{FF2B5EF4-FFF2-40B4-BE49-F238E27FC236}">
-                  <a16:creationId xmlns:a16="http://schemas.microsoft.com/office/drawing/2014/main" id="{3367B3E2-1ED0-487A-A134-6E09147E6EC7}"/>
+                  <a16:creationId xmlns:a16="http://schemas.microsoft.com/office/drawing/2014/main" id="{2E0623A9-F40F-4442-BDA5-2ECACBECBE41}"/>
                 </a:ext>
               </a:extLst>
             </p:cNvPr>
@@ -4291,9 +6163,9 @@
             <p:nvPr/>
           </p:nvSpPr>
           <p:spPr>
-            <a:xfrm rot="10800000">
-              <a:off x="3549684" y="5069331"/>
-              <a:ext cx="308291" cy="461665"/>
+            <a:xfrm rot="16200000">
+              <a:off x="6571387" y="1489967"/>
+              <a:ext cx="855280" cy="417780"/>
             </a:xfrm>
             <a:prstGeom prst="rect">
               <a:avLst/>
@@ -4306,84 +6178,32 @@
             </a:bodyPr>
             <a:lstStyle/>
             <a:p>
+              <a:pPr algn="ctr"/>
               <a:r>
-                <a:rPr lang="es-ES" sz="2400" dirty="0">
+                <a:rPr lang="es-ES" sz="1100" dirty="0">
                   <a:latin typeface="Audiowide" panose="02000503000000020004" pitchFamily="2" charset="0"/>
                 </a:rPr>
-                <a:t>+</a:t>
+                <a:t>230</a:t>
               </a:r>
-              <a:endParaRPr lang="es-ES" sz="2400" dirty="0"/>
+            </a:p>
+            <a:p>
+              <a:pPr algn="ctr"/>
+              <a:r>
+                <a:rPr lang="es-ES" sz="1100" dirty="0">
+                  <a:latin typeface="Audiowide" panose="02000503000000020004" pitchFamily="2" charset="0"/>
+                </a:rPr>
+                <a:t>VAC</a:t>
+              </a:r>
+              <a:endParaRPr lang="es-ES" sz="1100" dirty="0"/>
             </a:p>
           </p:txBody>
         </p:sp>
-      </p:grpSp>
-      <p:cxnSp>
-        <p:nvCxnSpPr>
-          <p:cNvPr id="21" name="Conector recto de flecha 20">
-            <a:extLst>
-              <a:ext uri="{FF2B5EF4-FFF2-40B4-BE49-F238E27FC236}">
-                <a16:creationId xmlns:a16="http://schemas.microsoft.com/office/drawing/2014/main" id="{0644FB3D-9870-4FE5-BD2C-FAB3D8396306}"/>
-              </a:ext>
-            </a:extLst>
-          </p:cNvPr>
-          <p:cNvCxnSpPr>
-            <a:cxnSpLocks/>
-          </p:cNvCxnSpPr>
-          <p:nvPr/>
-        </p:nvCxnSpPr>
-        <p:spPr>
-          <a:xfrm>
-            <a:off x="5286777" y="6203381"/>
-            <a:ext cx="365877" cy="0"/>
-          </a:xfrm>
-          <a:prstGeom prst="straightConnector1">
-            <a:avLst/>
-          </a:prstGeom>
-          <a:ln w="57150">
-            <a:tailEnd type="triangle"/>
-          </a:ln>
-        </p:spPr>
-        <p:style>
-          <a:lnRef idx="3">
-            <a:schemeClr val="dk1"/>
-          </a:lnRef>
-          <a:fillRef idx="0">
-            <a:schemeClr val="dk1"/>
-          </a:fillRef>
-          <a:effectRef idx="2">
-            <a:schemeClr val="dk1"/>
-          </a:effectRef>
-          <a:fontRef idx="minor">
-            <a:schemeClr val="tx1"/>
-          </a:fontRef>
-        </p:style>
-      </p:cxnSp>
-      <p:grpSp>
-        <p:nvGrpSpPr>
-          <p:cNvPr id="101" name="Grupo 100">
-            <a:extLst>
-              <a:ext uri="{FF2B5EF4-FFF2-40B4-BE49-F238E27FC236}">
-                <a16:creationId xmlns:a16="http://schemas.microsoft.com/office/drawing/2014/main" id="{BEEC96F9-A7B2-4CA6-892C-5FCCCDE08445}"/>
-              </a:ext>
-            </a:extLst>
-          </p:cNvPr>
-          <p:cNvGrpSpPr/>
-          <p:nvPr/>
-        </p:nvGrpSpPr>
-        <p:grpSpPr>
-          <a:xfrm>
-            <a:off x="2117879" y="2286580"/>
-            <a:ext cx="1295044" cy="276999"/>
-            <a:chOff x="4710367" y="3321871"/>
-            <a:chExt cx="870247" cy="168337"/>
-          </a:xfrm>
-        </p:grpSpPr>
         <p:sp>
           <p:nvSpPr>
-            <p:cNvPr id="102" name="Rectángulo: esquinas redondeadas 101">
+            <p:cNvPr id="191" name="Rectángulo: esquinas redondeadas 190">
               <a:extLst>
                 <a:ext uri="{FF2B5EF4-FFF2-40B4-BE49-F238E27FC236}">
-                  <a16:creationId xmlns:a16="http://schemas.microsoft.com/office/drawing/2014/main" id="{0A2FA0B6-2D3E-4E88-BEBB-BAE6B35E0176}"/>
+                  <a16:creationId xmlns:a16="http://schemas.microsoft.com/office/drawing/2014/main" id="{C7A010BC-C5F0-4CCF-99D9-8DAB10FCEF67}"/>
                 </a:ext>
               </a:extLst>
             </p:cNvPr>
@@ -4391,19 +6211,17 @@
             <p:nvPr/>
           </p:nvSpPr>
           <p:spPr>
-            <a:xfrm>
-              <a:off x="4711030" y="3332052"/>
-              <a:ext cx="832807" cy="147974"/>
+            <a:xfrm rot="16200000">
+              <a:off x="6695841" y="1488157"/>
+              <a:ext cx="615229" cy="411301"/>
             </a:xfrm>
             <a:prstGeom prst="roundRect">
               <a:avLst>
-                <a:gd name="adj" fmla="val 50000"/>
+                <a:gd name="adj" fmla="val 30781"/>
               </a:avLst>
             </a:prstGeom>
-            <a:solidFill>
-              <a:schemeClr val="tx1"/>
-            </a:solidFill>
-            <a:ln w="12700">
+            <a:noFill/>
+            <a:ln w="28575">
               <a:solidFill>
                 <a:schemeClr val="tx1"/>
               </a:solidFill>
@@ -4430,16 +6248,257 @@
             <a:lstStyle/>
             <a:p>
               <a:pPr algn="r"/>
-              <a:endParaRPr lang="es-ES" sz="3600" dirty="0"/>
+              <a:endParaRPr lang="es-ES" sz="1400" dirty="0"/>
+            </a:p>
+          </p:txBody>
+        </p:sp>
+      </p:grpSp>
+      <p:grpSp>
+        <p:nvGrpSpPr>
+          <p:cNvPr id="88" name="Grupo 87">
+            <a:extLst>
+              <a:ext uri="{FF2B5EF4-FFF2-40B4-BE49-F238E27FC236}">
+                <a16:creationId xmlns:a16="http://schemas.microsoft.com/office/drawing/2014/main" id="{CBCB390E-E0E7-457C-AA57-D6D3852CEF8A}"/>
+              </a:ext>
+            </a:extLst>
+          </p:cNvPr>
+          <p:cNvGrpSpPr/>
+          <p:nvPr/>
+        </p:nvGrpSpPr>
+        <p:grpSpPr>
+          <a:xfrm>
+            <a:off x="6444316" y="3955440"/>
+            <a:ext cx="673571" cy="1164771"/>
+            <a:chOff x="6525742" y="5052431"/>
+            <a:chExt cx="673571" cy="1164771"/>
+          </a:xfrm>
+        </p:grpSpPr>
+        <p:grpSp>
+          <p:nvGrpSpPr>
+            <p:cNvPr id="109" name="Grupo 108">
+              <a:extLst>
+                <a:ext uri="{FF2B5EF4-FFF2-40B4-BE49-F238E27FC236}">
+                  <a16:creationId xmlns:a16="http://schemas.microsoft.com/office/drawing/2014/main" id="{E930BB12-6C10-4970-A96E-5E917AFD6E88}"/>
+                </a:ext>
+              </a:extLst>
+            </p:cNvPr>
+            <p:cNvGrpSpPr/>
+            <p:nvPr/>
+          </p:nvGrpSpPr>
+          <p:grpSpPr>
+            <a:xfrm rot="16200000">
+              <a:off x="6385661" y="5198254"/>
+              <a:ext cx="924959" cy="644798"/>
+              <a:chOff x="9215255" y="2976432"/>
+              <a:chExt cx="1309051" cy="716973"/>
+            </a:xfrm>
+          </p:grpSpPr>
+          <p:sp>
+            <p:nvSpPr>
+              <p:cNvPr id="120" name="CuadroTexto 119">
+                <a:extLst>
+                  <a:ext uri="{FF2B5EF4-FFF2-40B4-BE49-F238E27FC236}">
+                    <a16:creationId xmlns:a16="http://schemas.microsoft.com/office/drawing/2014/main" id="{AE3DAC8B-D0FE-488D-84C2-DA527B28144D}"/>
+                  </a:ext>
+                </a:extLst>
+              </p:cNvPr>
+              <p:cNvSpPr txBox="1"/>
+              <p:nvPr/>
+            </p:nvSpPr>
+            <p:spPr>
+              <a:xfrm rot="5400000">
+                <a:off x="9057758" y="3133930"/>
+                <a:ext cx="641680" cy="326686"/>
+              </a:xfrm>
+              <a:prstGeom prst="rect">
+                <a:avLst/>
+              </a:prstGeom>
+              <a:noFill/>
+            </p:spPr>
+            <p:txBody>
+              <a:bodyPr wrap="square" rtlCol="0">
+                <a:spAutoFit/>
+              </a:bodyPr>
+              <a:lstStyle/>
+              <a:p>
+                <a:r>
+                  <a:rPr lang="es-ES" sz="900" dirty="0">
+                    <a:latin typeface="Audiowide" panose="02000503000000020004" pitchFamily="2" charset="0"/>
+                  </a:rPr>
+                  <a:t>3V3</a:t>
+                </a:r>
+              </a:p>
+            </p:txBody>
+          </p:sp>
+          <p:sp>
+            <p:nvSpPr>
+              <p:cNvPr id="121" name="CuadroTexto 120">
+                <a:extLst>
+                  <a:ext uri="{FF2B5EF4-FFF2-40B4-BE49-F238E27FC236}">
+                    <a16:creationId xmlns:a16="http://schemas.microsoft.com/office/drawing/2014/main" id="{8D5FD04A-F639-4D42-B085-D37AA08EA963}"/>
+                  </a:ext>
+                </a:extLst>
+              </p:cNvPr>
+              <p:cNvSpPr txBox="1"/>
+              <p:nvPr/>
+            </p:nvSpPr>
+            <p:spPr>
+              <a:xfrm rot="5400000">
+                <a:off x="9325787" y="3171576"/>
+                <a:ext cx="716972" cy="326686"/>
+              </a:xfrm>
+              <a:prstGeom prst="rect">
+                <a:avLst/>
+              </a:prstGeom>
+              <a:noFill/>
+            </p:spPr>
+            <p:txBody>
+              <a:bodyPr wrap="square" rtlCol="0">
+                <a:spAutoFit/>
+              </a:bodyPr>
+              <a:lstStyle/>
+              <a:p>
+                <a:r>
+                  <a:rPr lang="es-ES" sz="900" dirty="0">
+                    <a:latin typeface="Audiowide" panose="02000503000000020004" pitchFamily="2" charset="0"/>
+                  </a:rPr>
+                  <a:t>GND</a:t>
+                </a:r>
+                <a:endParaRPr lang="es-ES" sz="700" dirty="0">
+                  <a:latin typeface="Audiowide" panose="02000503000000020004" pitchFamily="2" charset="0"/>
+                </a:endParaRPr>
+              </a:p>
+            </p:txBody>
+          </p:sp>
+          <p:sp>
+            <p:nvSpPr>
+              <p:cNvPr id="129" name="CuadroTexto 128">
+                <a:extLst>
+                  <a:ext uri="{FF2B5EF4-FFF2-40B4-BE49-F238E27FC236}">
+                    <a16:creationId xmlns:a16="http://schemas.microsoft.com/office/drawing/2014/main" id="{DED81064-AE06-4D13-A0F3-9D7485F25B84}"/>
+                  </a:ext>
+                </a:extLst>
+              </p:cNvPr>
+              <p:cNvSpPr txBox="1"/>
+              <p:nvPr/>
+            </p:nvSpPr>
+            <p:spPr>
+              <a:xfrm rot="5400000">
+                <a:off x="9701780" y="3133929"/>
+                <a:ext cx="641680" cy="326686"/>
+              </a:xfrm>
+              <a:prstGeom prst="rect">
+                <a:avLst/>
+              </a:prstGeom>
+              <a:noFill/>
+            </p:spPr>
+            <p:txBody>
+              <a:bodyPr wrap="square" rtlCol="0">
+                <a:spAutoFit/>
+              </a:bodyPr>
+              <a:lstStyle/>
+              <a:p>
+                <a:r>
+                  <a:rPr lang="es-ES" sz="900" dirty="0">
+                    <a:latin typeface="Audiowide" panose="02000503000000020004" pitchFamily="2" charset="0"/>
+                  </a:rPr>
+                  <a:t>SCL</a:t>
+                </a:r>
+              </a:p>
+            </p:txBody>
+          </p:sp>
+          <p:sp>
+            <p:nvSpPr>
+              <p:cNvPr id="130" name="CuadroTexto 129">
+                <a:extLst>
+                  <a:ext uri="{FF2B5EF4-FFF2-40B4-BE49-F238E27FC236}">
+                    <a16:creationId xmlns:a16="http://schemas.microsoft.com/office/drawing/2014/main" id="{39077D6D-9D98-424C-8199-08F2FB09408A}"/>
+                  </a:ext>
+                </a:extLst>
+              </p:cNvPr>
+              <p:cNvSpPr txBox="1"/>
+              <p:nvPr/>
+            </p:nvSpPr>
+            <p:spPr>
+              <a:xfrm rot="5400000">
+                <a:off x="10040122" y="3133931"/>
+                <a:ext cx="641682" cy="326686"/>
+              </a:xfrm>
+              <a:prstGeom prst="rect">
+                <a:avLst/>
+              </a:prstGeom>
+              <a:noFill/>
+            </p:spPr>
+            <p:txBody>
+              <a:bodyPr wrap="square" rtlCol="0">
+                <a:spAutoFit/>
+              </a:bodyPr>
+              <a:lstStyle/>
+              <a:p>
+                <a:r>
+                  <a:rPr lang="es-ES" sz="900" dirty="0">
+                    <a:latin typeface="Audiowide" panose="02000503000000020004" pitchFamily="2" charset="0"/>
+                  </a:rPr>
+                  <a:t>SDA</a:t>
+                </a:r>
+              </a:p>
+            </p:txBody>
+          </p:sp>
+        </p:grpSp>
+        <p:sp>
+          <p:nvSpPr>
+            <p:cNvPr id="110" name="CuadroTexto 109">
+              <a:extLst>
+                <a:ext uri="{FF2B5EF4-FFF2-40B4-BE49-F238E27FC236}">
+                  <a16:creationId xmlns:a16="http://schemas.microsoft.com/office/drawing/2014/main" id="{ED2FD8D9-71C0-4136-ABBF-BCDAEE1D35C4}"/>
+                </a:ext>
+              </a:extLst>
+            </p:cNvPr>
+            <p:cNvSpPr txBox="1"/>
+            <p:nvPr/>
+          </p:nvSpPr>
+          <p:spPr>
+            <a:xfrm>
+              <a:off x="6570331" y="5997417"/>
+              <a:ext cx="622630" cy="215444"/>
+            </a:xfrm>
+            <a:prstGeom prst="rect">
+              <a:avLst/>
+            </a:prstGeom>
+            <a:solidFill>
+              <a:schemeClr val="tx1"/>
+            </a:solidFill>
+          </p:spPr>
+          <p:txBody>
+            <a:bodyPr wrap="square">
+              <a:spAutoFit/>
+            </a:bodyPr>
+            <a:lstStyle/>
+            <a:p>
+              <a:pPr algn="ctr"/>
+              <a:r>
+                <a:rPr lang="es-ES" sz="800" dirty="0">
+                  <a:solidFill>
+                    <a:schemeClr val="bg1"/>
+                  </a:solidFill>
+                  <a:latin typeface="Audiowide" panose="02000503000000020004" pitchFamily="2" charset="0"/>
+                </a:rPr>
+                <a:t>I2C</a:t>
+              </a:r>
+              <a:endParaRPr lang="es-ES" sz="800" dirty="0">
+                <a:solidFill>
+                  <a:schemeClr val="bg1"/>
+                </a:solidFill>
+              </a:endParaRPr>
             </a:p>
           </p:txBody>
         </p:sp>
         <p:sp>
           <p:nvSpPr>
-            <p:cNvPr id="103" name="Rectángulo: esquinas redondeadas 102">
+            <p:cNvPr id="112" name="Rectángulo: esquinas redondeadas 111">
               <a:extLst>
                 <a:ext uri="{FF2B5EF4-FFF2-40B4-BE49-F238E27FC236}">
-                  <a16:creationId xmlns:a16="http://schemas.microsoft.com/office/drawing/2014/main" id="{2F071837-7B80-4560-97D4-B90CD2E71E9B}"/>
+                  <a16:creationId xmlns:a16="http://schemas.microsoft.com/office/drawing/2014/main" id="{328ED668-0578-4E88-BE09-4186FF502948}"/>
                 </a:ext>
               </a:extLst>
             </p:cNvPr>
@@ -4448,18 +6507,16 @@
           </p:nvSpPr>
           <p:spPr>
             <a:xfrm>
-              <a:off x="4710367" y="3332052"/>
-              <a:ext cx="591908" cy="147974"/>
+              <a:off x="6576683" y="5052431"/>
+              <a:ext cx="622630" cy="1164771"/>
             </a:xfrm>
             <a:prstGeom prst="roundRect">
               <a:avLst>
-                <a:gd name="adj" fmla="val 50000"/>
+                <a:gd name="adj" fmla="val 7955"/>
               </a:avLst>
             </a:prstGeom>
-            <a:solidFill>
-              <a:schemeClr val="bg1"/>
-            </a:solidFill>
-            <a:ln w="12700">
+            <a:noFill/>
+            <a:ln w="28575">
               <a:solidFill>
                 <a:schemeClr val="tx1"/>
               </a:solidFill>
@@ -4482,274 +6539,19 @@
             </a:fontRef>
           </p:style>
           <p:txBody>
-            <a:bodyPr lIns="0" rIns="0" rtlCol="0" anchor="ctr"/>
+            <a:bodyPr rtlCol="0" anchor="ctr"/>
             <a:lstStyle/>
             <a:p>
-              <a:pPr algn="ctr"/>
-              <a:r>
-                <a:rPr lang="es-ES" sz="1400" dirty="0">
-                  <a:solidFill>
-                    <a:schemeClr val="tx1"/>
-                  </a:solidFill>
-                  <a:latin typeface="Audiowide" panose="02000503000000020004" pitchFamily="2" charset="0"/>
-                </a:rPr>
-                <a:t>Input</a:t>
-              </a:r>
-            </a:p>
-          </p:txBody>
-        </p:sp>
-        <p:sp>
-          <p:nvSpPr>
-            <p:cNvPr id="104" name="CuadroTexto 103">
-              <a:extLst>
-                <a:ext uri="{FF2B5EF4-FFF2-40B4-BE49-F238E27FC236}">
-                  <a16:creationId xmlns:a16="http://schemas.microsoft.com/office/drawing/2014/main" id="{0A16C485-C825-47F6-BAC7-193C7A838638}"/>
-                </a:ext>
-              </a:extLst>
-            </p:cNvPr>
-            <p:cNvSpPr txBox="1"/>
-            <p:nvPr/>
-          </p:nvSpPr>
-          <p:spPr>
-            <a:xfrm>
-              <a:off x="5288917" y="3321871"/>
-              <a:ext cx="291697" cy="168337"/>
-            </a:xfrm>
-            <a:prstGeom prst="rect">
-              <a:avLst/>
-            </a:prstGeom>
-            <a:noFill/>
-          </p:spPr>
-          <p:txBody>
-            <a:bodyPr wrap="square">
-              <a:spAutoFit/>
-            </a:bodyPr>
-            <a:lstStyle/>
-            <a:p>
-              <a:r>
-                <a:rPr lang="es-ES" sz="1200" dirty="0">
-                  <a:solidFill>
-                    <a:schemeClr val="bg1"/>
-                  </a:solidFill>
-                  <a:latin typeface="Audiowide" panose="02000503000000020004" pitchFamily="2" charset="0"/>
-                </a:rPr>
-                <a:t>22</a:t>
-              </a:r>
+              <a:pPr algn="r"/>
+              <a:endParaRPr lang="es-ES" dirty="0"/>
             </a:p>
           </p:txBody>
         </p:sp>
       </p:grpSp>
-      <p:sp>
-        <p:nvSpPr>
-          <p:cNvPr id="105" name="CuadroTexto 104">
-            <a:extLst>
-              <a:ext uri="{FF2B5EF4-FFF2-40B4-BE49-F238E27FC236}">
-                <a16:creationId xmlns:a16="http://schemas.microsoft.com/office/drawing/2014/main" id="{B8D25AB6-A187-486A-988D-1C022E0AB92F}"/>
-              </a:ext>
-            </a:extLst>
-          </p:cNvPr>
-          <p:cNvSpPr txBox="1"/>
-          <p:nvPr/>
-        </p:nvSpPr>
-        <p:spPr>
-          <a:xfrm>
-            <a:off x="1492548" y="1016083"/>
-            <a:ext cx="1113806" cy="369332"/>
-          </a:xfrm>
-          <a:prstGeom prst="rect">
-            <a:avLst/>
-          </a:prstGeom>
-          <a:noFill/>
-        </p:spPr>
-        <p:txBody>
-          <a:bodyPr wrap="square" rtlCol="0">
-            <a:spAutoFit/>
-          </a:bodyPr>
-          <a:lstStyle/>
-          <a:p>
-            <a:r>
-              <a:rPr lang="es-ES" b="1" dirty="0" err="1">
-                <a:latin typeface="Audiowide" panose="02000503000000020004" pitchFamily="2" charset="0"/>
-              </a:rPr>
-              <a:t>Button</a:t>
-            </a:r>
-            <a:endParaRPr lang="es-ES" b="1" dirty="0">
-              <a:latin typeface="Audiowide" panose="02000503000000020004" pitchFamily="2" charset="0"/>
-            </a:endParaRPr>
-          </a:p>
-        </p:txBody>
-      </p:sp>
-      <p:sp>
-        <p:nvSpPr>
-          <p:cNvPr id="106" name="CuadroTexto 105">
-            <a:extLst>
-              <a:ext uri="{FF2B5EF4-FFF2-40B4-BE49-F238E27FC236}">
-                <a16:creationId xmlns:a16="http://schemas.microsoft.com/office/drawing/2014/main" id="{DC2DF69B-E1C4-4061-B2AC-36421F0B9DAC}"/>
-              </a:ext>
-            </a:extLst>
-          </p:cNvPr>
-          <p:cNvSpPr txBox="1"/>
-          <p:nvPr/>
-        </p:nvSpPr>
-        <p:spPr>
-          <a:xfrm rot="10800000">
-            <a:off x="3125339" y="-20257"/>
-            <a:ext cx="308291" cy="461665"/>
-          </a:xfrm>
-          <a:prstGeom prst="rect">
-            <a:avLst/>
-          </a:prstGeom>
-          <a:noFill/>
-        </p:spPr>
-        <p:txBody>
-          <a:bodyPr wrap="square">
-            <a:spAutoFit/>
-          </a:bodyPr>
-          <a:lstStyle/>
-          <a:p>
-            <a:r>
-              <a:rPr lang="es-ES" sz="2400" dirty="0">
-                <a:latin typeface="Audiowide" panose="02000503000000020004" pitchFamily="2" charset="0"/>
-              </a:rPr>
-              <a:t>+</a:t>
-            </a:r>
-            <a:endParaRPr lang="es-ES" sz="2400" dirty="0"/>
-          </a:p>
-        </p:txBody>
-      </p:sp>
-      <p:sp>
-        <p:nvSpPr>
-          <p:cNvPr id="107" name="CuadroTexto 106">
-            <a:extLst>
-              <a:ext uri="{FF2B5EF4-FFF2-40B4-BE49-F238E27FC236}">
-                <a16:creationId xmlns:a16="http://schemas.microsoft.com/office/drawing/2014/main" id="{E776601B-9F01-4C19-8394-AF11F010D2DE}"/>
-              </a:ext>
-            </a:extLst>
-          </p:cNvPr>
-          <p:cNvSpPr txBox="1"/>
-          <p:nvPr/>
-        </p:nvSpPr>
-        <p:spPr>
-          <a:xfrm rot="10800000">
-            <a:off x="3790610" y="-20258"/>
-            <a:ext cx="308291" cy="461665"/>
-          </a:xfrm>
-          <a:prstGeom prst="rect">
-            <a:avLst/>
-          </a:prstGeom>
-          <a:noFill/>
-        </p:spPr>
-        <p:txBody>
-          <a:bodyPr wrap="square">
-            <a:spAutoFit/>
-          </a:bodyPr>
-          <a:lstStyle/>
-          <a:p>
-            <a:r>
-              <a:rPr lang="es-ES" sz="2400" dirty="0">
-                <a:latin typeface="Audiowide" panose="02000503000000020004" pitchFamily="2" charset="0"/>
-              </a:rPr>
-              <a:t>-</a:t>
-            </a:r>
-            <a:endParaRPr lang="es-ES" sz="2400" dirty="0"/>
-          </a:p>
-        </p:txBody>
-      </p:sp>
-      <p:sp>
-        <p:nvSpPr>
-          <p:cNvPr id="108" name="CuadroTexto 107">
-            <a:extLst>
-              <a:ext uri="{FF2B5EF4-FFF2-40B4-BE49-F238E27FC236}">
-                <a16:creationId xmlns:a16="http://schemas.microsoft.com/office/drawing/2014/main" id="{A815414A-EBFF-4547-AE5A-11AB9444C026}"/>
-              </a:ext>
-            </a:extLst>
-          </p:cNvPr>
-          <p:cNvSpPr txBox="1"/>
-          <p:nvPr/>
-        </p:nvSpPr>
-        <p:spPr>
-          <a:xfrm>
-            <a:off x="-21116" y="2658277"/>
-            <a:ext cx="1113806" cy="584775"/>
-          </a:xfrm>
-          <a:prstGeom prst="rect">
-            <a:avLst/>
-          </a:prstGeom>
-          <a:noFill/>
-        </p:spPr>
-        <p:txBody>
-          <a:bodyPr wrap="square" rtlCol="0">
-            <a:spAutoFit/>
-          </a:bodyPr>
-          <a:lstStyle/>
-          <a:p>
-            <a:pPr algn="ctr"/>
-            <a:r>
-              <a:rPr lang="es-ES" sz="1600" b="1" dirty="0">
-                <a:latin typeface="Audiowide" panose="02000503000000020004" pitchFamily="2" charset="0"/>
-              </a:rPr>
-              <a:t>Ext.</a:t>
-            </a:r>
-          </a:p>
-          <a:p>
-            <a:pPr algn="ctr"/>
-            <a:r>
-              <a:rPr lang="es-ES" sz="1600" b="1" dirty="0" err="1">
-                <a:latin typeface="Audiowide" panose="02000503000000020004" pitchFamily="2" charset="0"/>
-              </a:rPr>
-              <a:t>Button</a:t>
-            </a:r>
-            <a:endParaRPr lang="es-ES" sz="1600" b="1" dirty="0">
-              <a:latin typeface="Audiowide" panose="02000503000000020004" pitchFamily="2" charset="0"/>
-            </a:endParaRPr>
-          </a:p>
-        </p:txBody>
-      </p:sp>
-      <p:sp>
-        <p:nvSpPr>
-          <p:cNvPr id="110" name="CuadroTexto 109">
-            <a:extLst>
-              <a:ext uri="{FF2B5EF4-FFF2-40B4-BE49-F238E27FC236}">
-                <a16:creationId xmlns:a16="http://schemas.microsoft.com/office/drawing/2014/main" id="{3A5F0AE5-A11F-4068-9427-EB5072E6EB25}"/>
-              </a:ext>
-            </a:extLst>
-          </p:cNvPr>
-          <p:cNvSpPr txBox="1"/>
-          <p:nvPr/>
-        </p:nvSpPr>
-        <p:spPr>
-          <a:xfrm>
-            <a:off x="5219830" y="1519055"/>
-            <a:ext cx="502109" cy="369332"/>
-          </a:xfrm>
-          <a:prstGeom prst="rect">
-            <a:avLst/>
-          </a:prstGeom>
-          <a:noFill/>
-        </p:spPr>
-        <p:txBody>
-          <a:bodyPr wrap="square">
-            <a:spAutoFit/>
-          </a:bodyPr>
-          <a:lstStyle/>
-          <a:p>
-            <a:r>
-              <a:rPr lang="es-ES" sz="1800" i="1" dirty="0">
-                <a:solidFill>
-                  <a:schemeClr val="bg1"/>
-                </a:solidFill>
-                <a:latin typeface="Audiowide" panose="02000503000000020004" pitchFamily="2" charset="0"/>
-              </a:rPr>
-              <a:t>X1</a:t>
-            </a:r>
-            <a:endParaRPr lang="es-ES" i="1" dirty="0"/>
-          </a:p>
-        </p:txBody>
-      </p:sp>
     </p:spTree>
     <p:extLst>
       <p:ext uri="{BB962C8B-B14F-4D97-AF65-F5344CB8AC3E}">
-        <p14:creationId xmlns:p14="http://schemas.microsoft.com/office/powerpoint/2010/main" val="2228565015"/>
+        <p14:creationId xmlns:p14="http://schemas.microsoft.com/office/powerpoint/2010/main" val="1937774136"/>
       </p:ext>
     </p:extLst>
   </p:cSld>
@@ -4790,8 +6592,8 @@
         </p:nvSpPr>
         <p:spPr>
           <a:xfrm>
-            <a:off x="2016339" y="6635415"/>
-            <a:ext cx="924412" cy="338554"/>
+            <a:off x="6336619" y="5980918"/>
+            <a:ext cx="707735" cy="261610"/>
           </a:xfrm>
           <a:prstGeom prst="rect">
             <a:avLst/>
@@ -4805,239 +6607,13 @@
           <a:lstStyle/>
           <a:p>
             <a:r>
-              <a:rPr lang="es-ES" sz="1600" dirty="0" err="1">
+              <a:rPr lang="es-ES" sz="1100" dirty="0" err="1">
                 <a:latin typeface="Audiowide" panose="02000503000000020004" pitchFamily="2" charset="0"/>
               </a:rPr>
               <a:t>Power</a:t>
             </a:r>
-            <a:endParaRPr lang="es-ES" sz="1400" dirty="0">
+            <a:endParaRPr lang="es-ES" sz="1000" dirty="0">
               <a:latin typeface="Audiowide" panose="02000503000000020004" pitchFamily="2" charset="0"/>
-            </a:endParaRPr>
-          </a:p>
-        </p:txBody>
-      </p:sp>
-      <p:grpSp>
-        <p:nvGrpSpPr>
-          <p:cNvPr id="3" name="Grupo 2">
-            <a:extLst>
-              <a:ext uri="{FF2B5EF4-FFF2-40B4-BE49-F238E27FC236}">
-                <a16:creationId xmlns:a16="http://schemas.microsoft.com/office/drawing/2014/main" id="{DD8BF122-38F0-449B-B46D-A13EF4E9D54B}"/>
-              </a:ext>
-            </a:extLst>
-          </p:cNvPr>
-          <p:cNvGrpSpPr/>
-          <p:nvPr/>
-        </p:nvGrpSpPr>
-        <p:grpSpPr>
-          <a:xfrm rot="16200000">
-            <a:off x="6318401" y="5052159"/>
-            <a:ext cx="284449" cy="1477373"/>
-            <a:chOff x="10063326" y="1537200"/>
-            <a:chExt cx="402568" cy="2120584"/>
-          </a:xfrm>
-        </p:grpSpPr>
-        <p:sp>
-          <p:nvSpPr>
-            <p:cNvPr id="35" name="CuadroTexto 34">
-              <a:extLst>
-                <a:ext uri="{FF2B5EF4-FFF2-40B4-BE49-F238E27FC236}">
-                  <a16:creationId xmlns:a16="http://schemas.microsoft.com/office/drawing/2014/main" id="{00D77B8B-6280-451D-A554-F268F2A3FB18}"/>
-                </a:ext>
-              </a:extLst>
-            </p:cNvPr>
-            <p:cNvSpPr txBox="1"/>
-            <p:nvPr/>
-          </p:nvSpPr>
-          <p:spPr>
-            <a:xfrm rot="5400000">
-              <a:off x="9922164" y="3157266"/>
-              <a:ext cx="641680" cy="359356"/>
-            </a:xfrm>
-            <a:prstGeom prst="rect">
-              <a:avLst/>
-            </a:prstGeom>
-            <a:noFill/>
-          </p:spPr>
-          <p:txBody>
-            <a:bodyPr wrap="square" rtlCol="0">
-              <a:spAutoFit/>
-            </a:bodyPr>
-            <a:lstStyle/>
-            <a:p>
-              <a:r>
-                <a:rPr lang="es-ES" sz="1050" dirty="0">
-                  <a:latin typeface="Audiowide" panose="02000503000000020004" pitchFamily="2" charset="0"/>
-                </a:rPr>
-                <a:t>5V</a:t>
-              </a:r>
-            </a:p>
-          </p:txBody>
-        </p:sp>
-        <p:sp>
-          <p:nvSpPr>
-            <p:cNvPr id="31" name="CuadroTexto 30">
-              <a:extLst>
-                <a:ext uri="{FF2B5EF4-FFF2-40B4-BE49-F238E27FC236}">
-                  <a16:creationId xmlns:a16="http://schemas.microsoft.com/office/drawing/2014/main" id="{BBD4C01B-7E62-43FE-A0FF-73792B01A6ED}"/>
-                </a:ext>
-              </a:extLst>
-            </p:cNvPr>
-            <p:cNvSpPr txBox="1"/>
-            <p:nvPr/>
-          </p:nvSpPr>
-          <p:spPr>
-            <a:xfrm rot="5400000">
-              <a:off x="9899695" y="2633687"/>
-              <a:ext cx="716972" cy="326686"/>
-            </a:xfrm>
-            <a:prstGeom prst="rect">
-              <a:avLst/>
-            </a:prstGeom>
-            <a:noFill/>
-          </p:spPr>
-          <p:txBody>
-            <a:bodyPr wrap="square" rtlCol="0">
-              <a:spAutoFit/>
-            </a:bodyPr>
-            <a:lstStyle/>
-            <a:p>
-              <a:r>
-                <a:rPr lang="es-ES" sz="900" dirty="0">
-                  <a:latin typeface="Audiowide" panose="02000503000000020004" pitchFamily="2" charset="0"/>
-                </a:rPr>
-                <a:t>GND</a:t>
-              </a:r>
-              <a:endParaRPr lang="es-ES" sz="700" dirty="0">
-                <a:latin typeface="Audiowide" panose="02000503000000020004" pitchFamily="2" charset="0"/>
-              </a:endParaRPr>
-            </a:p>
-          </p:txBody>
-        </p:sp>
-        <p:sp>
-          <p:nvSpPr>
-            <p:cNvPr id="37" name="CuadroTexto 36">
-              <a:extLst>
-                <a:ext uri="{FF2B5EF4-FFF2-40B4-BE49-F238E27FC236}">
-                  <a16:creationId xmlns:a16="http://schemas.microsoft.com/office/drawing/2014/main" id="{938D566D-5102-4876-AB8E-CB12FFA38413}"/>
-                </a:ext>
-              </a:extLst>
-            </p:cNvPr>
-            <p:cNvSpPr txBox="1"/>
-            <p:nvPr/>
-          </p:nvSpPr>
-          <p:spPr>
-            <a:xfrm rot="5400000">
-              <a:off x="9965375" y="2136180"/>
-              <a:ext cx="641679" cy="359356"/>
-            </a:xfrm>
-            <a:prstGeom prst="rect">
-              <a:avLst/>
-            </a:prstGeom>
-            <a:noFill/>
-          </p:spPr>
-          <p:txBody>
-            <a:bodyPr wrap="square" rtlCol="0">
-              <a:spAutoFit/>
-            </a:bodyPr>
-            <a:lstStyle/>
-            <a:p>
-              <a:r>
-                <a:rPr lang="es-ES" sz="1050" dirty="0" err="1">
-                  <a:latin typeface="Audiowide" panose="02000503000000020004" pitchFamily="2" charset="0"/>
-                </a:rPr>
-                <a:t>Tx</a:t>
-              </a:r>
-              <a:endParaRPr lang="es-ES" sz="1050" dirty="0">
-                <a:latin typeface="Audiowide" panose="02000503000000020004" pitchFamily="2" charset="0"/>
-              </a:endParaRPr>
-            </a:p>
-          </p:txBody>
-        </p:sp>
-        <p:sp>
-          <p:nvSpPr>
-            <p:cNvPr id="39" name="CuadroTexto 38">
-              <a:extLst>
-                <a:ext uri="{FF2B5EF4-FFF2-40B4-BE49-F238E27FC236}">
-                  <a16:creationId xmlns:a16="http://schemas.microsoft.com/office/drawing/2014/main" id="{2E0787BC-322D-47AB-8E9E-980B34C22FB2}"/>
-                </a:ext>
-              </a:extLst>
-            </p:cNvPr>
-            <p:cNvSpPr txBox="1"/>
-            <p:nvPr/>
-          </p:nvSpPr>
-          <p:spPr>
-            <a:xfrm rot="5400000">
-              <a:off x="9965375" y="1678363"/>
-              <a:ext cx="641681" cy="359356"/>
-            </a:xfrm>
-            <a:prstGeom prst="rect">
-              <a:avLst/>
-            </a:prstGeom>
-            <a:noFill/>
-          </p:spPr>
-          <p:txBody>
-            <a:bodyPr wrap="square" rtlCol="0">
-              <a:spAutoFit/>
-            </a:bodyPr>
-            <a:lstStyle/>
-            <a:p>
-              <a:r>
-                <a:rPr lang="es-ES" sz="1050" dirty="0" err="1">
-                  <a:latin typeface="Audiowide" panose="02000503000000020004" pitchFamily="2" charset="0"/>
-                </a:rPr>
-                <a:t>Rx</a:t>
-              </a:r>
-              <a:endParaRPr lang="es-ES" sz="1050" dirty="0">
-                <a:latin typeface="Audiowide" panose="02000503000000020004" pitchFamily="2" charset="0"/>
-              </a:endParaRPr>
-            </a:p>
-          </p:txBody>
-        </p:sp>
-      </p:grpSp>
-      <p:sp>
-        <p:nvSpPr>
-          <p:cNvPr id="53" name="CuadroTexto 52">
-            <a:extLst>
-              <a:ext uri="{FF2B5EF4-FFF2-40B4-BE49-F238E27FC236}">
-                <a16:creationId xmlns:a16="http://schemas.microsoft.com/office/drawing/2014/main" id="{D39C0242-52C4-4F20-9E9B-C78E063735BE}"/>
-              </a:ext>
-            </a:extLst>
-          </p:cNvPr>
-          <p:cNvSpPr txBox="1"/>
-          <p:nvPr/>
-        </p:nvSpPr>
-        <p:spPr>
-          <a:xfrm>
-            <a:off x="5652654" y="5137782"/>
-            <a:ext cx="1489687" cy="246221"/>
-          </a:xfrm>
-          <a:prstGeom prst="rect">
-            <a:avLst/>
-          </a:prstGeom>
-          <a:solidFill>
-            <a:schemeClr val="tx1"/>
-          </a:solidFill>
-        </p:spPr>
-        <p:txBody>
-          <a:bodyPr wrap="square">
-            <a:spAutoFit/>
-          </a:bodyPr>
-          <a:lstStyle/>
-          <a:p>
-            <a:pPr algn="ctr"/>
-            <a:r>
-              <a:rPr lang="es-ES" sz="1000" b="1" dirty="0">
-                <a:solidFill>
-                  <a:schemeClr val="bg1"/>
-                </a:solidFill>
-                <a:latin typeface="Audiowide" panose="02000503000000020004" pitchFamily="2" charset="0"/>
-              </a:rPr>
-              <a:t>SERIAL</a:t>
-            </a:r>
-            <a:endParaRPr lang="es-ES" sz="1000" b="1" dirty="0">
-              <a:solidFill>
-                <a:schemeClr val="bg1"/>
-              </a:solidFill>
             </a:endParaRPr>
           </a:p>
         </p:txBody>
@@ -5056,8 +6632,8 @@
         </p:nvSpPr>
         <p:spPr>
           <a:xfrm>
-            <a:off x="4806022" y="1016083"/>
-            <a:ext cx="961510" cy="369332"/>
+            <a:off x="4742436" y="-7620"/>
+            <a:ext cx="707735" cy="276999"/>
           </a:xfrm>
           <a:prstGeom prst="rect">
             <a:avLst/>
@@ -5071,77 +6647,23 @@
           <a:lstStyle/>
           <a:p>
             <a:r>
-              <a:rPr lang="es-ES" b="1" dirty="0" err="1">
+              <a:rPr lang="es-ES" sz="1200" dirty="0" err="1">
                 <a:latin typeface="Audiowide" panose="02000503000000020004" pitchFamily="2" charset="0"/>
               </a:rPr>
               <a:t>Reset</a:t>
             </a:r>
-            <a:endParaRPr lang="es-ES" b="1" dirty="0">
+            <a:endParaRPr lang="es-ES" sz="1200" dirty="0">
               <a:latin typeface="Audiowide" panose="02000503000000020004" pitchFamily="2" charset="0"/>
             </a:endParaRPr>
           </a:p>
         </p:txBody>
       </p:sp>
-      <p:sp>
-        <p:nvSpPr>
-          <p:cNvPr id="5" name="Rectángulo: esquinas redondeadas 4">
+      <p:grpSp>
+        <p:nvGrpSpPr>
+          <p:cNvPr id="7" name="Grupo 6">
             <a:extLst>
               <a:ext uri="{FF2B5EF4-FFF2-40B4-BE49-F238E27FC236}">
-                <a16:creationId xmlns:a16="http://schemas.microsoft.com/office/drawing/2014/main" id="{DB449002-1A43-4DCC-B477-9A873D0DF2EC}"/>
-              </a:ext>
-            </a:extLst>
-          </p:cNvPr>
-          <p:cNvSpPr/>
-          <p:nvPr/>
-        </p:nvSpPr>
-        <p:spPr>
-          <a:xfrm>
-            <a:off x="5652655" y="5133401"/>
-            <a:ext cx="1489688" cy="769441"/>
-          </a:xfrm>
-          <a:prstGeom prst="roundRect">
-            <a:avLst>
-              <a:gd name="adj" fmla="val 7955"/>
-            </a:avLst>
-          </a:prstGeom>
-          <a:noFill/>
-          <a:ln w="28575">
-            <a:solidFill>
-              <a:schemeClr val="tx1"/>
-            </a:solidFill>
-          </a:ln>
-        </p:spPr>
-        <p:style>
-          <a:lnRef idx="2">
-            <a:schemeClr val="accent1">
-              <a:shade val="50000"/>
-            </a:schemeClr>
-          </a:lnRef>
-          <a:fillRef idx="1">
-            <a:schemeClr val="accent1"/>
-          </a:fillRef>
-          <a:effectRef idx="0">
-            <a:schemeClr val="accent1"/>
-          </a:effectRef>
-          <a:fontRef idx="minor">
-            <a:schemeClr val="lt1"/>
-          </a:fontRef>
-        </p:style>
-        <p:txBody>
-          <a:bodyPr rtlCol="0" anchor="ctr"/>
-          <a:lstStyle/>
-          <a:p>
-            <a:pPr algn="r"/>
-            <a:endParaRPr lang="es-ES" dirty="0"/>
-          </a:p>
-        </p:txBody>
-      </p:sp>
-      <p:grpSp>
-        <p:nvGrpSpPr>
-          <p:cNvPr id="162" name="Grupo 161">
-            <a:extLst>
-              <a:ext uri="{FF2B5EF4-FFF2-40B4-BE49-F238E27FC236}">
-                <a16:creationId xmlns:a16="http://schemas.microsoft.com/office/drawing/2014/main" id="{2B5D488D-009F-46BA-B28E-D02B0AD7C9F6}"/>
+                <a16:creationId xmlns:a16="http://schemas.microsoft.com/office/drawing/2014/main" id="{84CCD66B-6C3F-451B-A20D-AF3E68AC1DED}"/>
               </a:ext>
             </a:extLst>
           </p:cNvPr>
@@ -5150,18 +6672,244 @@
         </p:nvGrpSpPr>
         <p:grpSpPr>
           <a:xfrm>
-            <a:off x="2145737" y="1950730"/>
-            <a:ext cx="1239328" cy="276999"/>
-            <a:chOff x="4711030" y="3317822"/>
-            <a:chExt cx="832807" cy="168337"/>
+            <a:off x="6436697" y="2698140"/>
+            <a:ext cx="688810" cy="1164771"/>
+            <a:chOff x="6510503" y="5052431"/>
+            <a:chExt cx="688810" cy="1164771"/>
           </a:xfrm>
         </p:grpSpPr>
+        <p:grpSp>
+          <p:nvGrpSpPr>
+            <p:cNvPr id="3" name="Grupo 2">
+              <a:extLst>
+                <a:ext uri="{FF2B5EF4-FFF2-40B4-BE49-F238E27FC236}">
+                  <a16:creationId xmlns:a16="http://schemas.microsoft.com/office/drawing/2014/main" id="{DD8BF122-38F0-449B-B46D-A13EF4E9D54B}"/>
+                </a:ext>
+              </a:extLst>
+            </p:cNvPr>
+            <p:cNvGrpSpPr/>
+            <p:nvPr/>
+          </p:nvGrpSpPr>
+          <p:grpSpPr>
+            <a:xfrm rot="16200000">
+              <a:off x="6370423" y="5198258"/>
+              <a:ext cx="924957" cy="644797"/>
+              <a:chOff x="9215256" y="2959488"/>
+              <a:chExt cx="1309049" cy="716972"/>
+            </a:xfrm>
+          </p:grpSpPr>
+          <p:sp>
+            <p:nvSpPr>
+              <p:cNvPr id="35" name="CuadroTexto 34">
+                <a:extLst>
+                  <a:ext uri="{FF2B5EF4-FFF2-40B4-BE49-F238E27FC236}">
+                    <a16:creationId xmlns:a16="http://schemas.microsoft.com/office/drawing/2014/main" id="{00D77B8B-6280-451D-A554-F268F2A3FB18}"/>
+                  </a:ext>
+                </a:extLst>
+              </p:cNvPr>
+              <p:cNvSpPr txBox="1"/>
+              <p:nvPr/>
+            </p:nvSpPr>
+            <p:spPr>
+              <a:xfrm rot="5400000">
+                <a:off x="9057759" y="3159153"/>
+                <a:ext cx="641680" cy="326686"/>
+              </a:xfrm>
+              <a:prstGeom prst="rect">
+                <a:avLst/>
+              </a:prstGeom>
+              <a:noFill/>
+            </p:spPr>
+            <p:txBody>
+              <a:bodyPr wrap="square" rtlCol="0">
+                <a:spAutoFit/>
+              </a:bodyPr>
+              <a:lstStyle/>
+              <a:p>
+                <a:r>
+                  <a:rPr lang="es-ES" sz="900" dirty="0">
+                    <a:latin typeface="Audiowide" panose="02000503000000020004" pitchFamily="2" charset="0"/>
+                  </a:rPr>
+                  <a:t>3V3</a:t>
+                </a:r>
+              </a:p>
+            </p:txBody>
+          </p:sp>
+          <p:sp>
+            <p:nvSpPr>
+              <p:cNvPr id="31" name="CuadroTexto 30">
+                <a:extLst>
+                  <a:ext uri="{FF2B5EF4-FFF2-40B4-BE49-F238E27FC236}">
+                    <a16:creationId xmlns:a16="http://schemas.microsoft.com/office/drawing/2014/main" id="{BBD4C01B-7E62-43FE-A0FF-73792B01A6ED}"/>
+                  </a:ext>
+                </a:extLst>
+              </p:cNvPr>
+              <p:cNvSpPr txBox="1"/>
+              <p:nvPr/>
+            </p:nvSpPr>
+            <p:spPr>
+              <a:xfrm rot="5400000">
+                <a:off x="9325787" y="3154631"/>
+                <a:ext cx="716972" cy="326686"/>
+              </a:xfrm>
+              <a:prstGeom prst="rect">
+                <a:avLst/>
+              </a:prstGeom>
+              <a:noFill/>
+            </p:spPr>
+            <p:txBody>
+              <a:bodyPr wrap="square" rtlCol="0">
+                <a:spAutoFit/>
+              </a:bodyPr>
+              <a:lstStyle/>
+              <a:p>
+                <a:r>
+                  <a:rPr lang="es-ES" sz="900" dirty="0">
+                    <a:latin typeface="Audiowide" panose="02000503000000020004" pitchFamily="2" charset="0"/>
+                  </a:rPr>
+                  <a:t>GND</a:t>
+                </a:r>
+                <a:endParaRPr lang="es-ES" sz="700" dirty="0">
+                  <a:latin typeface="Audiowide" panose="02000503000000020004" pitchFamily="2" charset="0"/>
+                </a:endParaRPr>
+              </a:p>
+            </p:txBody>
+          </p:sp>
+          <p:sp>
+            <p:nvSpPr>
+              <p:cNvPr id="37" name="CuadroTexto 36">
+                <a:extLst>
+                  <a:ext uri="{FF2B5EF4-FFF2-40B4-BE49-F238E27FC236}">
+                    <a16:creationId xmlns:a16="http://schemas.microsoft.com/office/drawing/2014/main" id="{938D566D-5102-4876-AB8E-CB12FFA38413}"/>
+                  </a:ext>
+                </a:extLst>
+              </p:cNvPr>
+              <p:cNvSpPr txBox="1"/>
+              <p:nvPr/>
+            </p:nvSpPr>
+            <p:spPr>
+              <a:xfrm rot="5400000">
+                <a:off x="9685444" y="3107191"/>
+                <a:ext cx="641678" cy="359356"/>
+              </a:xfrm>
+              <a:prstGeom prst="rect">
+                <a:avLst/>
+              </a:prstGeom>
+              <a:noFill/>
+            </p:spPr>
+            <p:txBody>
+              <a:bodyPr wrap="square" rtlCol="0">
+                <a:spAutoFit/>
+              </a:bodyPr>
+              <a:lstStyle/>
+              <a:p>
+                <a:r>
+                  <a:rPr lang="es-ES" sz="1050" dirty="0" err="1">
+                    <a:latin typeface="Audiowide" panose="02000503000000020004" pitchFamily="2" charset="0"/>
+                  </a:rPr>
+                  <a:t>Tx</a:t>
+                </a:r>
+                <a:endParaRPr lang="es-ES" sz="1050" dirty="0">
+                  <a:latin typeface="Audiowide" panose="02000503000000020004" pitchFamily="2" charset="0"/>
+                </a:endParaRPr>
+              </a:p>
+            </p:txBody>
+          </p:sp>
+          <p:sp>
+            <p:nvSpPr>
+              <p:cNvPr id="39" name="CuadroTexto 38">
+                <a:extLst>
+                  <a:ext uri="{FF2B5EF4-FFF2-40B4-BE49-F238E27FC236}">
+                    <a16:creationId xmlns:a16="http://schemas.microsoft.com/office/drawing/2014/main" id="{2E0787BC-322D-47AB-8E9E-980B34C22FB2}"/>
+                  </a:ext>
+                </a:extLst>
+              </p:cNvPr>
+              <p:cNvSpPr txBox="1"/>
+              <p:nvPr/>
+            </p:nvSpPr>
+            <p:spPr>
+              <a:xfrm rot="5400000">
+                <a:off x="10023786" y="3132322"/>
+                <a:ext cx="641682" cy="359356"/>
+              </a:xfrm>
+              <a:prstGeom prst="rect">
+                <a:avLst/>
+              </a:prstGeom>
+              <a:noFill/>
+            </p:spPr>
+            <p:txBody>
+              <a:bodyPr wrap="square" rtlCol="0">
+                <a:spAutoFit/>
+              </a:bodyPr>
+              <a:lstStyle/>
+              <a:p>
+                <a:r>
+                  <a:rPr lang="es-ES" sz="1050" dirty="0" err="1">
+                    <a:latin typeface="Audiowide" panose="02000503000000020004" pitchFamily="2" charset="0"/>
+                  </a:rPr>
+                  <a:t>Rx</a:t>
+                </a:r>
+                <a:endParaRPr lang="es-ES" sz="1050" dirty="0">
+                  <a:latin typeface="Audiowide" panose="02000503000000020004" pitchFamily="2" charset="0"/>
+                </a:endParaRPr>
+              </a:p>
+            </p:txBody>
+          </p:sp>
+        </p:grpSp>
         <p:sp>
           <p:nvSpPr>
-            <p:cNvPr id="166" name="Rectángulo: esquinas redondeadas 165">
+            <p:cNvPr id="53" name="CuadroTexto 52">
               <a:extLst>
                 <a:ext uri="{FF2B5EF4-FFF2-40B4-BE49-F238E27FC236}">
-                  <a16:creationId xmlns:a16="http://schemas.microsoft.com/office/drawing/2014/main" id="{9AB9CBFB-42DE-4950-9A29-B16A5774FBA1}"/>
+                  <a16:creationId xmlns:a16="http://schemas.microsoft.com/office/drawing/2014/main" id="{D39C0242-52C4-4F20-9E9B-C78E063735BE}"/>
+                </a:ext>
+              </a:extLst>
+            </p:cNvPr>
+            <p:cNvSpPr txBox="1"/>
+            <p:nvPr/>
+          </p:nvSpPr>
+          <p:spPr>
+            <a:xfrm>
+              <a:off x="6570331" y="5997417"/>
+              <a:ext cx="622630" cy="215444"/>
+            </a:xfrm>
+            <a:prstGeom prst="rect">
+              <a:avLst/>
+            </a:prstGeom>
+            <a:solidFill>
+              <a:schemeClr val="tx1"/>
+            </a:solidFill>
+          </p:spPr>
+          <p:txBody>
+            <a:bodyPr wrap="square">
+              <a:spAutoFit/>
+            </a:bodyPr>
+            <a:lstStyle/>
+            <a:p>
+              <a:pPr algn="ctr"/>
+              <a:r>
+                <a:rPr lang="es-ES" sz="800" dirty="0">
+                  <a:solidFill>
+                    <a:schemeClr val="bg1"/>
+                  </a:solidFill>
+                  <a:latin typeface="Audiowide" panose="02000503000000020004" pitchFamily="2" charset="0"/>
+                </a:rPr>
+                <a:t>SERIAL</a:t>
+              </a:r>
+              <a:endParaRPr lang="es-ES" sz="800" dirty="0">
+                <a:solidFill>
+                  <a:schemeClr val="bg1"/>
+                </a:solidFill>
+              </a:endParaRPr>
+            </a:p>
+          </p:txBody>
+        </p:sp>
+        <p:sp>
+          <p:nvSpPr>
+            <p:cNvPr id="5" name="Rectángulo: esquinas redondeadas 4">
+              <a:extLst>
+                <a:ext uri="{FF2B5EF4-FFF2-40B4-BE49-F238E27FC236}">
+                  <a16:creationId xmlns:a16="http://schemas.microsoft.com/office/drawing/2014/main" id="{DB449002-1A43-4DCC-B477-9A873D0DF2EC}"/>
                 </a:ext>
               </a:extLst>
             </p:cNvPr>
@@ -5170,18 +6918,16 @@
           </p:nvSpPr>
           <p:spPr>
             <a:xfrm>
-              <a:off x="4711030" y="3328003"/>
-              <a:ext cx="832807" cy="147974"/>
+              <a:off x="6576683" y="5052431"/>
+              <a:ext cx="622630" cy="1164771"/>
             </a:xfrm>
             <a:prstGeom prst="roundRect">
               <a:avLst>
-                <a:gd name="adj" fmla="val 50000"/>
+                <a:gd name="adj" fmla="val 7955"/>
               </a:avLst>
             </a:prstGeom>
-            <a:solidFill>
-              <a:schemeClr val="tx1"/>
-            </a:solidFill>
-            <a:ln w="12700">
+            <a:noFill/>
+            <a:ln w="28575">
               <a:solidFill>
                 <a:schemeClr val="tx1"/>
               </a:solidFill>
@@ -5208,80 +6954,349 @@
             <a:lstStyle/>
             <a:p>
               <a:pPr algn="r"/>
-              <a:endParaRPr lang="es-ES" sz="3600" dirty="0"/>
+              <a:endParaRPr lang="es-ES" dirty="0"/>
             </a:p>
           </p:txBody>
         </p:sp>
-        <p:sp>
-          <p:nvSpPr>
-            <p:cNvPr id="167" name="Rectángulo: esquinas redondeadas 166">
+      </p:grpSp>
+      <p:grpSp>
+        <p:nvGrpSpPr>
+          <p:cNvPr id="6" name="Grupo 5">
+            <a:extLst>
+              <a:ext uri="{FF2B5EF4-FFF2-40B4-BE49-F238E27FC236}">
+                <a16:creationId xmlns:a16="http://schemas.microsoft.com/office/drawing/2014/main" id="{B0966396-0EE1-4E34-AC83-C3373B8AF8D3}"/>
+              </a:ext>
+            </a:extLst>
+          </p:cNvPr>
+          <p:cNvGrpSpPr/>
+          <p:nvPr/>
+        </p:nvGrpSpPr>
+        <p:grpSpPr>
+          <a:xfrm>
+            <a:off x="923548" y="458234"/>
+            <a:ext cx="3616322" cy="472194"/>
+            <a:chOff x="922877" y="568395"/>
+            <a:chExt cx="3616322" cy="472194"/>
+          </a:xfrm>
+        </p:grpSpPr>
+        <p:grpSp>
+          <p:nvGrpSpPr>
+            <p:cNvPr id="14" name="Grupo 13">
               <a:extLst>
                 <a:ext uri="{FF2B5EF4-FFF2-40B4-BE49-F238E27FC236}">
-                  <a16:creationId xmlns:a16="http://schemas.microsoft.com/office/drawing/2014/main" id="{1E8D6892-E2DC-408C-BA74-CE6A64485ADD}"/>
+                  <a16:creationId xmlns:a16="http://schemas.microsoft.com/office/drawing/2014/main" id="{E8E30A6C-7508-478A-9D12-400143BE564A}"/>
                 </a:ext>
               </a:extLst>
             </p:cNvPr>
-            <p:cNvSpPr/>
+            <p:cNvGrpSpPr/>
             <p:nvPr/>
-          </p:nvSpPr>
-          <p:spPr>
-            <a:xfrm>
-              <a:off x="4949312" y="3328003"/>
-              <a:ext cx="591908" cy="147974"/>
+          </p:nvGrpSpPr>
+          <p:grpSpPr>
+            <a:xfrm rot="10800000">
+              <a:off x="922877" y="568395"/>
+              <a:ext cx="2673792" cy="461666"/>
+              <a:chOff x="2413215" y="69634"/>
+              <a:chExt cx="2673792" cy="461666"/>
             </a:xfrm>
-            <a:prstGeom prst="roundRect">
-              <a:avLst>
-                <a:gd name="adj" fmla="val 50000"/>
-              </a:avLst>
-            </a:prstGeom>
-            <a:solidFill>
-              <a:schemeClr val="bg1"/>
-            </a:solidFill>
-            <a:ln w="12700">
-              <a:solidFill>
-                <a:schemeClr val="tx1"/>
-              </a:solidFill>
-            </a:ln>
-          </p:spPr>
-          <p:style>
-            <a:lnRef idx="2">
-              <a:schemeClr val="accent1">
-                <a:shade val="50000"/>
-              </a:schemeClr>
-            </a:lnRef>
-            <a:fillRef idx="1">
-              <a:schemeClr val="accent1"/>
-            </a:fillRef>
-            <a:effectRef idx="0">
-              <a:schemeClr val="accent1"/>
-            </a:effectRef>
-            <a:fontRef idx="minor">
-              <a:schemeClr val="lt1"/>
-            </a:fontRef>
-          </p:style>
-          <p:txBody>
-            <a:bodyPr lIns="0" rIns="0" rtlCol="0" anchor="ctr"/>
-            <a:lstStyle/>
-            <a:p>
-              <a:pPr algn="ctr"/>
-              <a:r>
-                <a:rPr lang="es-ES" sz="1400" dirty="0">
-                  <a:solidFill>
-                    <a:schemeClr val="tx1"/>
-                  </a:solidFill>
-                  <a:latin typeface="Audiowide" panose="02000503000000020004" pitchFamily="2" charset="0"/>
-                </a:rPr>
-                <a:t>Output</a:t>
-              </a:r>
-            </a:p>
-          </p:txBody>
-        </p:sp>
+          </p:grpSpPr>
+          <p:grpSp>
+            <p:nvGrpSpPr>
+              <p:cNvPr id="236" name="Grupo 235">
+                <a:extLst>
+                  <a:ext uri="{FF2B5EF4-FFF2-40B4-BE49-F238E27FC236}">
+                    <a16:creationId xmlns:a16="http://schemas.microsoft.com/office/drawing/2014/main" id="{E5DD1531-6D26-44E1-B617-85FC6E59101D}"/>
+                  </a:ext>
+                </a:extLst>
+              </p:cNvPr>
+              <p:cNvGrpSpPr/>
+              <p:nvPr/>
+            </p:nvGrpSpPr>
+            <p:grpSpPr>
+              <a:xfrm>
+                <a:off x="2413215" y="69634"/>
+                <a:ext cx="781191" cy="461666"/>
+                <a:chOff x="910118" y="5970636"/>
+                <a:chExt cx="781191" cy="461666"/>
+              </a:xfrm>
+            </p:grpSpPr>
+            <p:sp>
+              <p:nvSpPr>
+                <p:cNvPr id="237" name="CuadroTexto 236">
+                  <a:extLst>
+                    <a:ext uri="{FF2B5EF4-FFF2-40B4-BE49-F238E27FC236}">
+                      <a16:creationId xmlns:a16="http://schemas.microsoft.com/office/drawing/2014/main" id="{2D82A67A-F5F9-44D5-89AD-CAD9BB35FF59}"/>
+                    </a:ext>
+                  </a:extLst>
+                </p:cNvPr>
+                <p:cNvSpPr txBox="1"/>
+                <p:nvPr/>
+              </p:nvSpPr>
+              <p:spPr>
+                <a:xfrm>
+                  <a:off x="910118" y="5970637"/>
+                  <a:ext cx="308291" cy="461665"/>
+                </a:xfrm>
+                <a:prstGeom prst="rect">
+                  <a:avLst/>
+                </a:prstGeom>
+                <a:noFill/>
+              </p:spPr>
+              <p:txBody>
+                <a:bodyPr wrap="square">
+                  <a:spAutoFit/>
+                </a:bodyPr>
+                <a:lstStyle/>
+                <a:p>
+                  <a:r>
+                    <a:rPr lang="es-ES" sz="2400" dirty="0">
+                      <a:latin typeface="Audiowide" panose="02000503000000020004" pitchFamily="2" charset="0"/>
+                    </a:rPr>
+                    <a:t>-</a:t>
+                  </a:r>
+                  <a:endParaRPr lang="es-ES" sz="2400" dirty="0"/>
+                </a:p>
+              </p:txBody>
+            </p:sp>
+            <p:sp>
+              <p:nvSpPr>
+                <p:cNvPr id="238" name="CuadroTexto 237">
+                  <a:extLst>
+                    <a:ext uri="{FF2B5EF4-FFF2-40B4-BE49-F238E27FC236}">
+                      <a16:creationId xmlns:a16="http://schemas.microsoft.com/office/drawing/2014/main" id="{119A0BC9-4309-4B60-835C-32C3E4A21E2A}"/>
+                    </a:ext>
+                  </a:extLst>
+                </p:cNvPr>
+                <p:cNvSpPr txBox="1"/>
+                <p:nvPr/>
+              </p:nvSpPr>
+              <p:spPr>
+                <a:xfrm>
+                  <a:off x="1383018" y="5970636"/>
+                  <a:ext cx="308291" cy="461665"/>
+                </a:xfrm>
+                <a:prstGeom prst="rect">
+                  <a:avLst/>
+                </a:prstGeom>
+                <a:noFill/>
+              </p:spPr>
+              <p:txBody>
+                <a:bodyPr wrap="square">
+                  <a:spAutoFit/>
+                </a:bodyPr>
+                <a:lstStyle/>
+                <a:p>
+                  <a:r>
+                    <a:rPr lang="es-ES" sz="2400" dirty="0">
+                      <a:latin typeface="Audiowide" panose="02000503000000020004" pitchFamily="2" charset="0"/>
+                    </a:rPr>
+                    <a:t>+</a:t>
+                  </a:r>
+                  <a:endParaRPr lang="es-ES" sz="2400" dirty="0"/>
+                </a:p>
+              </p:txBody>
+            </p:sp>
+          </p:grpSp>
+          <p:grpSp>
+            <p:nvGrpSpPr>
+              <p:cNvPr id="239" name="Grupo 238">
+                <a:extLst>
+                  <a:ext uri="{FF2B5EF4-FFF2-40B4-BE49-F238E27FC236}">
+                    <a16:creationId xmlns:a16="http://schemas.microsoft.com/office/drawing/2014/main" id="{4C15D4D2-74CD-4D6D-8F96-B5A42F79E1E3}"/>
+                  </a:ext>
+                </a:extLst>
+              </p:cNvPr>
+              <p:cNvGrpSpPr/>
+              <p:nvPr/>
+            </p:nvGrpSpPr>
+            <p:grpSpPr>
+              <a:xfrm>
+                <a:off x="3370945" y="69634"/>
+                <a:ext cx="765951" cy="461666"/>
+                <a:chOff x="932978" y="5970636"/>
+                <a:chExt cx="765951" cy="461666"/>
+              </a:xfrm>
+            </p:grpSpPr>
+            <p:sp>
+              <p:nvSpPr>
+                <p:cNvPr id="240" name="CuadroTexto 239">
+                  <a:extLst>
+                    <a:ext uri="{FF2B5EF4-FFF2-40B4-BE49-F238E27FC236}">
+                      <a16:creationId xmlns:a16="http://schemas.microsoft.com/office/drawing/2014/main" id="{93B5B2BF-6234-44D1-88FC-499836DF5478}"/>
+                    </a:ext>
+                  </a:extLst>
+                </p:cNvPr>
+                <p:cNvSpPr txBox="1"/>
+                <p:nvPr/>
+              </p:nvSpPr>
+              <p:spPr>
+                <a:xfrm>
+                  <a:off x="932978" y="5970637"/>
+                  <a:ext cx="308291" cy="461665"/>
+                </a:xfrm>
+                <a:prstGeom prst="rect">
+                  <a:avLst/>
+                </a:prstGeom>
+                <a:noFill/>
+              </p:spPr>
+              <p:txBody>
+                <a:bodyPr wrap="square">
+                  <a:spAutoFit/>
+                </a:bodyPr>
+                <a:lstStyle/>
+                <a:p>
+                  <a:r>
+                    <a:rPr lang="es-ES" sz="2400" dirty="0">
+                      <a:latin typeface="Audiowide" panose="02000503000000020004" pitchFamily="2" charset="0"/>
+                    </a:rPr>
+                    <a:t>-</a:t>
+                  </a:r>
+                  <a:endParaRPr lang="es-ES" sz="2400" dirty="0"/>
+                </a:p>
+              </p:txBody>
+            </p:sp>
+            <p:sp>
+              <p:nvSpPr>
+                <p:cNvPr id="241" name="CuadroTexto 240">
+                  <a:extLst>
+                    <a:ext uri="{FF2B5EF4-FFF2-40B4-BE49-F238E27FC236}">
+                      <a16:creationId xmlns:a16="http://schemas.microsoft.com/office/drawing/2014/main" id="{AFB2C382-D8A5-4E1C-991D-55BD7AD739E0}"/>
+                    </a:ext>
+                  </a:extLst>
+                </p:cNvPr>
+                <p:cNvSpPr txBox="1"/>
+                <p:nvPr/>
+              </p:nvSpPr>
+              <p:spPr>
+                <a:xfrm>
+                  <a:off x="1390638" y="5970636"/>
+                  <a:ext cx="308291" cy="461665"/>
+                </a:xfrm>
+                <a:prstGeom prst="rect">
+                  <a:avLst/>
+                </a:prstGeom>
+                <a:noFill/>
+              </p:spPr>
+              <p:txBody>
+                <a:bodyPr wrap="square">
+                  <a:spAutoFit/>
+                </a:bodyPr>
+                <a:lstStyle/>
+                <a:p>
+                  <a:r>
+                    <a:rPr lang="es-ES" sz="2400" dirty="0">
+                      <a:latin typeface="Audiowide" panose="02000503000000020004" pitchFamily="2" charset="0"/>
+                    </a:rPr>
+                    <a:t>+</a:t>
+                  </a:r>
+                  <a:endParaRPr lang="es-ES" sz="2400" dirty="0"/>
+                </a:p>
+              </p:txBody>
+            </p:sp>
+          </p:grpSp>
+          <p:grpSp>
+            <p:nvGrpSpPr>
+              <p:cNvPr id="242" name="Grupo 241">
+                <a:extLst>
+                  <a:ext uri="{FF2B5EF4-FFF2-40B4-BE49-F238E27FC236}">
+                    <a16:creationId xmlns:a16="http://schemas.microsoft.com/office/drawing/2014/main" id="{E85327C9-02A4-43D3-BFED-423EE8FBE8B4}"/>
+                  </a:ext>
+                </a:extLst>
+              </p:cNvPr>
+              <p:cNvGrpSpPr/>
+              <p:nvPr/>
+            </p:nvGrpSpPr>
+            <p:grpSpPr>
+              <a:xfrm>
+                <a:off x="4321056" y="69634"/>
+                <a:ext cx="765951" cy="461666"/>
+                <a:chOff x="948218" y="5970636"/>
+                <a:chExt cx="765951" cy="461666"/>
+              </a:xfrm>
+            </p:grpSpPr>
+            <p:sp>
+              <p:nvSpPr>
+                <p:cNvPr id="243" name="CuadroTexto 242">
+                  <a:extLst>
+                    <a:ext uri="{FF2B5EF4-FFF2-40B4-BE49-F238E27FC236}">
+                      <a16:creationId xmlns:a16="http://schemas.microsoft.com/office/drawing/2014/main" id="{DB59C3F5-3CF2-43AC-AAC1-0A23CC0EF65D}"/>
+                    </a:ext>
+                  </a:extLst>
+                </p:cNvPr>
+                <p:cNvSpPr txBox="1"/>
+                <p:nvPr/>
+              </p:nvSpPr>
+              <p:spPr>
+                <a:xfrm>
+                  <a:off x="948218" y="5970637"/>
+                  <a:ext cx="308291" cy="461665"/>
+                </a:xfrm>
+                <a:prstGeom prst="rect">
+                  <a:avLst/>
+                </a:prstGeom>
+                <a:noFill/>
+              </p:spPr>
+              <p:txBody>
+                <a:bodyPr wrap="square">
+                  <a:spAutoFit/>
+                </a:bodyPr>
+                <a:lstStyle/>
+                <a:p>
+                  <a:r>
+                    <a:rPr lang="es-ES" sz="2400" dirty="0">
+                      <a:latin typeface="Audiowide" panose="02000503000000020004" pitchFamily="2" charset="0"/>
+                    </a:rPr>
+                    <a:t>-</a:t>
+                  </a:r>
+                  <a:endParaRPr lang="es-ES" sz="2400" dirty="0"/>
+                </a:p>
+              </p:txBody>
+            </p:sp>
+            <p:sp>
+              <p:nvSpPr>
+                <p:cNvPr id="244" name="CuadroTexto 243">
+                  <a:extLst>
+                    <a:ext uri="{FF2B5EF4-FFF2-40B4-BE49-F238E27FC236}">
+                      <a16:creationId xmlns:a16="http://schemas.microsoft.com/office/drawing/2014/main" id="{EDA75DDD-E547-447B-8604-E452DBC6C598}"/>
+                    </a:ext>
+                  </a:extLst>
+                </p:cNvPr>
+                <p:cNvSpPr txBox="1"/>
+                <p:nvPr/>
+              </p:nvSpPr>
+              <p:spPr>
+                <a:xfrm>
+                  <a:off x="1405878" y="5970636"/>
+                  <a:ext cx="308291" cy="461665"/>
+                </a:xfrm>
+                <a:prstGeom prst="rect">
+                  <a:avLst/>
+                </a:prstGeom>
+                <a:noFill/>
+              </p:spPr>
+              <p:txBody>
+                <a:bodyPr wrap="square">
+                  <a:spAutoFit/>
+                </a:bodyPr>
+                <a:lstStyle/>
+                <a:p>
+                  <a:r>
+                    <a:rPr lang="es-ES" sz="2400" dirty="0">
+                      <a:latin typeface="Audiowide" panose="02000503000000020004" pitchFamily="2" charset="0"/>
+                    </a:rPr>
+                    <a:t>+</a:t>
+                  </a:r>
+                  <a:endParaRPr lang="es-ES" sz="2400" dirty="0"/>
+                </a:p>
+              </p:txBody>
+            </p:sp>
+          </p:grpSp>
+        </p:grpSp>
         <p:sp>
           <p:nvSpPr>
-            <p:cNvPr id="168" name="CuadroTexto 167">
+            <p:cNvPr id="249" name="CuadroTexto 248">
               <a:extLst>
                 <a:ext uri="{FF2B5EF4-FFF2-40B4-BE49-F238E27FC236}">
-                  <a16:creationId xmlns:a16="http://schemas.microsoft.com/office/drawing/2014/main" id="{B3AE0CE1-E5B0-4A2F-8CB4-9EAF9C3AFC54}"/>
+                  <a16:creationId xmlns:a16="http://schemas.microsoft.com/office/drawing/2014/main" id="{B8A2E1AB-C706-400F-AB16-6CACC2DA233E}"/>
                 </a:ext>
               </a:extLst>
             </p:cNvPr>
@@ -5289,9 +7304,9 @@
             <p:nvPr/>
           </p:nvSpPr>
           <p:spPr>
-            <a:xfrm>
-              <a:off x="4729297" y="3317822"/>
-              <a:ext cx="382578" cy="168337"/>
+            <a:xfrm rot="10800000">
+              <a:off x="4230908" y="578923"/>
+              <a:ext cx="308291" cy="461665"/>
             </a:xfrm>
             <a:prstGeom prst="rect">
               <a:avLst/>
@@ -5305,137 +7320,60 @@
             <a:lstStyle/>
             <a:p>
               <a:r>
-                <a:rPr lang="es-ES" sz="1200" dirty="0">
-                  <a:solidFill>
-                    <a:schemeClr val="bg1"/>
-                  </a:solidFill>
+                <a:rPr lang="es-ES" sz="2400" dirty="0">
                   <a:latin typeface="Audiowide" panose="02000503000000020004" pitchFamily="2" charset="0"/>
                 </a:rPr>
-                <a:t>21</a:t>
+                <a:t>-</a:t>
               </a:r>
+              <a:endParaRPr lang="es-ES" sz="2400" dirty="0"/>
+            </a:p>
+          </p:txBody>
+        </p:sp>
+        <p:sp>
+          <p:nvSpPr>
+            <p:cNvPr id="250" name="CuadroTexto 249">
+              <a:extLst>
+                <a:ext uri="{FF2B5EF4-FFF2-40B4-BE49-F238E27FC236}">
+                  <a16:creationId xmlns:a16="http://schemas.microsoft.com/office/drawing/2014/main" id="{CA150D9E-19D3-4FEE-8C53-1425511CB5A0}"/>
+                </a:ext>
+              </a:extLst>
+            </p:cNvPr>
+            <p:cNvSpPr txBox="1"/>
+            <p:nvPr/>
+          </p:nvSpPr>
+          <p:spPr>
+            <a:xfrm rot="10800000">
+              <a:off x="3777837" y="578924"/>
+              <a:ext cx="308291" cy="461665"/>
+            </a:xfrm>
+            <a:prstGeom prst="rect">
+              <a:avLst/>
+            </a:prstGeom>
+            <a:noFill/>
+          </p:spPr>
+          <p:txBody>
+            <a:bodyPr wrap="square">
+              <a:spAutoFit/>
+            </a:bodyPr>
+            <a:lstStyle/>
+            <a:p>
+              <a:r>
+                <a:rPr lang="es-ES" sz="2400" dirty="0">
+                  <a:latin typeface="Audiowide" panose="02000503000000020004" pitchFamily="2" charset="0"/>
+                </a:rPr>
+                <a:t>+</a:t>
+              </a:r>
+              <a:endParaRPr lang="es-ES" sz="2400" dirty="0"/>
             </a:p>
           </p:txBody>
         </p:sp>
       </p:grpSp>
-      <p:sp>
-        <p:nvSpPr>
-          <p:cNvPr id="228" name="CuadroTexto 227">
+      <p:grpSp>
+        <p:nvGrpSpPr>
+          <p:cNvPr id="9" name="Grupo 8">
             <a:extLst>
               <a:ext uri="{FF2B5EF4-FFF2-40B4-BE49-F238E27FC236}">
-                <a16:creationId xmlns:a16="http://schemas.microsoft.com/office/drawing/2014/main" id="{73E5EA14-2F06-456B-8CB6-2AAB092C1EDA}"/>
-              </a:ext>
-            </a:extLst>
-          </p:cNvPr>
-          <p:cNvSpPr txBox="1"/>
-          <p:nvPr/>
-        </p:nvSpPr>
-        <p:spPr>
-          <a:xfrm>
-            <a:off x="4484915" y="6021360"/>
-            <a:ext cx="1080720" cy="338554"/>
-          </a:xfrm>
-          <a:prstGeom prst="rect">
-            <a:avLst/>
-          </a:prstGeom>
-          <a:noFill/>
-        </p:spPr>
-        <p:txBody>
-          <a:bodyPr wrap="square" rtlCol="0">
-            <a:spAutoFit/>
-          </a:bodyPr>
-          <a:lstStyle/>
-          <a:p>
-            <a:r>
-              <a:rPr lang="es-ES" sz="1600" b="1" dirty="0">
-                <a:latin typeface="Audiowide" panose="02000503000000020004" pitchFamily="2" charset="0"/>
-              </a:rPr>
-              <a:t>Flash</a:t>
-            </a:r>
-          </a:p>
-        </p:txBody>
-      </p:sp>
-      <p:sp>
-        <p:nvSpPr>
-          <p:cNvPr id="249" name="CuadroTexto 248">
-            <a:extLst>
-              <a:ext uri="{FF2B5EF4-FFF2-40B4-BE49-F238E27FC236}">
-                <a16:creationId xmlns:a16="http://schemas.microsoft.com/office/drawing/2014/main" id="{B8A2E1AB-C706-400F-AB16-6CACC2DA233E}"/>
-              </a:ext>
-            </a:extLst>
-          </p:cNvPr>
-          <p:cNvSpPr txBox="1"/>
-          <p:nvPr/>
-        </p:nvSpPr>
-        <p:spPr>
-          <a:xfrm rot="10800000">
-            <a:off x="3834150" y="761503"/>
-            <a:ext cx="308291" cy="584775"/>
-          </a:xfrm>
-          <a:prstGeom prst="rect">
-            <a:avLst/>
-          </a:prstGeom>
-          <a:noFill/>
-        </p:spPr>
-        <p:txBody>
-          <a:bodyPr wrap="square">
-            <a:spAutoFit/>
-          </a:bodyPr>
-          <a:lstStyle/>
-          <a:p>
-            <a:r>
-              <a:rPr lang="es-ES" sz="3200" dirty="0">
-                <a:latin typeface="Audiowide" panose="02000503000000020004" pitchFamily="2" charset="0"/>
-              </a:rPr>
-              <a:t>-</a:t>
-            </a:r>
-            <a:endParaRPr lang="es-ES" sz="3200" dirty="0"/>
-          </a:p>
-        </p:txBody>
-      </p:sp>
-      <p:sp>
-        <p:nvSpPr>
-          <p:cNvPr id="250" name="CuadroTexto 249">
-            <a:extLst>
-              <a:ext uri="{FF2B5EF4-FFF2-40B4-BE49-F238E27FC236}">
-                <a16:creationId xmlns:a16="http://schemas.microsoft.com/office/drawing/2014/main" id="{CA150D9E-19D3-4FEE-8C53-1425511CB5A0}"/>
-              </a:ext>
-            </a:extLst>
-          </p:cNvPr>
-          <p:cNvSpPr txBox="1"/>
-          <p:nvPr/>
-        </p:nvSpPr>
-        <p:spPr>
-          <a:xfrm rot="10800000">
-            <a:off x="3157442" y="771503"/>
-            <a:ext cx="308291" cy="584775"/>
-          </a:xfrm>
-          <a:prstGeom prst="rect">
-            <a:avLst/>
-          </a:prstGeom>
-          <a:noFill/>
-        </p:spPr>
-        <p:txBody>
-          <a:bodyPr wrap="square">
-            <a:spAutoFit/>
-          </a:bodyPr>
-          <a:lstStyle/>
-          <a:p>
-            <a:r>
-              <a:rPr lang="es-ES" sz="3200" dirty="0">
-                <a:latin typeface="Audiowide" panose="02000503000000020004" pitchFamily="2" charset="0"/>
-              </a:rPr>
-              <a:t>+</a:t>
-            </a:r>
-            <a:endParaRPr lang="es-ES" sz="3200" dirty="0"/>
-          </a:p>
-        </p:txBody>
-      </p:sp>
-      <p:grpSp>
-        <p:nvGrpSpPr>
-          <p:cNvPr id="18" name="Grupo 17">
-            <a:extLst>
-              <a:ext uri="{FF2B5EF4-FFF2-40B4-BE49-F238E27FC236}">
-                <a16:creationId xmlns:a16="http://schemas.microsoft.com/office/drawing/2014/main" id="{455FF394-A00B-4954-BEEF-F2BD4577DB0F}"/>
+                <a16:creationId xmlns:a16="http://schemas.microsoft.com/office/drawing/2014/main" id="{16E30D38-70F8-4988-A930-41F1889C172C}"/>
               </a:ext>
             </a:extLst>
           </p:cNvPr>
@@ -5444,10 +7382,1500 @@
         </p:nvGrpSpPr>
         <p:grpSpPr>
           <a:xfrm>
-            <a:off x="2831196" y="4976649"/>
-            <a:ext cx="1178503" cy="554348"/>
-            <a:chOff x="2831196" y="4976649"/>
-            <a:chExt cx="1178503" cy="554348"/>
+            <a:off x="807653" y="842652"/>
+            <a:ext cx="3786908" cy="245934"/>
+            <a:chOff x="807653" y="895992"/>
+            <a:chExt cx="3786908" cy="245934"/>
+          </a:xfrm>
+        </p:grpSpPr>
+        <p:grpSp>
+          <p:nvGrpSpPr>
+            <p:cNvPr id="162" name="Grupo 161">
+              <a:extLst>
+                <a:ext uri="{FF2B5EF4-FFF2-40B4-BE49-F238E27FC236}">
+                  <a16:creationId xmlns:a16="http://schemas.microsoft.com/office/drawing/2014/main" id="{2B5D488D-009F-46BA-B28E-D02B0AD7C9F6}"/>
+                </a:ext>
+              </a:extLst>
+            </p:cNvPr>
+            <p:cNvGrpSpPr/>
+            <p:nvPr/>
+          </p:nvGrpSpPr>
+          <p:grpSpPr>
+            <a:xfrm>
+              <a:off x="807653" y="895992"/>
+              <a:ext cx="952564" cy="230832"/>
+              <a:chOff x="4686106" y="3308594"/>
+              <a:chExt cx="857731" cy="184284"/>
+            </a:xfrm>
+          </p:grpSpPr>
+          <p:sp>
+            <p:nvSpPr>
+              <p:cNvPr id="166" name="Rectángulo: esquinas redondeadas 165">
+                <a:extLst>
+                  <a:ext uri="{FF2B5EF4-FFF2-40B4-BE49-F238E27FC236}">
+                    <a16:creationId xmlns:a16="http://schemas.microsoft.com/office/drawing/2014/main" id="{9AB9CBFB-42DE-4950-9A29-B16A5774FBA1}"/>
+                  </a:ext>
+                </a:extLst>
+              </p:cNvPr>
+              <p:cNvSpPr/>
+              <p:nvPr/>
+            </p:nvSpPr>
+            <p:spPr>
+              <a:xfrm>
+                <a:off x="4711030" y="3325666"/>
+                <a:ext cx="832807" cy="147974"/>
+              </a:xfrm>
+              <a:prstGeom prst="roundRect">
+                <a:avLst>
+                  <a:gd name="adj" fmla="val 50000"/>
+                </a:avLst>
+              </a:prstGeom>
+              <a:solidFill>
+                <a:schemeClr val="tx1"/>
+              </a:solidFill>
+              <a:ln w="12700">
+                <a:solidFill>
+                  <a:schemeClr val="tx1"/>
+                </a:solidFill>
+              </a:ln>
+            </p:spPr>
+            <p:style>
+              <a:lnRef idx="2">
+                <a:schemeClr val="accent1">
+                  <a:shade val="50000"/>
+                </a:schemeClr>
+              </a:lnRef>
+              <a:fillRef idx="1">
+                <a:schemeClr val="accent1"/>
+              </a:fillRef>
+              <a:effectRef idx="0">
+                <a:schemeClr val="accent1"/>
+              </a:effectRef>
+              <a:fontRef idx="minor">
+                <a:schemeClr val="lt1"/>
+              </a:fontRef>
+            </p:style>
+            <p:txBody>
+              <a:bodyPr rtlCol="0" anchor="ctr"/>
+              <a:lstStyle/>
+              <a:p>
+                <a:pPr algn="r"/>
+                <a:endParaRPr lang="es-ES" dirty="0"/>
+              </a:p>
+            </p:txBody>
+          </p:sp>
+          <p:sp>
+            <p:nvSpPr>
+              <p:cNvPr id="167" name="Rectángulo: esquinas redondeadas 166">
+                <a:extLst>
+                  <a:ext uri="{FF2B5EF4-FFF2-40B4-BE49-F238E27FC236}">
+                    <a16:creationId xmlns:a16="http://schemas.microsoft.com/office/drawing/2014/main" id="{1E8D6892-E2DC-408C-BA74-CE6A64485ADD}"/>
+                  </a:ext>
+                </a:extLst>
+              </p:cNvPr>
+              <p:cNvSpPr/>
+              <p:nvPr/>
+            </p:nvSpPr>
+            <p:spPr>
+              <a:xfrm>
+                <a:off x="4911272" y="3323088"/>
+                <a:ext cx="622513" cy="147974"/>
+              </a:xfrm>
+              <a:prstGeom prst="roundRect">
+                <a:avLst>
+                  <a:gd name="adj" fmla="val 50000"/>
+                </a:avLst>
+              </a:prstGeom>
+              <a:solidFill>
+                <a:schemeClr val="bg1"/>
+              </a:solidFill>
+              <a:ln w="12700">
+                <a:solidFill>
+                  <a:schemeClr val="tx1"/>
+                </a:solidFill>
+              </a:ln>
+            </p:spPr>
+            <p:style>
+              <a:lnRef idx="2">
+                <a:schemeClr val="accent1">
+                  <a:shade val="50000"/>
+                </a:schemeClr>
+              </a:lnRef>
+              <a:fillRef idx="1">
+                <a:schemeClr val="accent1"/>
+              </a:fillRef>
+              <a:effectRef idx="0">
+                <a:schemeClr val="accent1"/>
+              </a:effectRef>
+              <a:fontRef idx="minor">
+                <a:schemeClr val="lt1"/>
+              </a:fontRef>
+            </p:style>
+            <p:txBody>
+              <a:bodyPr lIns="0" rIns="0" rtlCol="0" anchor="ctr"/>
+              <a:lstStyle/>
+              <a:p>
+                <a:pPr algn="ctr"/>
+                <a:r>
+                  <a:rPr lang="es-ES" sz="900" dirty="0">
+                    <a:solidFill>
+                      <a:schemeClr val="tx1"/>
+                    </a:solidFill>
+                    <a:latin typeface="Audiowide" panose="02000503000000020004" pitchFamily="2" charset="0"/>
+                  </a:rPr>
+                  <a:t>Output 1</a:t>
+                </a:r>
+              </a:p>
+            </p:txBody>
+          </p:sp>
+          <p:sp>
+            <p:nvSpPr>
+              <p:cNvPr id="168" name="CuadroTexto 167">
+                <a:extLst>
+                  <a:ext uri="{FF2B5EF4-FFF2-40B4-BE49-F238E27FC236}">
+                    <a16:creationId xmlns:a16="http://schemas.microsoft.com/office/drawing/2014/main" id="{B3AE0CE1-E5B0-4A2F-8CB4-9EAF9C3AFC54}"/>
+                  </a:ext>
+                </a:extLst>
+              </p:cNvPr>
+              <p:cNvSpPr txBox="1"/>
+              <p:nvPr/>
+            </p:nvSpPr>
+            <p:spPr>
+              <a:xfrm>
+                <a:off x="4686106" y="3308594"/>
+                <a:ext cx="382578" cy="184284"/>
+              </a:xfrm>
+              <a:prstGeom prst="rect">
+                <a:avLst/>
+              </a:prstGeom>
+              <a:noFill/>
+            </p:spPr>
+            <p:txBody>
+              <a:bodyPr wrap="square">
+                <a:spAutoFit/>
+              </a:bodyPr>
+              <a:lstStyle/>
+              <a:p>
+                <a:r>
+                  <a:rPr lang="es-ES" sz="900" dirty="0">
+                    <a:solidFill>
+                      <a:schemeClr val="bg1"/>
+                    </a:solidFill>
+                    <a:latin typeface="Audiowide" panose="02000503000000020004" pitchFamily="2" charset="0"/>
+                  </a:rPr>
+                  <a:t>21</a:t>
+                </a:r>
+              </a:p>
+            </p:txBody>
+          </p:sp>
+        </p:grpSp>
+        <p:grpSp>
+          <p:nvGrpSpPr>
+            <p:cNvPr id="78" name="Grupo 77">
+              <a:extLst>
+                <a:ext uri="{FF2B5EF4-FFF2-40B4-BE49-F238E27FC236}">
+                  <a16:creationId xmlns:a16="http://schemas.microsoft.com/office/drawing/2014/main" id="{F5D30D47-C559-460C-8862-866FF128C0E4}"/>
+                </a:ext>
+              </a:extLst>
+            </p:cNvPr>
+            <p:cNvGrpSpPr/>
+            <p:nvPr/>
+          </p:nvGrpSpPr>
+          <p:grpSpPr>
+            <a:xfrm>
+              <a:off x="1736562" y="903543"/>
+              <a:ext cx="967804" cy="230832"/>
+              <a:chOff x="4672384" y="3308594"/>
+              <a:chExt cx="871453" cy="184284"/>
+            </a:xfrm>
+          </p:grpSpPr>
+          <p:sp>
+            <p:nvSpPr>
+              <p:cNvPr id="79" name="Rectángulo: esquinas redondeadas 78">
+                <a:extLst>
+                  <a:ext uri="{FF2B5EF4-FFF2-40B4-BE49-F238E27FC236}">
+                    <a16:creationId xmlns:a16="http://schemas.microsoft.com/office/drawing/2014/main" id="{70B8EF5F-9563-4375-9FE8-FC87D3D1C217}"/>
+                  </a:ext>
+                </a:extLst>
+              </p:cNvPr>
+              <p:cNvSpPr/>
+              <p:nvPr/>
+            </p:nvSpPr>
+            <p:spPr>
+              <a:xfrm>
+                <a:off x="4711030" y="3325666"/>
+                <a:ext cx="832807" cy="147974"/>
+              </a:xfrm>
+              <a:prstGeom prst="roundRect">
+                <a:avLst>
+                  <a:gd name="adj" fmla="val 50000"/>
+                </a:avLst>
+              </a:prstGeom>
+              <a:solidFill>
+                <a:schemeClr val="tx1"/>
+              </a:solidFill>
+              <a:ln w="12700">
+                <a:solidFill>
+                  <a:schemeClr val="tx1"/>
+                </a:solidFill>
+              </a:ln>
+            </p:spPr>
+            <p:style>
+              <a:lnRef idx="2">
+                <a:schemeClr val="accent1">
+                  <a:shade val="50000"/>
+                </a:schemeClr>
+              </a:lnRef>
+              <a:fillRef idx="1">
+                <a:schemeClr val="accent1"/>
+              </a:fillRef>
+              <a:effectRef idx="0">
+                <a:schemeClr val="accent1"/>
+              </a:effectRef>
+              <a:fontRef idx="minor">
+                <a:schemeClr val="lt1"/>
+              </a:fontRef>
+            </p:style>
+            <p:txBody>
+              <a:bodyPr rtlCol="0" anchor="ctr"/>
+              <a:lstStyle/>
+              <a:p>
+                <a:pPr algn="r"/>
+                <a:endParaRPr lang="es-ES" dirty="0"/>
+              </a:p>
+            </p:txBody>
+          </p:sp>
+          <p:sp>
+            <p:nvSpPr>
+              <p:cNvPr id="80" name="Rectángulo: esquinas redondeadas 79">
+                <a:extLst>
+                  <a:ext uri="{FF2B5EF4-FFF2-40B4-BE49-F238E27FC236}">
+                    <a16:creationId xmlns:a16="http://schemas.microsoft.com/office/drawing/2014/main" id="{F4ACDDCC-6C42-49FE-AA1D-5A1C5CF49AEA}"/>
+                  </a:ext>
+                </a:extLst>
+              </p:cNvPr>
+              <p:cNvSpPr/>
+              <p:nvPr/>
+            </p:nvSpPr>
+            <p:spPr>
+              <a:xfrm>
+                <a:off x="4911272" y="3323088"/>
+                <a:ext cx="622513" cy="147974"/>
+              </a:xfrm>
+              <a:prstGeom prst="roundRect">
+                <a:avLst>
+                  <a:gd name="adj" fmla="val 50000"/>
+                </a:avLst>
+              </a:prstGeom>
+              <a:solidFill>
+                <a:schemeClr val="bg1"/>
+              </a:solidFill>
+              <a:ln w="12700">
+                <a:solidFill>
+                  <a:schemeClr val="tx1"/>
+                </a:solidFill>
+              </a:ln>
+            </p:spPr>
+            <p:style>
+              <a:lnRef idx="2">
+                <a:schemeClr val="accent1">
+                  <a:shade val="50000"/>
+                </a:schemeClr>
+              </a:lnRef>
+              <a:fillRef idx="1">
+                <a:schemeClr val="accent1"/>
+              </a:fillRef>
+              <a:effectRef idx="0">
+                <a:schemeClr val="accent1"/>
+              </a:effectRef>
+              <a:fontRef idx="minor">
+                <a:schemeClr val="lt1"/>
+              </a:fontRef>
+            </p:style>
+            <p:txBody>
+              <a:bodyPr lIns="0" rIns="0" rtlCol="0" anchor="ctr"/>
+              <a:lstStyle/>
+              <a:p>
+                <a:pPr algn="ctr"/>
+                <a:r>
+                  <a:rPr lang="es-ES" sz="900" dirty="0">
+                    <a:solidFill>
+                      <a:schemeClr val="tx1"/>
+                    </a:solidFill>
+                    <a:latin typeface="Audiowide" panose="02000503000000020004" pitchFamily="2" charset="0"/>
+                  </a:rPr>
+                  <a:t>Output 2</a:t>
+                </a:r>
+              </a:p>
+            </p:txBody>
+          </p:sp>
+          <p:sp>
+            <p:nvSpPr>
+              <p:cNvPr id="81" name="CuadroTexto 80">
+                <a:extLst>
+                  <a:ext uri="{FF2B5EF4-FFF2-40B4-BE49-F238E27FC236}">
+                    <a16:creationId xmlns:a16="http://schemas.microsoft.com/office/drawing/2014/main" id="{C5C909DC-7273-43B9-88B1-B4C247F53FEA}"/>
+                  </a:ext>
+                </a:extLst>
+              </p:cNvPr>
+              <p:cNvSpPr txBox="1"/>
+              <p:nvPr/>
+            </p:nvSpPr>
+            <p:spPr>
+              <a:xfrm>
+                <a:off x="4672384" y="3308594"/>
+                <a:ext cx="382578" cy="184284"/>
+              </a:xfrm>
+              <a:prstGeom prst="rect">
+                <a:avLst/>
+              </a:prstGeom>
+              <a:noFill/>
+            </p:spPr>
+            <p:txBody>
+              <a:bodyPr wrap="square">
+                <a:spAutoFit/>
+              </a:bodyPr>
+              <a:lstStyle/>
+              <a:p>
+                <a:r>
+                  <a:rPr lang="es-ES" sz="900" dirty="0">
+                    <a:solidFill>
+                      <a:schemeClr val="bg1"/>
+                    </a:solidFill>
+                    <a:latin typeface="Audiowide" panose="02000503000000020004" pitchFamily="2" charset="0"/>
+                  </a:rPr>
+                  <a:t>36</a:t>
+                </a:r>
+              </a:p>
+            </p:txBody>
+          </p:sp>
+        </p:grpSp>
+        <p:grpSp>
+          <p:nvGrpSpPr>
+            <p:cNvPr id="82" name="Grupo 81">
+              <a:extLst>
+                <a:ext uri="{FF2B5EF4-FFF2-40B4-BE49-F238E27FC236}">
+                  <a16:creationId xmlns:a16="http://schemas.microsoft.com/office/drawing/2014/main" id="{D836E470-5A34-4559-A757-5DDDCE5F5C30}"/>
+                </a:ext>
+              </a:extLst>
+            </p:cNvPr>
+            <p:cNvGrpSpPr/>
+            <p:nvPr/>
+          </p:nvGrpSpPr>
+          <p:grpSpPr>
+            <a:xfrm>
+              <a:off x="2682614" y="903543"/>
+              <a:ext cx="967804" cy="230832"/>
+              <a:chOff x="4672384" y="3308594"/>
+              <a:chExt cx="871453" cy="184284"/>
+            </a:xfrm>
+          </p:grpSpPr>
+          <p:sp>
+            <p:nvSpPr>
+              <p:cNvPr id="83" name="Rectángulo: esquinas redondeadas 82">
+                <a:extLst>
+                  <a:ext uri="{FF2B5EF4-FFF2-40B4-BE49-F238E27FC236}">
+                    <a16:creationId xmlns:a16="http://schemas.microsoft.com/office/drawing/2014/main" id="{4C2215C5-11C8-4327-B7AE-4FABB84AE862}"/>
+                  </a:ext>
+                </a:extLst>
+              </p:cNvPr>
+              <p:cNvSpPr/>
+              <p:nvPr/>
+            </p:nvSpPr>
+            <p:spPr>
+              <a:xfrm>
+                <a:off x="4711030" y="3325666"/>
+                <a:ext cx="832807" cy="147974"/>
+              </a:xfrm>
+              <a:prstGeom prst="roundRect">
+                <a:avLst>
+                  <a:gd name="adj" fmla="val 50000"/>
+                </a:avLst>
+              </a:prstGeom>
+              <a:solidFill>
+                <a:schemeClr val="tx1"/>
+              </a:solidFill>
+              <a:ln w="12700">
+                <a:solidFill>
+                  <a:schemeClr val="tx1"/>
+                </a:solidFill>
+              </a:ln>
+            </p:spPr>
+            <p:style>
+              <a:lnRef idx="2">
+                <a:schemeClr val="accent1">
+                  <a:shade val="50000"/>
+                </a:schemeClr>
+              </a:lnRef>
+              <a:fillRef idx="1">
+                <a:schemeClr val="accent1"/>
+              </a:fillRef>
+              <a:effectRef idx="0">
+                <a:schemeClr val="accent1"/>
+              </a:effectRef>
+              <a:fontRef idx="minor">
+                <a:schemeClr val="lt1"/>
+              </a:fontRef>
+            </p:style>
+            <p:txBody>
+              <a:bodyPr rtlCol="0" anchor="ctr"/>
+              <a:lstStyle/>
+              <a:p>
+                <a:pPr algn="r"/>
+                <a:endParaRPr lang="es-ES" dirty="0"/>
+              </a:p>
+            </p:txBody>
+          </p:sp>
+          <p:sp>
+            <p:nvSpPr>
+              <p:cNvPr id="84" name="Rectángulo: esquinas redondeadas 83">
+                <a:extLst>
+                  <a:ext uri="{FF2B5EF4-FFF2-40B4-BE49-F238E27FC236}">
+                    <a16:creationId xmlns:a16="http://schemas.microsoft.com/office/drawing/2014/main" id="{D438A632-7804-422B-B8DE-8B74D1C6A934}"/>
+                  </a:ext>
+                </a:extLst>
+              </p:cNvPr>
+              <p:cNvSpPr/>
+              <p:nvPr/>
+            </p:nvSpPr>
+            <p:spPr>
+              <a:xfrm>
+                <a:off x="4911272" y="3323088"/>
+                <a:ext cx="622513" cy="147974"/>
+              </a:xfrm>
+              <a:prstGeom prst="roundRect">
+                <a:avLst>
+                  <a:gd name="adj" fmla="val 50000"/>
+                </a:avLst>
+              </a:prstGeom>
+              <a:solidFill>
+                <a:schemeClr val="bg1"/>
+              </a:solidFill>
+              <a:ln w="12700">
+                <a:solidFill>
+                  <a:schemeClr val="tx1"/>
+                </a:solidFill>
+              </a:ln>
+            </p:spPr>
+            <p:style>
+              <a:lnRef idx="2">
+                <a:schemeClr val="accent1">
+                  <a:shade val="50000"/>
+                </a:schemeClr>
+              </a:lnRef>
+              <a:fillRef idx="1">
+                <a:schemeClr val="accent1"/>
+              </a:fillRef>
+              <a:effectRef idx="0">
+                <a:schemeClr val="accent1"/>
+              </a:effectRef>
+              <a:fontRef idx="minor">
+                <a:schemeClr val="lt1"/>
+              </a:fontRef>
+            </p:style>
+            <p:txBody>
+              <a:bodyPr lIns="0" rIns="0" rtlCol="0" anchor="ctr"/>
+              <a:lstStyle/>
+              <a:p>
+                <a:pPr algn="ctr"/>
+                <a:r>
+                  <a:rPr lang="es-ES" sz="900" dirty="0">
+                    <a:solidFill>
+                      <a:schemeClr val="tx1"/>
+                    </a:solidFill>
+                    <a:latin typeface="Audiowide" panose="02000503000000020004" pitchFamily="2" charset="0"/>
+                  </a:rPr>
+                  <a:t>Output 3</a:t>
+                </a:r>
+              </a:p>
+            </p:txBody>
+          </p:sp>
+          <p:sp>
+            <p:nvSpPr>
+              <p:cNvPr id="85" name="CuadroTexto 84">
+                <a:extLst>
+                  <a:ext uri="{FF2B5EF4-FFF2-40B4-BE49-F238E27FC236}">
+                    <a16:creationId xmlns:a16="http://schemas.microsoft.com/office/drawing/2014/main" id="{68B2D8FC-A77A-4200-BDD4-0637653E0CD0}"/>
+                  </a:ext>
+                </a:extLst>
+              </p:cNvPr>
+              <p:cNvSpPr txBox="1"/>
+              <p:nvPr/>
+            </p:nvSpPr>
+            <p:spPr>
+              <a:xfrm>
+                <a:off x="4672384" y="3308594"/>
+                <a:ext cx="382578" cy="184284"/>
+              </a:xfrm>
+              <a:prstGeom prst="rect">
+                <a:avLst/>
+              </a:prstGeom>
+              <a:noFill/>
+            </p:spPr>
+            <p:txBody>
+              <a:bodyPr wrap="square">
+                <a:spAutoFit/>
+              </a:bodyPr>
+              <a:lstStyle/>
+              <a:p>
+                <a:r>
+                  <a:rPr lang="es-ES" sz="900" dirty="0">
+                    <a:solidFill>
+                      <a:schemeClr val="bg1"/>
+                    </a:solidFill>
+                    <a:latin typeface="Audiowide" panose="02000503000000020004" pitchFamily="2" charset="0"/>
+                  </a:rPr>
+                  <a:t>37</a:t>
+                </a:r>
+              </a:p>
+            </p:txBody>
+          </p:sp>
+        </p:grpSp>
+        <p:grpSp>
+          <p:nvGrpSpPr>
+            <p:cNvPr id="86" name="Grupo 85">
+              <a:extLst>
+                <a:ext uri="{FF2B5EF4-FFF2-40B4-BE49-F238E27FC236}">
+                  <a16:creationId xmlns:a16="http://schemas.microsoft.com/office/drawing/2014/main" id="{E5B436CD-11D5-4E32-BBD2-27924DA286CA}"/>
+                </a:ext>
+              </a:extLst>
+            </p:cNvPr>
+            <p:cNvGrpSpPr/>
+            <p:nvPr/>
+          </p:nvGrpSpPr>
+          <p:grpSpPr>
+            <a:xfrm>
+              <a:off x="3626757" y="911094"/>
+              <a:ext cx="967804" cy="230832"/>
+              <a:chOff x="4672384" y="3308594"/>
+              <a:chExt cx="871453" cy="184284"/>
+            </a:xfrm>
+          </p:grpSpPr>
+          <p:sp>
+            <p:nvSpPr>
+              <p:cNvPr id="87" name="Rectángulo: esquinas redondeadas 86">
+                <a:extLst>
+                  <a:ext uri="{FF2B5EF4-FFF2-40B4-BE49-F238E27FC236}">
+                    <a16:creationId xmlns:a16="http://schemas.microsoft.com/office/drawing/2014/main" id="{111A2ED9-A040-4045-8FE6-8B7254EBD0F1}"/>
+                  </a:ext>
+                </a:extLst>
+              </p:cNvPr>
+              <p:cNvSpPr/>
+              <p:nvPr/>
+            </p:nvSpPr>
+            <p:spPr>
+              <a:xfrm>
+                <a:off x="4711030" y="3325666"/>
+                <a:ext cx="832807" cy="147974"/>
+              </a:xfrm>
+              <a:prstGeom prst="roundRect">
+                <a:avLst>
+                  <a:gd name="adj" fmla="val 50000"/>
+                </a:avLst>
+              </a:prstGeom>
+              <a:solidFill>
+                <a:schemeClr val="tx1"/>
+              </a:solidFill>
+              <a:ln w="12700">
+                <a:solidFill>
+                  <a:schemeClr val="tx1"/>
+                </a:solidFill>
+              </a:ln>
+            </p:spPr>
+            <p:style>
+              <a:lnRef idx="2">
+                <a:schemeClr val="accent1">
+                  <a:shade val="50000"/>
+                </a:schemeClr>
+              </a:lnRef>
+              <a:fillRef idx="1">
+                <a:schemeClr val="accent1"/>
+              </a:fillRef>
+              <a:effectRef idx="0">
+                <a:schemeClr val="accent1"/>
+              </a:effectRef>
+              <a:fontRef idx="minor">
+                <a:schemeClr val="lt1"/>
+              </a:fontRef>
+            </p:style>
+            <p:txBody>
+              <a:bodyPr rtlCol="0" anchor="ctr"/>
+              <a:lstStyle/>
+              <a:p>
+                <a:pPr algn="r"/>
+                <a:endParaRPr lang="es-ES" dirty="0"/>
+              </a:p>
+            </p:txBody>
+          </p:sp>
+          <p:sp>
+            <p:nvSpPr>
+              <p:cNvPr id="89" name="Rectángulo: esquinas redondeadas 88">
+                <a:extLst>
+                  <a:ext uri="{FF2B5EF4-FFF2-40B4-BE49-F238E27FC236}">
+                    <a16:creationId xmlns:a16="http://schemas.microsoft.com/office/drawing/2014/main" id="{882AC86E-9552-44E2-94D0-51260BB0430F}"/>
+                  </a:ext>
+                </a:extLst>
+              </p:cNvPr>
+              <p:cNvSpPr/>
+              <p:nvPr/>
+            </p:nvSpPr>
+            <p:spPr>
+              <a:xfrm>
+                <a:off x="4918133" y="3323088"/>
+                <a:ext cx="622513" cy="147974"/>
+              </a:xfrm>
+              <a:prstGeom prst="roundRect">
+                <a:avLst>
+                  <a:gd name="adj" fmla="val 50000"/>
+                </a:avLst>
+              </a:prstGeom>
+              <a:solidFill>
+                <a:schemeClr val="bg1"/>
+              </a:solidFill>
+              <a:ln w="12700">
+                <a:solidFill>
+                  <a:schemeClr val="tx1"/>
+                </a:solidFill>
+              </a:ln>
+            </p:spPr>
+            <p:style>
+              <a:lnRef idx="2">
+                <a:schemeClr val="accent1">
+                  <a:shade val="50000"/>
+                </a:schemeClr>
+              </a:lnRef>
+              <a:fillRef idx="1">
+                <a:schemeClr val="accent1"/>
+              </a:fillRef>
+              <a:effectRef idx="0">
+                <a:schemeClr val="accent1"/>
+              </a:effectRef>
+              <a:fontRef idx="minor">
+                <a:schemeClr val="lt1"/>
+              </a:fontRef>
+            </p:style>
+            <p:txBody>
+              <a:bodyPr lIns="0" rIns="0" rtlCol="0" anchor="ctr"/>
+              <a:lstStyle/>
+              <a:p>
+                <a:pPr algn="ctr"/>
+                <a:r>
+                  <a:rPr lang="es-ES" sz="900" dirty="0">
+                    <a:solidFill>
+                      <a:schemeClr val="tx1"/>
+                    </a:solidFill>
+                    <a:latin typeface="Audiowide" panose="02000503000000020004" pitchFamily="2" charset="0"/>
+                  </a:rPr>
+                  <a:t>Output 4</a:t>
+                </a:r>
+              </a:p>
+            </p:txBody>
+          </p:sp>
+          <p:sp>
+            <p:nvSpPr>
+              <p:cNvPr id="90" name="CuadroTexto 89">
+                <a:extLst>
+                  <a:ext uri="{FF2B5EF4-FFF2-40B4-BE49-F238E27FC236}">
+                    <a16:creationId xmlns:a16="http://schemas.microsoft.com/office/drawing/2014/main" id="{EF1B1A90-6379-497F-B566-202A6D12C3B9}"/>
+                  </a:ext>
+                </a:extLst>
+              </p:cNvPr>
+              <p:cNvSpPr txBox="1"/>
+              <p:nvPr/>
+            </p:nvSpPr>
+            <p:spPr>
+              <a:xfrm>
+                <a:off x="4672384" y="3308594"/>
+                <a:ext cx="382578" cy="184284"/>
+              </a:xfrm>
+              <a:prstGeom prst="rect">
+                <a:avLst/>
+              </a:prstGeom>
+              <a:noFill/>
+            </p:spPr>
+            <p:txBody>
+              <a:bodyPr wrap="square">
+                <a:spAutoFit/>
+              </a:bodyPr>
+              <a:lstStyle/>
+              <a:p>
+                <a:r>
+                  <a:rPr lang="es-ES" sz="900" dirty="0">
+                    <a:solidFill>
+                      <a:schemeClr val="bg1"/>
+                    </a:solidFill>
+                    <a:latin typeface="Audiowide" panose="02000503000000020004" pitchFamily="2" charset="0"/>
+                  </a:rPr>
+                  <a:t>25</a:t>
+                </a:r>
+              </a:p>
+            </p:txBody>
+          </p:sp>
+        </p:grpSp>
+      </p:grpSp>
+      <p:grpSp>
+        <p:nvGrpSpPr>
+          <p:cNvPr id="92" name="Grupo 91">
+            <a:extLst>
+              <a:ext uri="{FF2B5EF4-FFF2-40B4-BE49-F238E27FC236}">
+                <a16:creationId xmlns:a16="http://schemas.microsoft.com/office/drawing/2014/main" id="{D97B6C58-6392-4EFF-8BDE-6F224EFFDC5B}"/>
+              </a:ext>
+            </a:extLst>
+          </p:cNvPr>
+          <p:cNvGrpSpPr/>
+          <p:nvPr/>
+        </p:nvGrpSpPr>
+        <p:grpSpPr>
+          <a:xfrm>
+            <a:off x="998162" y="2480952"/>
+            <a:ext cx="3809759" cy="245934"/>
+            <a:chOff x="784802" y="895992"/>
+            <a:chExt cx="3809759" cy="245934"/>
+          </a:xfrm>
+        </p:grpSpPr>
+        <p:grpSp>
+          <p:nvGrpSpPr>
+            <p:cNvPr id="93" name="Grupo 92">
+              <a:extLst>
+                <a:ext uri="{FF2B5EF4-FFF2-40B4-BE49-F238E27FC236}">
+                  <a16:creationId xmlns:a16="http://schemas.microsoft.com/office/drawing/2014/main" id="{05DBDACD-3909-4C39-B2B7-1C625EB0382A}"/>
+                </a:ext>
+              </a:extLst>
+            </p:cNvPr>
+            <p:cNvGrpSpPr/>
+            <p:nvPr/>
+          </p:nvGrpSpPr>
+          <p:grpSpPr>
+            <a:xfrm>
+              <a:off x="784802" y="895992"/>
+              <a:ext cx="975424" cy="230832"/>
+              <a:chOff x="4665523" y="3308594"/>
+              <a:chExt cx="878314" cy="184284"/>
+            </a:xfrm>
+          </p:grpSpPr>
+          <p:sp>
+            <p:nvSpPr>
+              <p:cNvPr id="106" name="Rectángulo: esquinas redondeadas 105">
+                <a:extLst>
+                  <a:ext uri="{FF2B5EF4-FFF2-40B4-BE49-F238E27FC236}">
+                    <a16:creationId xmlns:a16="http://schemas.microsoft.com/office/drawing/2014/main" id="{38E00668-0D4A-4B6F-9377-85099DCE0B43}"/>
+                  </a:ext>
+                </a:extLst>
+              </p:cNvPr>
+              <p:cNvSpPr/>
+              <p:nvPr/>
+            </p:nvSpPr>
+            <p:spPr>
+              <a:xfrm>
+                <a:off x="4711030" y="3325666"/>
+                <a:ext cx="832807" cy="147974"/>
+              </a:xfrm>
+              <a:prstGeom prst="roundRect">
+                <a:avLst>
+                  <a:gd name="adj" fmla="val 50000"/>
+                </a:avLst>
+              </a:prstGeom>
+              <a:solidFill>
+                <a:schemeClr val="tx1"/>
+              </a:solidFill>
+              <a:ln w="12700">
+                <a:solidFill>
+                  <a:schemeClr val="tx1"/>
+                </a:solidFill>
+              </a:ln>
+            </p:spPr>
+            <p:style>
+              <a:lnRef idx="2">
+                <a:schemeClr val="accent1">
+                  <a:shade val="50000"/>
+                </a:schemeClr>
+              </a:lnRef>
+              <a:fillRef idx="1">
+                <a:schemeClr val="accent1"/>
+              </a:fillRef>
+              <a:effectRef idx="0">
+                <a:schemeClr val="accent1"/>
+              </a:effectRef>
+              <a:fontRef idx="minor">
+                <a:schemeClr val="lt1"/>
+              </a:fontRef>
+            </p:style>
+            <p:txBody>
+              <a:bodyPr rtlCol="0" anchor="ctr"/>
+              <a:lstStyle/>
+              <a:p>
+                <a:pPr algn="r"/>
+                <a:endParaRPr lang="es-ES" dirty="0"/>
+              </a:p>
+            </p:txBody>
+          </p:sp>
+          <p:sp>
+            <p:nvSpPr>
+              <p:cNvPr id="107" name="Rectángulo: esquinas redondeadas 106">
+                <a:extLst>
+                  <a:ext uri="{FF2B5EF4-FFF2-40B4-BE49-F238E27FC236}">
+                    <a16:creationId xmlns:a16="http://schemas.microsoft.com/office/drawing/2014/main" id="{CD9774E2-5FA0-43A1-A44B-B702ED06D235}"/>
+                  </a:ext>
+                </a:extLst>
+              </p:cNvPr>
+              <p:cNvSpPr/>
+              <p:nvPr/>
+            </p:nvSpPr>
+            <p:spPr>
+              <a:xfrm>
+                <a:off x="4911272" y="3323088"/>
+                <a:ext cx="622513" cy="147974"/>
+              </a:xfrm>
+              <a:prstGeom prst="roundRect">
+                <a:avLst>
+                  <a:gd name="adj" fmla="val 50000"/>
+                </a:avLst>
+              </a:prstGeom>
+              <a:solidFill>
+                <a:schemeClr val="bg1"/>
+              </a:solidFill>
+              <a:ln w="12700">
+                <a:solidFill>
+                  <a:schemeClr val="tx1"/>
+                </a:solidFill>
+              </a:ln>
+            </p:spPr>
+            <p:style>
+              <a:lnRef idx="2">
+                <a:schemeClr val="accent1">
+                  <a:shade val="50000"/>
+                </a:schemeClr>
+              </a:lnRef>
+              <a:fillRef idx="1">
+                <a:schemeClr val="accent1"/>
+              </a:fillRef>
+              <a:effectRef idx="0">
+                <a:schemeClr val="accent1"/>
+              </a:effectRef>
+              <a:fontRef idx="minor">
+                <a:schemeClr val="lt1"/>
+              </a:fontRef>
+            </p:style>
+            <p:txBody>
+              <a:bodyPr lIns="0" rIns="0" rtlCol="0" anchor="ctr"/>
+              <a:lstStyle/>
+              <a:p>
+                <a:pPr algn="ctr"/>
+                <a:r>
+                  <a:rPr lang="es-ES" sz="900" dirty="0">
+                    <a:solidFill>
+                      <a:schemeClr val="tx1"/>
+                    </a:solidFill>
+                    <a:latin typeface="Audiowide" panose="02000503000000020004" pitchFamily="2" charset="0"/>
+                  </a:rPr>
+                  <a:t>Input 1</a:t>
+                </a:r>
+              </a:p>
+            </p:txBody>
+          </p:sp>
+          <p:sp>
+            <p:nvSpPr>
+              <p:cNvPr id="108" name="CuadroTexto 107">
+                <a:extLst>
+                  <a:ext uri="{FF2B5EF4-FFF2-40B4-BE49-F238E27FC236}">
+                    <a16:creationId xmlns:a16="http://schemas.microsoft.com/office/drawing/2014/main" id="{759E3012-E342-4B96-88A5-ECA6426D1B93}"/>
+                  </a:ext>
+                </a:extLst>
+              </p:cNvPr>
+              <p:cNvSpPr txBox="1"/>
+              <p:nvPr/>
+            </p:nvSpPr>
+            <p:spPr>
+              <a:xfrm>
+                <a:off x="4665523" y="3308594"/>
+                <a:ext cx="382578" cy="184284"/>
+              </a:xfrm>
+              <a:prstGeom prst="rect">
+                <a:avLst/>
+              </a:prstGeom>
+              <a:noFill/>
+            </p:spPr>
+            <p:txBody>
+              <a:bodyPr wrap="square">
+                <a:spAutoFit/>
+              </a:bodyPr>
+              <a:lstStyle/>
+              <a:p>
+                <a:r>
+                  <a:rPr lang="es-ES" sz="900" dirty="0">
+                    <a:solidFill>
+                      <a:schemeClr val="bg1"/>
+                    </a:solidFill>
+                    <a:latin typeface="Audiowide" panose="02000503000000020004" pitchFamily="2" charset="0"/>
+                  </a:rPr>
+                  <a:t>32</a:t>
+                </a:r>
+              </a:p>
+            </p:txBody>
+          </p:sp>
+        </p:grpSp>
+        <p:grpSp>
+          <p:nvGrpSpPr>
+            <p:cNvPr id="94" name="Grupo 93">
+              <a:extLst>
+                <a:ext uri="{FF2B5EF4-FFF2-40B4-BE49-F238E27FC236}">
+                  <a16:creationId xmlns:a16="http://schemas.microsoft.com/office/drawing/2014/main" id="{B5E031AC-71C4-4812-8028-BAD46A23E113}"/>
+                </a:ext>
+              </a:extLst>
+            </p:cNvPr>
+            <p:cNvGrpSpPr/>
+            <p:nvPr/>
+          </p:nvGrpSpPr>
+          <p:grpSpPr>
+            <a:xfrm>
+              <a:off x="1736562" y="903543"/>
+              <a:ext cx="967804" cy="230832"/>
+              <a:chOff x="4672384" y="3308594"/>
+              <a:chExt cx="871453" cy="184284"/>
+            </a:xfrm>
+          </p:grpSpPr>
+          <p:sp>
+            <p:nvSpPr>
+              <p:cNvPr id="103" name="Rectángulo: esquinas redondeadas 102">
+                <a:extLst>
+                  <a:ext uri="{FF2B5EF4-FFF2-40B4-BE49-F238E27FC236}">
+                    <a16:creationId xmlns:a16="http://schemas.microsoft.com/office/drawing/2014/main" id="{FE975E6D-3186-4EF9-983B-E0114F32F8B4}"/>
+                  </a:ext>
+                </a:extLst>
+              </p:cNvPr>
+              <p:cNvSpPr/>
+              <p:nvPr/>
+            </p:nvSpPr>
+            <p:spPr>
+              <a:xfrm>
+                <a:off x="4711030" y="3325666"/>
+                <a:ext cx="832807" cy="147974"/>
+              </a:xfrm>
+              <a:prstGeom prst="roundRect">
+                <a:avLst>
+                  <a:gd name="adj" fmla="val 50000"/>
+                </a:avLst>
+              </a:prstGeom>
+              <a:solidFill>
+                <a:schemeClr val="tx1"/>
+              </a:solidFill>
+              <a:ln w="12700">
+                <a:solidFill>
+                  <a:schemeClr val="tx1"/>
+                </a:solidFill>
+              </a:ln>
+            </p:spPr>
+            <p:style>
+              <a:lnRef idx="2">
+                <a:schemeClr val="accent1">
+                  <a:shade val="50000"/>
+                </a:schemeClr>
+              </a:lnRef>
+              <a:fillRef idx="1">
+                <a:schemeClr val="accent1"/>
+              </a:fillRef>
+              <a:effectRef idx="0">
+                <a:schemeClr val="accent1"/>
+              </a:effectRef>
+              <a:fontRef idx="minor">
+                <a:schemeClr val="lt1"/>
+              </a:fontRef>
+            </p:style>
+            <p:txBody>
+              <a:bodyPr rtlCol="0" anchor="ctr"/>
+              <a:lstStyle/>
+              <a:p>
+                <a:pPr algn="r"/>
+                <a:endParaRPr lang="es-ES" dirty="0"/>
+              </a:p>
+            </p:txBody>
+          </p:sp>
+          <p:sp>
+            <p:nvSpPr>
+              <p:cNvPr id="104" name="Rectángulo: esquinas redondeadas 103">
+                <a:extLst>
+                  <a:ext uri="{FF2B5EF4-FFF2-40B4-BE49-F238E27FC236}">
+                    <a16:creationId xmlns:a16="http://schemas.microsoft.com/office/drawing/2014/main" id="{F99D238C-E367-409A-83C6-CBB744B24DA2}"/>
+                  </a:ext>
+                </a:extLst>
+              </p:cNvPr>
+              <p:cNvSpPr/>
+              <p:nvPr/>
+            </p:nvSpPr>
+            <p:spPr>
+              <a:xfrm>
+                <a:off x="4911272" y="3323088"/>
+                <a:ext cx="622513" cy="147974"/>
+              </a:xfrm>
+              <a:prstGeom prst="roundRect">
+                <a:avLst>
+                  <a:gd name="adj" fmla="val 50000"/>
+                </a:avLst>
+              </a:prstGeom>
+              <a:solidFill>
+                <a:schemeClr val="bg1"/>
+              </a:solidFill>
+              <a:ln w="12700">
+                <a:solidFill>
+                  <a:schemeClr val="tx1"/>
+                </a:solidFill>
+              </a:ln>
+            </p:spPr>
+            <p:style>
+              <a:lnRef idx="2">
+                <a:schemeClr val="accent1">
+                  <a:shade val="50000"/>
+                </a:schemeClr>
+              </a:lnRef>
+              <a:fillRef idx="1">
+                <a:schemeClr val="accent1"/>
+              </a:fillRef>
+              <a:effectRef idx="0">
+                <a:schemeClr val="accent1"/>
+              </a:effectRef>
+              <a:fontRef idx="minor">
+                <a:schemeClr val="lt1"/>
+              </a:fontRef>
+            </p:style>
+            <p:txBody>
+              <a:bodyPr lIns="0" rIns="0" rtlCol="0" anchor="ctr"/>
+              <a:lstStyle/>
+              <a:p>
+                <a:pPr algn="ctr"/>
+                <a:r>
+                  <a:rPr lang="es-ES" sz="900" dirty="0">
+                    <a:solidFill>
+                      <a:schemeClr val="tx1"/>
+                    </a:solidFill>
+                    <a:latin typeface="Audiowide" panose="02000503000000020004" pitchFamily="2" charset="0"/>
+                  </a:rPr>
+                  <a:t>Input 2</a:t>
+                </a:r>
+              </a:p>
+            </p:txBody>
+          </p:sp>
+          <p:sp>
+            <p:nvSpPr>
+              <p:cNvPr id="105" name="CuadroTexto 104">
+                <a:extLst>
+                  <a:ext uri="{FF2B5EF4-FFF2-40B4-BE49-F238E27FC236}">
+                    <a16:creationId xmlns:a16="http://schemas.microsoft.com/office/drawing/2014/main" id="{268747B5-031E-43EA-9E49-D5B6834DE7B1}"/>
+                  </a:ext>
+                </a:extLst>
+              </p:cNvPr>
+              <p:cNvSpPr txBox="1"/>
+              <p:nvPr/>
+            </p:nvSpPr>
+            <p:spPr>
+              <a:xfrm>
+                <a:off x="4672384" y="3308594"/>
+                <a:ext cx="382578" cy="184284"/>
+              </a:xfrm>
+              <a:prstGeom prst="rect">
+                <a:avLst/>
+              </a:prstGeom>
+              <a:noFill/>
+            </p:spPr>
+            <p:txBody>
+              <a:bodyPr wrap="square">
+                <a:spAutoFit/>
+              </a:bodyPr>
+              <a:lstStyle/>
+              <a:p>
+                <a:r>
+                  <a:rPr lang="es-ES" sz="900" dirty="0">
+                    <a:solidFill>
+                      <a:schemeClr val="bg1"/>
+                    </a:solidFill>
+                    <a:latin typeface="Audiowide" panose="02000503000000020004" pitchFamily="2" charset="0"/>
+                  </a:rPr>
+                  <a:t>33</a:t>
+                </a:r>
+              </a:p>
+            </p:txBody>
+          </p:sp>
+        </p:grpSp>
+        <p:grpSp>
+          <p:nvGrpSpPr>
+            <p:cNvPr id="95" name="Grupo 94">
+              <a:extLst>
+                <a:ext uri="{FF2B5EF4-FFF2-40B4-BE49-F238E27FC236}">
+                  <a16:creationId xmlns:a16="http://schemas.microsoft.com/office/drawing/2014/main" id="{991FEFE1-E4B7-44EC-900E-F5377AC3D764}"/>
+                </a:ext>
+              </a:extLst>
+            </p:cNvPr>
+            <p:cNvGrpSpPr/>
+            <p:nvPr/>
+          </p:nvGrpSpPr>
+          <p:grpSpPr>
+            <a:xfrm>
+              <a:off x="2682614" y="903543"/>
+              <a:ext cx="967804" cy="230832"/>
+              <a:chOff x="4672384" y="3308594"/>
+              <a:chExt cx="871453" cy="184284"/>
+            </a:xfrm>
+          </p:grpSpPr>
+          <p:sp>
+            <p:nvSpPr>
+              <p:cNvPr id="100" name="Rectángulo: esquinas redondeadas 99">
+                <a:extLst>
+                  <a:ext uri="{FF2B5EF4-FFF2-40B4-BE49-F238E27FC236}">
+                    <a16:creationId xmlns:a16="http://schemas.microsoft.com/office/drawing/2014/main" id="{32A0F8C6-B789-49CB-BF9D-F02959B93578}"/>
+                  </a:ext>
+                </a:extLst>
+              </p:cNvPr>
+              <p:cNvSpPr/>
+              <p:nvPr/>
+            </p:nvSpPr>
+            <p:spPr>
+              <a:xfrm>
+                <a:off x="4711030" y="3325666"/>
+                <a:ext cx="832807" cy="147974"/>
+              </a:xfrm>
+              <a:prstGeom prst="roundRect">
+                <a:avLst>
+                  <a:gd name="adj" fmla="val 50000"/>
+                </a:avLst>
+              </a:prstGeom>
+              <a:solidFill>
+                <a:schemeClr val="tx1"/>
+              </a:solidFill>
+              <a:ln w="12700">
+                <a:solidFill>
+                  <a:schemeClr val="tx1"/>
+                </a:solidFill>
+              </a:ln>
+            </p:spPr>
+            <p:style>
+              <a:lnRef idx="2">
+                <a:schemeClr val="accent1">
+                  <a:shade val="50000"/>
+                </a:schemeClr>
+              </a:lnRef>
+              <a:fillRef idx="1">
+                <a:schemeClr val="accent1"/>
+              </a:fillRef>
+              <a:effectRef idx="0">
+                <a:schemeClr val="accent1"/>
+              </a:effectRef>
+              <a:fontRef idx="minor">
+                <a:schemeClr val="lt1"/>
+              </a:fontRef>
+            </p:style>
+            <p:txBody>
+              <a:bodyPr rtlCol="0" anchor="ctr"/>
+              <a:lstStyle/>
+              <a:p>
+                <a:pPr algn="r"/>
+                <a:endParaRPr lang="es-ES" dirty="0"/>
+              </a:p>
+            </p:txBody>
+          </p:sp>
+          <p:sp>
+            <p:nvSpPr>
+              <p:cNvPr id="101" name="Rectángulo: esquinas redondeadas 100">
+                <a:extLst>
+                  <a:ext uri="{FF2B5EF4-FFF2-40B4-BE49-F238E27FC236}">
+                    <a16:creationId xmlns:a16="http://schemas.microsoft.com/office/drawing/2014/main" id="{B38FD597-0022-4A2E-A3D3-A3EC6BA77E4B}"/>
+                  </a:ext>
+                </a:extLst>
+              </p:cNvPr>
+              <p:cNvSpPr/>
+              <p:nvPr/>
+            </p:nvSpPr>
+            <p:spPr>
+              <a:xfrm>
+                <a:off x="4911272" y="3323088"/>
+                <a:ext cx="622513" cy="147974"/>
+              </a:xfrm>
+              <a:prstGeom prst="roundRect">
+                <a:avLst>
+                  <a:gd name="adj" fmla="val 50000"/>
+                </a:avLst>
+              </a:prstGeom>
+              <a:solidFill>
+                <a:schemeClr val="bg1"/>
+              </a:solidFill>
+              <a:ln w="12700">
+                <a:solidFill>
+                  <a:schemeClr val="tx1"/>
+                </a:solidFill>
+              </a:ln>
+            </p:spPr>
+            <p:style>
+              <a:lnRef idx="2">
+                <a:schemeClr val="accent1">
+                  <a:shade val="50000"/>
+                </a:schemeClr>
+              </a:lnRef>
+              <a:fillRef idx="1">
+                <a:schemeClr val="accent1"/>
+              </a:fillRef>
+              <a:effectRef idx="0">
+                <a:schemeClr val="accent1"/>
+              </a:effectRef>
+              <a:fontRef idx="minor">
+                <a:schemeClr val="lt1"/>
+              </a:fontRef>
+            </p:style>
+            <p:txBody>
+              <a:bodyPr lIns="0" rIns="0" rtlCol="0" anchor="ctr"/>
+              <a:lstStyle/>
+              <a:p>
+                <a:pPr algn="ctr"/>
+                <a:r>
+                  <a:rPr lang="es-ES" sz="900" dirty="0">
+                    <a:solidFill>
+                      <a:schemeClr val="tx1"/>
+                    </a:solidFill>
+                    <a:latin typeface="Audiowide" panose="02000503000000020004" pitchFamily="2" charset="0"/>
+                  </a:rPr>
+                  <a:t>Input 3</a:t>
+                </a:r>
+              </a:p>
+            </p:txBody>
+          </p:sp>
+          <p:sp>
+            <p:nvSpPr>
+              <p:cNvPr id="102" name="CuadroTexto 101">
+                <a:extLst>
+                  <a:ext uri="{FF2B5EF4-FFF2-40B4-BE49-F238E27FC236}">
+                    <a16:creationId xmlns:a16="http://schemas.microsoft.com/office/drawing/2014/main" id="{E5DB3591-BA6E-48CD-9A10-11C38F974B82}"/>
+                  </a:ext>
+                </a:extLst>
+              </p:cNvPr>
+              <p:cNvSpPr txBox="1"/>
+              <p:nvPr/>
+            </p:nvSpPr>
+            <p:spPr>
+              <a:xfrm>
+                <a:off x="4672384" y="3308594"/>
+                <a:ext cx="382578" cy="184284"/>
+              </a:xfrm>
+              <a:prstGeom prst="rect">
+                <a:avLst/>
+              </a:prstGeom>
+              <a:noFill/>
+            </p:spPr>
+            <p:txBody>
+              <a:bodyPr wrap="square">
+                <a:spAutoFit/>
+              </a:bodyPr>
+              <a:lstStyle/>
+              <a:p>
+                <a:r>
+                  <a:rPr lang="es-ES" sz="900" dirty="0">
+                    <a:solidFill>
+                      <a:schemeClr val="bg1"/>
+                    </a:solidFill>
+                    <a:latin typeface="Audiowide" panose="02000503000000020004" pitchFamily="2" charset="0"/>
+                  </a:rPr>
+                  <a:t>34</a:t>
+                </a:r>
+              </a:p>
+            </p:txBody>
+          </p:sp>
+        </p:grpSp>
+        <p:grpSp>
+          <p:nvGrpSpPr>
+            <p:cNvPr id="96" name="Grupo 95">
+              <a:extLst>
+                <a:ext uri="{FF2B5EF4-FFF2-40B4-BE49-F238E27FC236}">
+                  <a16:creationId xmlns:a16="http://schemas.microsoft.com/office/drawing/2014/main" id="{40D52EDD-F50B-4498-8268-D8D652CFD0CD}"/>
+                </a:ext>
+              </a:extLst>
+            </p:cNvPr>
+            <p:cNvGrpSpPr/>
+            <p:nvPr/>
+          </p:nvGrpSpPr>
+          <p:grpSpPr>
+            <a:xfrm>
+              <a:off x="3626757" y="911094"/>
+              <a:ext cx="967804" cy="230832"/>
+              <a:chOff x="4672384" y="3308594"/>
+              <a:chExt cx="871453" cy="184284"/>
+            </a:xfrm>
+          </p:grpSpPr>
+          <p:sp>
+            <p:nvSpPr>
+              <p:cNvPr id="97" name="Rectángulo: esquinas redondeadas 96">
+                <a:extLst>
+                  <a:ext uri="{FF2B5EF4-FFF2-40B4-BE49-F238E27FC236}">
+                    <a16:creationId xmlns:a16="http://schemas.microsoft.com/office/drawing/2014/main" id="{1DD60393-B3AF-4207-A661-25CB9A7B2B18}"/>
+                  </a:ext>
+                </a:extLst>
+              </p:cNvPr>
+              <p:cNvSpPr/>
+              <p:nvPr/>
+            </p:nvSpPr>
+            <p:spPr>
+              <a:xfrm>
+                <a:off x="4711030" y="3325666"/>
+                <a:ext cx="832807" cy="147974"/>
+              </a:xfrm>
+              <a:prstGeom prst="roundRect">
+                <a:avLst>
+                  <a:gd name="adj" fmla="val 50000"/>
+                </a:avLst>
+              </a:prstGeom>
+              <a:solidFill>
+                <a:schemeClr val="tx1"/>
+              </a:solidFill>
+              <a:ln w="12700">
+                <a:solidFill>
+                  <a:schemeClr val="tx1"/>
+                </a:solidFill>
+              </a:ln>
+            </p:spPr>
+            <p:style>
+              <a:lnRef idx="2">
+                <a:schemeClr val="accent1">
+                  <a:shade val="50000"/>
+                </a:schemeClr>
+              </a:lnRef>
+              <a:fillRef idx="1">
+                <a:schemeClr val="accent1"/>
+              </a:fillRef>
+              <a:effectRef idx="0">
+                <a:schemeClr val="accent1"/>
+              </a:effectRef>
+              <a:fontRef idx="minor">
+                <a:schemeClr val="lt1"/>
+              </a:fontRef>
+            </p:style>
+            <p:txBody>
+              <a:bodyPr rtlCol="0" anchor="ctr"/>
+              <a:lstStyle/>
+              <a:p>
+                <a:pPr algn="r"/>
+                <a:endParaRPr lang="es-ES" dirty="0"/>
+              </a:p>
+            </p:txBody>
+          </p:sp>
+          <p:sp>
+            <p:nvSpPr>
+              <p:cNvPr id="98" name="Rectángulo: esquinas redondeadas 97">
+                <a:extLst>
+                  <a:ext uri="{FF2B5EF4-FFF2-40B4-BE49-F238E27FC236}">
+                    <a16:creationId xmlns:a16="http://schemas.microsoft.com/office/drawing/2014/main" id="{8F7BD204-60A0-4485-BBA2-DCDE336F8B21}"/>
+                  </a:ext>
+                </a:extLst>
+              </p:cNvPr>
+              <p:cNvSpPr/>
+              <p:nvPr/>
+            </p:nvSpPr>
+            <p:spPr>
+              <a:xfrm>
+                <a:off x="4918133" y="3323088"/>
+                <a:ext cx="622513" cy="147974"/>
+              </a:xfrm>
+              <a:prstGeom prst="roundRect">
+                <a:avLst>
+                  <a:gd name="adj" fmla="val 50000"/>
+                </a:avLst>
+              </a:prstGeom>
+              <a:solidFill>
+                <a:schemeClr val="bg1"/>
+              </a:solidFill>
+              <a:ln w="12700">
+                <a:solidFill>
+                  <a:schemeClr val="tx1"/>
+                </a:solidFill>
+              </a:ln>
+            </p:spPr>
+            <p:style>
+              <a:lnRef idx="2">
+                <a:schemeClr val="accent1">
+                  <a:shade val="50000"/>
+                </a:schemeClr>
+              </a:lnRef>
+              <a:fillRef idx="1">
+                <a:schemeClr val="accent1"/>
+              </a:fillRef>
+              <a:effectRef idx="0">
+                <a:schemeClr val="accent1"/>
+              </a:effectRef>
+              <a:fontRef idx="minor">
+                <a:schemeClr val="lt1"/>
+              </a:fontRef>
+            </p:style>
+            <p:txBody>
+              <a:bodyPr lIns="0" rIns="0" rtlCol="0" anchor="ctr"/>
+              <a:lstStyle/>
+              <a:p>
+                <a:pPr algn="ctr"/>
+                <a:r>
+                  <a:rPr lang="es-ES" sz="900" dirty="0">
+                    <a:solidFill>
+                      <a:schemeClr val="tx1"/>
+                    </a:solidFill>
+                    <a:latin typeface="Audiowide" panose="02000503000000020004" pitchFamily="2" charset="0"/>
+                  </a:rPr>
+                  <a:t>Input 4</a:t>
+                </a:r>
+              </a:p>
+            </p:txBody>
+          </p:sp>
+          <p:sp>
+            <p:nvSpPr>
+              <p:cNvPr id="99" name="CuadroTexto 98">
+                <a:extLst>
+                  <a:ext uri="{FF2B5EF4-FFF2-40B4-BE49-F238E27FC236}">
+                    <a16:creationId xmlns:a16="http://schemas.microsoft.com/office/drawing/2014/main" id="{0D90891E-2D3B-4498-B493-D29F61C7B283}"/>
+                  </a:ext>
+                </a:extLst>
+              </p:cNvPr>
+              <p:cNvSpPr txBox="1"/>
+              <p:nvPr/>
+            </p:nvSpPr>
+            <p:spPr>
+              <a:xfrm>
+                <a:off x="4672384" y="3308594"/>
+                <a:ext cx="382578" cy="184284"/>
+              </a:xfrm>
+              <a:prstGeom prst="rect">
+                <a:avLst/>
+              </a:prstGeom>
+              <a:noFill/>
+            </p:spPr>
+            <p:txBody>
+              <a:bodyPr wrap="square">
+                <a:spAutoFit/>
+              </a:bodyPr>
+              <a:lstStyle/>
+              <a:p>
+                <a:r>
+                  <a:rPr lang="es-ES" sz="900" dirty="0">
+                    <a:solidFill>
+                      <a:schemeClr val="bg1"/>
+                    </a:solidFill>
+                    <a:latin typeface="Audiowide" panose="02000503000000020004" pitchFamily="2" charset="0"/>
+                  </a:rPr>
+                  <a:t>35</a:t>
+                </a:r>
+              </a:p>
+            </p:txBody>
+          </p:sp>
+        </p:grpSp>
+      </p:grpSp>
+      <p:grpSp>
+        <p:nvGrpSpPr>
+          <p:cNvPr id="16" name="Grupo 15">
+            <a:extLst>
+              <a:ext uri="{FF2B5EF4-FFF2-40B4-BE49-F238E27FC236}">
+                <a16:creationId xmlns:a16="http://schemas.microsoft.com/office/drawing/2014/main" id="{FB79CE37-C3AB-4A78-B4B1-014A10B92A75}"/>
+              </a:ext>
+            </a:extLst>
+          </p:cNvPr>
+          <p:cNvGrpSpPr/>
+          <p:nvPr/>
+        </p:nvGrpSpPr>
+        <p:grpSpPr>
+          <a:xfrm>
+            <a:off x="4349554" y="6442066"/>
+            <a:ext cx="924886" cy="600507"/>
+            <a:chOff x="4088786" y="6545887"/>
+            <a:chExt cx="924886" cy="600507"/>
           </a:xfrm>
         </p:grpSpPr>
         <p:grpSp>
@@ -5464,10 +8892,10 @@
           </p:nvGrpSpPr>
           <p:grpSpPr>
             <a:xfrm rot="5400000">
-              <a:off x="3194336" y="4613509"/>
-              <a:ext cx="452224" cy="1178503"/>
-              <a:chOff x="6767556" y="1357837"/>
-              <a:chExt cx="452224" cy="663456"/>
+              <a:off x="4296120" y="6338553"/>
+              <a:ext cx="510218" cy="924886"/>
+              <a:chOff x="6787662" y="1357838"/>
+              <a:chExt cx="421444" cy="663456"/>
             </a:xfrm>
           </p:grpSpPr>
           <p:sp>
@@ -5484,8 +8912,8 @@
             </p:nvSpPr>
             <p:spPr>
               <a:xfrm rot="16200000">
-                <a:off x="6589717" y="1535676"/>
-                <a:ext cx="663456" cy="307777"/>
+                <a:off x="6583047" y="1562453"/>
+                <a:ext cx="663456" cy="254226"/>
               </a:xfrm>
               <a:prstGeom prst="rect">
                 <a:avLst/>
@@ -5523,8 +8951,8 @@
             </p:nvSpPr>
             <p:spPr>
               <a:xfrm rot="16200000">
-                <a:off x="6765438" y="1486294"/>
-                <a:ext cx="497384" cy="411301"/>
+                <a:off x="6695841" y="1488157"/>
+                <a:ext cx="615229" cy="411301"/>
               </a:xfrm>
               <a:prstGeom prst="roundRect">
                 <a:avLst>
@@ -5566,10 +8994,10 @@
         </p:grpSp>
         <p:grpSp>
           <p:nvGrpSpPr>
-            <p:cNvPr id="16" name="Grupo 15">
+            <p:cNvPr id="111" name="Grupo 110">
               <a:extLst>
                 <a:ext uri="{FF2B5EF4-FFF2-40B4-BE49-F238E27FC236}">
-                  <a16:creationId xmlns:a16="http://schemas.microsoft.com/office/drawing/2014/main" id="{380D7089-0A3A-405B-B82A-D402D311388A}"/>
+                  <a16:creationId xmlns:a16="http://schemas.microsoft.com/office/drawing/2014/main" id="{45CE5621-F721-4827-9D1C-34B7D31ABDBE}"/>
                 </a:ext>
               </a:extLst>
             </p:cNvPr>
@@ -5578,309 +9006,289 @@
           </p:nvGrpSpPr>
           <p:grpSpPr>
             <a:xfrm>
-              <a:off x="3279485" y="5226869"/>
-              <a:ext cx="281927" cy="146591"/>
-              <a:chOff x="3163145" y="5226869"/>
-              <a:chExt cx="281927" cy="146591"/>
+              <a:off x="4126628" y="6684728"/>
+              <a:ext cx="849203" cy="461666"/>
+              <a:chOff x="3008772" y="5069331"/>
+              <a:chExt cx="849203" cy="461666"/>
             </a:xfrm>
           </p:grpSpPr>
-          <p:sp>
-            <p:nvSpPr>
-              <p:cNvPr id="9" name="Arco 8">
+          <p:grpSp>
+            <p:nvGrpSpPr>
+              <p:cNvPr id="113" name="Grupo 112">
                 <a:extLst>
                   <a:ext uri="{FF2B5EF4-FFF2-40B4-BE49-F238E27FC236}">
-                    <a16:creationId xmlns:a16="http://schemas.microsoft.com/office/drawing/2014/main" id="{CED014A4-C42B-4726-90A4-8A4D76DD5299}"/>
+                    <a16:creationId xmlns:a16="http://schemas.microsoft.com/office/drawing/2014/main" id="{C688D9B8-CCA8-4363-A909-42CBD3BB6368}"/>
                   </a:ext>
                 </a:extLst>
               </p:cNvPr>
-              <p:cNvSpPr/>
+              <p:cNvGrpSpPr/>
+              <p:nvPr/>
+            </p:nvGrpSpPr>
+            <p:grpSpPr>
+              <a:xfrm>
+                <a:off x="3279485" y="5226869"/>
+                <a:ext cx="281927" cy="146591"/>
+                <a:chOff x="3163145" y="5226869"/>
+                <a:chExt cx="281927" cy="146591"/>
+              </a:xfrm>
+            </p:grpSpPr>
+            <p:sp>
+              <p:nvSpPr>
+                <p:cNvPr id="116" name="Arco 115">
+                  <a:extLst>
+                    <a:ext uri="{FF2B5EF4-FFF2-40B4-BE49-F238E27FC236}">
+                      <a16:creationId xmlns:a16="http://schemas.microsoft.com/office/drawing/2014/main" id="{790C76D5-240E-43B3-AAC1-C802EE867EB4}"/>
+                    </a:ext>
+                  </a:extLst>
+                </p:cNvPr>
+                <p:cNvSpPr/>
+                <p:nvPr/>
+              </p:nvSpPr>
+              <p:spPr>
+                <a:xfrm>
+                  <a:off x="3244569" y="5226869"/>
+                  <a:ext cx="147448" cy="146591"/>
+                </a:xfrm>
+                <a:prstGeom prst="arc">
+                  <a:avLst>
+                    <a:gd name="adj1" fmla="val 5516556"/>
+                    <a:gd name="adj2" fmla="val 16386172"/>
+                  </a:avLst>
+                </a:prstGeom>
+                <a:ln w="38100"/>
+              </p:spPr>
+              <p:style>
+                <a:lnRef idx="3">
+                  <a:schemeClr val="dk1"/>
+                </a:lnRef>
+                <a:fillRef idx="0">
+                  <a:schemeClr val="dk1"/>
+                </a:fillRef>
+                <a:effectRef idx="2">
+                  <a:schemeClr val="dk1"/>
+                </a:effectRef>
+                <a:fontRef idx="minor">
+                  <a:schemeClr val="tx1"/>
+                </a:fontRef>
+              </p:style>
+              <p:txBody>
+                <a:bodyPr rtlCol="0" anchor="ctr"/>
+                <a:lstStyle/>
+                <a:p>
+                  <a:pPr algn="ctr"/>
+                  <a:endParaRPr lang="es-ES"/>
+                </a:p>
+              </p:txBody>
+            </p:sp>
+            <p:cxnSp>
+              <p:nvCxnSpPr>
+                <p:cNvPr id="117" name="Conector recto 116">
+                  <a:extLst>
+                    <a:ext uri="{FF2B5EF4-FFF2-40B4-BE49-F238E27FC236}">
+                      <a16:creationId xmlns:a16="http://schemas.microsoft.com/office/drawing/2014/main" id="{135AE6D3-A1F8-428A-9457-DE216B1A2629}"/>
+                    </a:ext>
+                  </a:extLst>
+                </p:cNvPr>
+                <p:cNvCxnSpPr>
+                  <a:cxnSpLocks/>
+                </p:cNvCxnSpPr>
+                <p:nvPr/>
+              </p:nvCxnSpPr>
+              <p:spPr>
+                <a:xfrm flipH="1">
+                  <a:off x="3163145" y="5300164"/>
+                  <a:ext cx="101931" cy="0"/>
+                </a:xfrm>
+                <a:prstGeom prst="line">
+                  <a:avLst/>
+                </a:prstGeom>
+                <a:ln w="38100"/>
+              </p:spPr>
+              <p:style>
+                <a:lnRef idx="3">
+                  <a:schemeClr val="dk1"/>
+                </a:lnRef>
+                <a:fillRef idx="0">
+                  <a:schemeClr val="dk1"/>
+                </a:fillRef>
+                <a:effectRef idx="2">
+                  <a:schemeClr val="dk1"/>
+                </a:effectRef>
+                <a:fontRef idx="minor">
+                  <a:schemeClr val="tx1"/>
+                </a:fontRef>
+              </p:style>
+            </p:cxnSp>
+            <p:cxnSp>
+              <p:nvCxnSpPr>
+                <p:cNvPr id="118" name="Conector recto 117">
+                  <a:extLst>
+                    <a:ext uri="{FF2B5EF4-FFF2-40B4-BE49-F238E27FC236}">
+                      <a16:creationId xmlns:a16="http://schemas.microsoft.com/office/drawing/2014/main" id="{E4BD61A7-4B40-48A1-8890-3CEB442B5707}"/>
+                    </a:ext>
+                  </a:extLst>
+                </p:cNvPr>
+                <p:cNvCxnSpPr>
+                  <a:cxnSpLocks/>
+                </p:cNvCxnSpPr>
+                <p:nvPr/>
+              </p:nvCxnSpPr>
+              <p:spPr>
+                <a:xfrm flipH="1">
+                  <a:off x="3343141" y="5300164"/>
+                  <a:ext cx="101931" cy="0"/>
+                </a:xfrm>
+                <a:prstGeom prst="line">
+                  <a:avLst/>
+                </a:prstGeom>
+                <a:ln w="38100"/>
+              </p:spPr>
+              <p:style>
+                <a:lnRef idx="3">
+                  <a:schemeClr val="dk1"/>
+                </a:lnRef>
+                <a:fillRef idx="0">
+                  <a:schemeClr val="dk1"/>
+                </a:fillRef>
+                <a:effectRef idx="2">
+                  <a:schemeClr val="dk1"/>
+                </a:effectRef>
+                <a:fontRef idx="minor">
+                  <a:schemeClr val="tx1"/>
+                </a:fontRef>
+              </p:style>
+            </p:cxnSp>
+            <p:sp>
+              <p:nvSpPr>
+                <p:cNvPr id="119" name="Elipse 118">
+                  <a:extLst>
+                    <a:ext uri="{FF2B5EF4-FFF2-40B4-BE49-F238E27FC236}">
+                      <a16:creationId xmlns:a16="http://schemas.microsoft.com/office/drawing/2014/main" id="{B549747E-50D8-492E-BF26-C8FBEBA0FBD4}"/>
+                    </a:ext>
+                  </a:extLst>
+                </p:cNvPr>
+                <p:cNvSpPr/>
+                <p:nvPr/>
+              </p:nvSpPr>
+              <p:spPr>
+                <a:xfrm>
+                  <a:off x="3299295" y="5277304"/>
+                  <a:ext cx="45720" cy="45720"/>
+                </a:xfrm>
+                <a:prstGeom prst="ellipse">
+                  <a:avLst/>
+                </a:prstGeom>
+              </p:spPr>
+              <p:style>
+                <a:lnRef idx="2">
+                  <a:schemeClr val="dk1">
+                    <a:shade val="50000"/>
+                  </a:schemeClr>
+                </a:lnRef>
+                <a:fillRef idx="1">
+                  <a:schemeClr val="dk1"/>
+                </a:fillRef>
+                <a:effectRef idx="0">
+                  <a:schemeClr val="dk1"/>
+                </a:effectRef>
+                <a:fontRef idx="minor">
+                  <a:schemeClr val="lt1"/>
+                </a:fontRef>
+              </p:style>
+              <p:txBody>
+                <a:bodyPr rtlCol="0" anchor="ctr"/>
+                <a:lstStyle/>
+                <a:p>
+                  <a:pPr algn="ctr"/>
+                  <a:endParaRPr lang="es-ES"/>
+                </a:p>
+              </p:txBody>
+            </p:sp>
+          </p:grpSp>
+          <p:sp>
+            <p:nvSpPr>
+              <p:cNvPr id="114" name="CuadroTexto 113">
+                <a:extLst>
+                  <a:ext uri="{FF2B5EF4-FFF2-40B4-BE49-F238E27FC236}">
+                    <a16:creationId xmlns:a16="http://schemas.microsoft.com/office/drawing/2014/main" id="{9DBB2D3A-10D0-4085-8B68-FCABB308A22D}"/>
+                  </a:ext>
+                </a:extLst>
+              </p:cNvPr>
+              <p:cNvSpPr txBox="1"/>
               <p:nvPr/>
             </p:nvSpPr>
             <p:spPr>
-              <a:xfrm>
-                <a:off x="3244569" y="5226869"/>
-                <a:ext cx="147448" cy="146591"/>
+              <a:xfrm rot="10800000">
+                <a:off x="3008772" y="5069332"/>
+                <a:ext cx="308291" cy="461665"/>
               </a:xfrm>
-              <a:prstGeom prst="arc">
-                <a:avLst>
-                  <a:gd name="adj1" fmla="val 5516556"/>
-                  <a:gd name="adj2" fmla="val 16386172"/>
-                </a:avLst>
+              <a:prstGeom prst="rect">
+                <a:avLst/>
               </a:prstGeom>
-              <a:ln w="38100"/>
+              <a:noFill/>
             </p:spPr>
-            <p:style>
-              <a:lnRef idx="3">
-                <a:schemeClr val="dk1"/>
-              </a:lnRef>
-              <a:fillRef idx="0">
-                <a:schemeClr val="dk1"/>
-              </a:fillRef>
-              <a:effectRef idx="2">
-                <a:schemeClr val="dk1"/>
-              </a:effectRef>
-              <a:fontRef idx="minor">
-                <a:schemeClr val="tx1"/>
-              </a:fontRef>
-            </p:style>
             <p:txBody>
-              <a:bodyPr rtlCol="0" anchor="ctr"/>
+              <a:bodyPr wrap="square">
+                <a:spAutoFit/>
+              </a:bodyPr>
               <a:lstStyle/>
               <a:p>
-                <a:pPr algn="ctr"/>
-                <a:endParaRPr lang="es-ES"/>
+                <a:r>
+                  <a:rPr lang="es-ES" sz="2400" dirty="0">
+                    <a:latin typeface="Audiowide" panose="02000503000000020004" pitchFamily="2" charset="0"/>
+                  </a:rPr>
+                  <a:t>-</a:t>
+                </a:r>
+                <a:endParaRPr lang="es-ES" sz="2400" dirty="0"/>
               </a:p>
             </p:txBody>
           </p:sp>
-          <p:cxnSp>
-            <p:nvCxnSpPr>
-              <p:cNvPr id="11" name="Conector recto 10">
+          <p:sp>
+            <p:nvSpPr>
+              <p:cNvPr id="115" name="CuadroTexto 114">
                 <a:extLst>
                   <a:ext uri="{FF2B5EF4-FFF2-40B4-BE49-F238E27FC236}">
-                    <a16:creationId xmlns:a16="http://schemas.microsoft.com/office/drawing/2014/main" id="{C9A35D28-D021-443A-8292-630DDC4035A4}"/>
+                    <a16:creationId xmlns:a16="http://schemas.microsoft.com/office/drawing/2014/main" id="{0EDC234C-55FF-400B-AF44-EDD875387DED}"/>
                   </a:ext>
                 </a:extLst>
               </p:cNvPr>
-              <p:cNvCxnSpPr>
-                <a:cxnSpLocks/>
-              </p:cNvCxnSpPr>
-              <p:nvPr/>
-            </p:nvCxnSpPr>
-            <p:spPr>
-              <a:xfrm flipH="1">
-                <a:off x="3163145" y="5300164"/>
-                <a:ext cx="101931" cy="0"/>
-              </a:xfrm>
-              <a:prstGeom prst="line">
-                <a:avLst/>
-              </a:prstGeom>
-              <a:ln w="38100"/>
-            </p:spPr>
-            <p:style>
-              <a:lnRef idx="3">
-                <a:schemeClr val="dk1"/>
-              </a:lnRef>
-              <a:fillRef idx="0">
-                <a:schemeClr val="dk1"/>
-              </a:fillRef>
-              <a:effectRef idx="2">
-                <a:schemeClr val="dk1"/>
-              </a:effectRef>
-              <a:fontRef idx="minor">
-                <a:schemeClr val="tx1"/>
-              </a:fontRef>
-            </p:style>
-          </p:cxnSp>
-          <p:cxnSp>
-            <p:nvCxnSpPr>
-              <p:cNvPr id="83" name="Conector recto 82">
-                <a:extLst>
-                  <a:ext uri="{FF2B5EF4-FFF2-40B4-BE49-F238E27FC236}">
-                    <a16:creationId xmlns:a16="http://schemas.microsoft.com/office/drawing/2014/main" id="{7F0C9961-BB62-4278-BC36-3E0A918B9C8A}"/>
-                  </a:ext>
-                </a:extLst>
-              </p:cNvPr>
-              <p:cNvCxnSpPr>
-                <a:cxnSpLocks/>
-              </p:cNvCxnSpPr>
-              <p:nvPr/>
-            </p:nvCxnSpPr>
-            <p:spPr>
-              <a:xfrm flipH="1">
-                <a:off x="3343141" y="5300164"/>
-                <a:ext cx="101931" cy="0"/>
-              </a:xfrm>
-              <a:prstGeom prst="line">
-                <a:avLst/>
-              </a:prstGeom>
-              <a:ln w="38100"/>
-            </p:spPr>
-            <p:style>
-              <a:lnRef idx="3">
-                <a:schemeClr val="dk1"/>
-              </a:lnRef>
-              <a:fillRef idx="0">
-                <a:schemeClr val="dk1"/>
-              </a:fillRef>
-              <a:effectRef idx="2">
-                <a:schemeClr val="dk1"/>
-              </a:effectRef>
-              <a:fontRef idx="minor">
-                <a:schemeClr val="tx1"/>
-              </a:fontRef>
-            </p:style>
-          </p:cxnSp>
-          <p:sp>
-            <p:nvSpPr>
-              <p:cNvPr id="15" name="Elipse 14">
-                <a:extLst>
-                  <a:ext uri="{FF2B5EF4-FFF2-40B4-BE49-F238E27FC236}">
-                    <a16:creationId xmlns:a16="http://schemas.microsoft.com/office/drawing/2014/main" id="{7F10570C-E437-48F8-ADC0-E9A54C284F87}"/>
-                  </a:ext>
-                </a:extLst>
-              </p:cNvPr>
-              <p:cNvSpPr/>
+              <p:cNvSpPr txBox="1"/>
               <p:nvPr/>
             </p:nvSpPr>
             <p:spPr>
-              <a:xfrm>
-                <a:off x="3299295" y="5277304"/>
-                <a:ext cx="45720" cy="45720"/>
+              <a:xfrm rot="10800000">
+                <a:off x="3549684" y="5069331"/>
+                <a:ext cx="308291" cy="461665"/>
               </a:xfrm>
-              <a:prstGeom prst="ellipse">
+              <a:prstGeom prst="rect">
                 <a:avLst/>
               </a:prstGeom>
+              <a:noFill/>
             </p:spPr>
-            <p:style>
-              <a:lnRef idx="2">
-                <a:schemeClr val="dk1">
-                  <a:shade val="50000"/>
-                </a:schemeClr>
-              </a:lnRef>
-              <a:fillRef idx="1">
-                <a:schemeClr val="dk1"/>
-              </a:fillRef>
-              <a:effectRef idx="0">
-                <a:schemeClr val="dk1"/>
-              </a:effectRef>
-              <a:fontRef idx="minor">
-                <a:schemeClr val="lt1"/>
-              </a:fontRef>
-            </p:style>
             <p:txBody>
-              <a:bodyPr rtlCol="0" anchor="ctr"/>
+              <a:bodyPr wrap="square">
+                <a:spAutoFit/>
+              </a:bodyPr>
               <a:lstStyle/>
               <a:p>
-                <a:pPr algn="ctr"/>
-                <a:endParaRPr lang="es-ES"/>
+                <a:r>
+                  <a:rPr lang="es-ES" sz="2400" dirty="0">
+                    <a:latin typeface="Audiowide" panose="02000503000000020004" pitchFamily="2" charset="0"/>
+                  </a:rPr>
+                  <a:t>+</a:t>
+                </a:r>
+                <a:endParaRPr lang="es-ES" sz="2400" dirty="0"/>
               </a:p>
             </p:txBody>
           </p:sp>
         </p:grpSp>
-        <p:sp>
-          <p:nvSpPr>
-            <p:cNvPr id="86" name="CuadroTexto 85">
-              <a:extLst>
-                <a:ext uri="{FF2B5EF4-FFF2-40B4-BE49-F238E27FC236}">
-                  <a16:creationId xmlns:a16="http://schemas.microsoft.com/office/drawing/2014/main" id="{83C8CD24-553C-4095-B4B1-B9CED5931882}"/>
-                </a:ext>
-              </a:extLst>
-            </p:cNvPr>
-            <p:cNvSpPr txBox="1"/>
-            <p:nvPr/>
-          </p:nvSpPr>
-          <p:spPr>
-            <a:xfrm rot="10800000">
-              <a:off x="3008772" y="5069332"/>
-              <a:ext cx="308291" cy="461665"/>
-            </a:xfrm>
-            <a:prstGeom prst="rect">
-              <a:avLst/>
-            </a:prstGeom>
-            <a:noFill/>
-          </p:spPr>
-          <p:txBody>
-            <a:bodyPr wrap="square">
-              <a:spAutoFit/>
-            </a:bodyPr>
-            <a:lstStyle/>
-            <a:p>
-              <a:r>
-                <a:rPr lang="es-ES" sz="2400" dirty="0">
-                  <a:latin typeface="Audiowide" panose="02000503000000020004" pitchFamily="2" charset="0"/>
-                </a:rPr>
-                <a:t>-</a:t>
-              </a:r>
-              <a:endParaRPr lang="es-ES" sz="2400" dirty="0"/>
-            </a:p>
-          </p:txBody>
-        </p:sp>
-        <p:sp>
-          <p:nvSpPr>
-            <p:cNvPr id="87" name="CuadroTexto 86">
-              <a:extLst>
-                <a:ext uri="{FF2B5EF4-FFF2-40B4-BE49-F238E27FC236}">
-                  <a16:creationId xmlns:a16="http://schemas.microsoft.com/office/drawing/2014/main" id="{3367B3E2-1ED0-487A-A134-6E09147E6EC7}"/>
-                </a:ext>
-              </a:extLst>
-            </p:cNvPr>
-            <p:cNvSpPr txBox="1"/>
-            <p:nvPr/>
-          </p:nvSpPr>
-          <p:spPr>
-            <a:xfrm rot="10800000">
-              <a:off x="3549684" y="5069331"/>
-              <a:ext cx="308291" cy="461665"/>
-            </a:xfrm>
-            <a:prstGeom prst="rect">
-              <a:avLst/>
-            </a:prstGeom>
-            <a:noFill/>
-          </p:spPr>
-          <p:txBody>
-            <a:bodyPr wrap="square">
-              <a:spAutoFit/>
-            </a:bodyPr>
-            <a:lstStyle/>
-            <a:p>
-              <a:r>
-                <a:rPr lang="es-ES" sz="2400" dirty="0">
-                  <a:latin typeface="Audiowide" panose="02000503000000020004" pitchFamily="2" charset="0"/>
-                </a:rPr>
-                <a:t>+</a:t>
-              </a:r>
-              <a:endParaRPr lang="es-ES" sz="2400" dirty="0"/>
-            </a:p>
-          </p:txBody>
-        </p:sp>
       </p:grpSp>
-      <p:cxnSp>
-        <p:nvCxnSpPr>
-          <p:cNvPr id="21" name="Conector recto de flecha 20">
+      <p:grpSp>
+        <p:nvGrpSpPr>
+          <p:cNvPr id="12" name="Grupo 11">
             <a:extLst>
               <a:ext uri="{FF2B5EF4-FFF2-40B4-BE49-F238E27FC236}">
-                <a16:creationId xmlns:a16="http://schemas.microsoft.com/office/drawing/2014/main" id="{0644FB3D-9870-4FE5-BD2C-FAB3D8396306}"/>
-              </a:ext>
-            </a:extLst>
-          </p:cNvPr>
-          <p:cNvCxnSpPr>
-            <a:cxnSpLocks/>
-          </p:cNvCxnSpPr>
-          <p:nvPr/>
-        </p:nvCxnSpPr>
-        <p:spPr>
-          <a:xfrm>
-            <a:off x="5286777" y="6203381"/>
-            <a:ext cx="365877" cy="0"/>
-          </a:xfrm>
-          <a:prstGeom prst="straightConnector1">
-            <a:avLst/>
-          </a:prstGeom>
-          <a:ln w="57150">
-            <a:tailEnd type="triangle"/>
-          </a:ln>
-        </p:spPr>
-        <p:style>
-          <a:lnRef idx="3">
-            <a:schemeClr val="dk1"/>
-          </a:lnRef>
-          <a:fillRef idx="0">
-            <a:schemeClr val="dk1"/>
-          </a:fillRef>
-          <a:effectRef idx="2">
-            <a:schemeClr val="dk1"/>
-          </a:effectRef>
-          <a:fontRef idx="minor">
-            <a:schemeClr val="tx1"/>
-          </a:fontRef>
-        </p:style>
-      </p:cxnSp>
-      <p:grpSp>
-        <p:nvGrpSpPr>
-          <p:cNvPr id="101" name="Grupo 100">
-            <a:extLst>
-              <a:ext uri="{FF2B5EF4-FFF2-40B4-BE49-F238E27FC236}">
-                <a16:creationId xmlns:a16="http://schemas.microsoft.com/office/drawing/2014/main" id="{BEEC96F9-A7B2-4CA6-892C-5FCCCDE08445}"/>
+                <a16:creationId xmlns:a16="http://schemas.microsoft.com/office/drawing/2014/main" id="{EF9A6553-B171-4F0A-BF7C-97D917E3A957}"/>
               </a:ext>
             </a:extLst>
           </p:cNvPr>
@@ -5889,138 +9297,18 @@
         </p:nvGrpSpPr>
         <p:grpSpPr>
           <a:xfrm>
-            <a:off x="2117879" y="2286580"/>
-            <a:ext cx="1295044" cy="276999"/>
-            <a:chOff x="4710367" y="3321871"/>
-            <a:chExt cx="870247" cy="168337"/>
+            <a:off x="5466786" y="459802"/>
+            <a:ext cx="873803" cy="276999"/>
+            <a:chOff x="5588706" y="467422"/>
+            <a:chExt cx="873803" cy="276999"/>
           </a:xfrm>
         </p:grpSpPr>
         <p:sp>
           <p:nvSpPr>
-            <p:cNvPr id="102" name="Rectángulo: esquinas redondeadas 101">
+            <p:cNvPr id="228" name="CuadroTexto 227">
               <a:extLst>
                 <a:ext uri="{FF2B5EF4-FFF2-40B4-BE49-F238E27FC236}">
-                  <a16:creationId xmlns:a16="http://schemas.microsoft.com/office/drawing/2014/main" id="{0A2FA0B6-2D3E-4E88-BEBB-BAE6B35E0176}"/>
-                </a:ext>
-              </a:extLst>
-            </p:cNvPr>
-            <p:cNvSpPr/>
-            <p:nvPr/>
-          </p:nvSpPr>
-          <p:spPr>
-            <a:xfrm>
-              <a:off x="4711030" y="3332052"/>
-              <a:ext cx="832807" cy="147974"/>
-            </a:xfrm>
-            <a:prstGeom prst="roundRect">
-              <a:avLst>
-                <a:gd name="adj" fmla="val 50000"/>
-              </a:avLst>
-            </a:prstGeom>
-            <a:solidFill>
-              <a:schemeClr val="tx1"/>
-            </a:solidFill>
-            <a:ln w="12700">
-              <a:solidFill>
-                <a:schemeClr val="tx1"/>
-              </a:solidFill>
-            </a:ln>
-          </p:spPr>
-          <p:style>
-            <a:lnRef idx="2">
-              <a:schemeClr val="accent1">
-                <a:shade val="50000"/>
-              </a:schemeClr>
-            </a:lnRef>
-            <a:fillRef idx="1">
-              <a:schemeClr val="accent1"/>
-            </a:fillRef>
-            <a:effectRef idx="0">
-              <a:schemeClr val="accent1"/>
-            </a:effectRef>
-            <a:fontRef idx="minor">
-              <a:schemeClr val="lt1"/>
-            </a:fontRef>
-          </p:style>
-          <p:txBody>
-            <a:bodyPr rtlCol="0" anchor="ctr"/>
-            <a:lstStyle/>
-            <a:p>
-              <a:pPr algn="r"/>
-              <a:endParaRPr lang="es-ES" sz="3600" dirty="0"/>
-            </a:p>
-          </p:txBody>
-        </p:sp>
-        <p:sp>
-          <p:nvSpPr>
-            <p:cNvPr id="103" name="Rectángulo: esquinas redondeadas 102">
-              <a:extLst>
-                <a:ext uri="{FF2B5EF4-FFF2-40B4-BE49-F238E27FC236}">
-                  <a16:creationId xmlns:a16="http://schemas.microsoft.com/office/drawing/2014/main" id="{2F071837-7B80-4560-97D4-B90CD2E71E9B}"/>
-                </a:ext>
-              </a:extLst>
-            </p:cNvPr>
-            <p:cNvSpPr/>
-            <p:nvPr/>
-          </p:nvSpPr>
-          <p:spPr>
-            <a:xfrm>
-              <a:off x="4710367" y="3332052"/>
-              <a:ext cx="591908" cy="147974"/>
-            </a:xfrm>
-            <a:prstGeom prst="roundRect">
-              <a:avLst>
-                <a:gd name="adj" fmla="val 50000"/>
-              </a:avLst>
-            </a:prstGeom>
-            <a:solidFill>
-              <a:schemeClr val="bg1"/>
-            </a:solidFill>
-            <a:ln w="12700">
-              <a:solidFill>
-                <a:schemeClr val="tx1"/>
-              </a:solidFill>
-            </a:ln>
-          </p:spPr>
-          <p:style>
-            <a:lnRef idx="2">
-              <a:schemeClr val="accent1">
-                <a:shade val="50000"/>
-              </a:schemeClr>
-            </a:lnRef>
-            <a:fillRef idx="1">
-              <a:schemeClr val="accent1"/>
-            </a:fillRef>
-            <a:effectRef idx="0">
-              <a:schemeClr val="accent1"/>
-            </a:effectRef>
-            <a:fontRef idx="minor">
-              <a:schemeClr val="lt1"/>
-            </a:fontRef>
-          </p:style>
-          <p:txBody>
-            <a:bodyPr lIns="0" rIns="0" rtlCol="0" anchor="ctr"/>
-            <a:lstStyle/>
-            <a:p>
-              <a:pPr algn="ctr"/>
-              <a:r>
-                <a:rPr lang="es-ES" sz="1400" dirty="0">
-                  <a:solidFill>
-                    <a:schemeClr val="tx1"/>
-                  </a:solidFill>
-                  <a:latin typeface="Audiowide" panose="02000503000000020004" pitchFamily="2" charset="0"/>
-                </a:rPr>
-                <a:t>Input</a:t>
-              </a:r>
-            </a:p>
-          </p:txBody>
-        </p:sp>
-        <p:sp>
-          <p:nvSpPr>
-            <p:cNvPr id="104" name="CuadroTexto 103">
-              <a:extLst>
-                <a:ext uri="{FF2B5EF4-FFF2-40B4-BE49-F238E27FC236}">
-                  <a16:creationId xmlns:a16="http://schemas.microsoft.com/office/drawing/2014/main" id="{0A16C485-C825-47F6-BAC7-193C7A838638}"/>
+                  <a16:creationId xmlns:a16="http://schemas.microsoft.com/office/drawing/2014/main" id="{73E5EA14-2F06-456B-8CB6-2AAB092C1EDA}"/>
                 </a:ext>
               </a:extLst>
             </p:cNvPr>
@@ -6029,8 +9317,8 @@
           </p:nvSpPr>
           <p:spPr>
             <a:xfrm>
-              <a:off x="5288917" y="3321871"/>
-              <a:ext cx="291697" cy="168337"/>
+              <a:off x="5588706" y="467422"/>
+              <a:ext cx="707735" cy="276999"/>
             </a:xfrm>
             <a:prstGeom prst="rect">
               <a:avLst/>
@@ -6038,196 +9326,68 @@
             <a:noFill/>
           </p:spPr>
           <p:txBody>
-            <a:bodyPr wrap="square">
+            <a:bodyPr wrap="square" rtlCol="0">
               <a:spAutoFit/>
             </a:bodyPr>
             <a:lstStyle/>
             <a:p>
               <a:r>
                 <a:rPr lang="es-ES" sz="1200" dirty="0">
-                  <a:solidFill>
-                    <a:schemeClr val="bg1"/>
-                  </a:solidFill>
                   <a:latin typeface="Audiowide" panose="02000503000000020004" pitchFamily="2" charset="0"/>
                 </a:rPr>
-                <a:t>22</a:t>
+                <a:t>Flash</a:t>
               </a:r>
             </a:p>
           </p:txBody>
         </p:sp>
+        <p:cxnSp>
+          <p:nvCxnSpPr>
+            <p:cNvPr id="122" name="Conector recto de flecha 121">
+              <a:extLst>
+                <a:ext uri="{FF2B5EF4-FFF2-40B4-BE49-F238E27FC236}">
+                  <a16:creationId xmlns:a16="http://schemas.microsoft.com/office/drawing/2014/main" id="{4AE55677-41DD-4B1B-979F-F088261630C8}"/>
+                </a:ext>
+              </a:extLst>
+            </p:cNvPr>
+            <p:cNvCxnSpPr>
+              <a:cxnSpLocks/>
+            </p:cNvCxnSpPr>
+            <p:nvPr/>
+          </p:nvCxnSpPr>
+          <p:spPr>
+            <a:xfrm>
+              <a:off x="6197381" y="605921"/>
+              <a:ext cx="265128" cy="701"/>
+            </a:xfrm>
+            <a:prstGeom prst="straightConnector1">
+              <a:avLst/>
+            </a:prstGeom>
+            <a:ln w="38100">
+              <a:tailEnd type="triangle"/>
+            </a:ln>
+          </p:spPr>
+          <p:style>
+            <a:lnRef idx="3">
+              <a:schemeClr val="dk1"/>
+            </a:lnRef>
+            <a:fillRef idx="0">
+              <a:schemeClr val="dk1"/>
+            </a:fillRef>
+            <a:effectRef idx="2">
+              <a:schemeClr val="dk1"/>
+            </a:effectRef>
+            <a:fontRef idx="minor">
+              <a:schemeClr val="tx1"/>
+            </a:fontRef>
+          </p:style>
+        </p:cxnSp>
       </p:grpSp>
-      <p:sp>
-        <p:nvSpPr>
-          <p:cNvPr id="105" name="CuadroTexto 104">
+      <p:grpSp>
+        <p:nvGrpSpPr>
+          <p:cNvPr id="123" name="Grupo 122">
             <a:extLst>
               <a:ext uri="{FF2B5EF4-FFF2-40B4-BE49-F238E27FC236}">
-                <a16:creationId xmlns:a16="http://schemas.microsoft.com/office/drawing/2014/main" id="{B8D25AB6-A187-486A-988D-1C022E0AB92F}"/>
-              </a:ext>
-            </a:extLst>
-          </p:cNvPr>
-          <p:cNvSpPr txBox="1"/>
-          <p:nvPr/>
-        </p:nvSpPr>
-        <p:spPr>
-          <a:xfrm>
-            <a:off x="1492548" y="1016083"/>
-            <a:ext cx="1113806" cy="369332"/>
-          </a:xfrm>
-          <a:prstGeom prst="rect">
-            <a:avLst/>
-          </a:prstGeom>
-          <a:noFill/>
-        </p:spPr>
-        <p:txBody>
-          <a:bodyPr wrap="square" rtlCol="0">
-            <a:spAutoFit/>
-          </a:bodyPr>
-          <a:lstStyle/>
-          <a:p>
-            <a:r>
-              <a:rPr lang="es-ES" b="1" dirty="0" err="1">
-                <a:latin typeface="Audiowide" panose="02000503000000020004" pitchFamily="2" charset="0"/>
-              </a:rPr>
-              <a:t>Button</a:t>
-            </a:r>
-            <a:endParaRPr lang="es-ES" b="1" dirty="0">
-              <a:latin typeface="Audiowide" panose="02000503000000020004" pitchFamily="2" charset="0"/>
-            </a:endParaRPr>
-          </a:p>
-        </p:txBody>
-      </p:sp>
-      <p:sp>
-        <p:nvSpPr>
-          <p:cNvPr id="106" name="CuadroTexto 105">
-            <a:extLst>
-              <a:ext uri="{FF2B5EF4-FFF2-40B4-BE49-F238E27FC236}">
-                <a16:creationId xmlns:a16="http://schemas.microsoft.com/office/drawing/2014/main" id="{DC2DF69B-E1C4-4061-B2AC-36421F0B9DAC}"/>
-              </a:ext>
-            </a:extLst>
-          </p:cNvPr>
-          <p:cNvSpPr txBox="1"/>
-          <p:nvPr/>
-        </p:nvSpPr>
-        <p:spPr>
-          <a:xfrm rot="10800000">
-            <a:off x="3125339" y="-20257"/>
-            <a:ext cx="308291" cy="461665"/>
-          </a:xfrm>
-          <a:prstGeom prst="rect">
-            <a:avLst/>
-          </a:prstGeom>
-          <a:noFill/>
-        </p:spPr>
-        <p:txBody>
-          <a:bodyPr wrap="square">
-            <a:spAutoFit/>
-          </a:bodyPr>
-          <a:lstStyle/>
-          <a:p>
-            <a:r>
-              <a:rPr lang="es-ES" sz="2400" dirty="0">
-                <a:latin typeface="Audiowide" panose="02000503000000020004" pitchFamily="2" charset="0"/>
-              </a:rPr>
-              <a:t>+</a:t>
-            </a:r>
-            <a:endParaRPr lang="es-ES" sz="2400" dirty="0"/>
-          </a:p>
-        </p:txBody>
-      </p:sp>
-      <p:sp>
-        <p:nvSpPr>
-          <p:cNvPr id="107" name="CuadroTexto 106">
-            <a:extLst>
-              <a:ext uri="{FF2B5EF4-FFF2-40B4-BE49-F238E27FC236}">
-                <a16:creationId xmlns:a16="http://schemas.microsoft.com/office/drawing/2014/main" id="{E776601B-9F01-4C19-8394-AF11F010D2DE}"/>
-              </a:ext>
-            </a:extLst>
-          </p:cNvPr>
-          <p:cNvSpPr txBox="1"/>
-          <p:nvPr/>
-        </p:nvSpPr>
-        <p:spPr>
-          <a:xfrm rot="10800000">
-            <a:off x="3790610" y="-20258"/>
-            <a:ext cx="308291" cy="461665"/>
-          </a:xfrm>
-          <a:prstGeom prst="rect">
-            <a:avLst/>
-          </a:prstGeom>
-          <a:noFill/>
-        </p:spPr>
-        <p:txBody>
-          <a:bodyPr wrap="square">
-            <a:spAutoFit/>
-          </a:bodyPr>
-          <a:lstStyle/>
-          <a:p>
-            <a:r>
-              <a:rPr lang="es-ES" sz="2400" dirty="0">
-                <a:latin typeface="Audiowide" panose="02000503000000020004" pitchFamily="2" charset="0"/>
-              </a:rPr>
-              <a:t>-</a:t>
-            </a:r>
-            <a:endParaRPr lang="es-ES" sz="2400" dirty="0"/>
-          </a:p>
-        </p:txBody>
-      </p:sp>
-      <p:sp>
-        <p:nvSpPr>
-          <p:cNvPr id="108" name="CuadroTexto 107">
-            <a:extLst>
-              <a:ext uri="{FF2B5EF4-FFF2-40B4-BE49-F238E27FC236}">
-                <a16:creationId xmlns:a16="http://schemas.microsoft.com/office/drawing/2014/main" id="{A815414A-EBFF-4547-AE5A-11AB9444C026}"/>
-              </a:ext>
-            </a:extLst>
-          </p:cNvPr>
-          <p:cNvSpPr txBox="1"/>
-          <p:nvPr/>
-        </p:nvSpPr>
-        <p:spPr>
-          <a:xfrm>
-            <a:off x="-21116" y="2658277"/>
-            <a:ext cx="1113806" cy="584775"/>
-          </a:xfrm>
-          <a:prstGeom prst="rect">
-            <a:avLst/>
-          </a:prstGeom>
-          <a:noFill/>
-        </p:spPr>
-        <p:txBody>
-          <a:bodyPr wrap="square" rtlCol="0">
-            <a:spAutoFit/>
-          </a:bodyPr>
-          <a:lstStyle/>
-          <a:p>
-            <a:pPr algn="ctr"/>
-            <a:r>
-              <a:rPr lang="es-ES" sz="1600" b="1" dirty="0">
-                <a:latin typeface="Audiowide" panose="02000503000000020004" pitchFamily="2" charset="0"/>
-              </a:rPr>
-              <a:t>Ext.</a:t>
-            </a:r>
-          </a:p>
-          <a:p>
-            <a:pPr algn="ctr"/>
-            <a:r>
-              <a:rPr lang="es-ES" sz="1600" b="1" dirty="0" err="1">
-                <a:latin typeface="Audiowide" panose="02000503000000020004" pitchFamily="2" charset="0"/>
-              </a:rPr>
-              <a:t>Button</a:t>
-            </a:r>
-            <a:endParaRPr lang="es-ES" sz="1600" b="1" dirty="0">
-              <a:latin typeface="Audiowide" panose="02000503000000020004" pitchFamily="2" charset="0"/>
-            </a:endParaRPr>
-          </a:p>
-        </p:txBody>
-      </p:sp>
-      <p:grpSp>
-        <p:nvGrpSpPr>
-          <p:cNvPr id="2" name="Grupo 1">
-            <a:extLst>
-              <a:ext uri="{FF2B5EF4-FFF2-40B4-BE49-F238E27FC236}">
-                <a16:creationId xmlns:a16="http://schemas.microsoft.com/office/drawing/2014/main" id="{BF4BE322-8DAE-4D38-8742-B79AACF71CEE}"/>
+                <a16:creationId xmlns:a16="http://schemas.microsoft.com/office/drawing/2014/main" id="{D82BB067-A598-4576-BAF5-F3B89EDAB1E7}"/>
               </a:ext>
             </a:extLst>
           </p:cNvPr>
@@ -6236,18 +9396,18 @@
         </p:nvGrpSpPr>
         <p:grpSpPr>
           <a:xfrm>
-            <a:off x="3303189" y="1440940"/>
-            <a:ext cx="2507398" cy="1090326"/>
-            <a:chOff x="3303189" y="1440940"/>
-            <a:chExt cx="2507398" cy="1090326"/>
+            <a:off x="2411052" y="6291063"/>
+            <a:ext cx="1909488" cy="807509"/>
+            <a:chOff x="3303188" y="1440938"/>
+            <a:chExt cx="2507399" cy="1060362"/>
           </a:xfrm>
         </p:grpSpPr>
         <p:grpSp>
           <p:nvGrpSpPr>
-            <p:cNvPr id="13" name="Grupo 12">
+            <p:cNvPr id="124" name="Grupo 123">
               <a:extLst>
                 <a:ext uri="{FF2B5EF4-FFF2-40B4-BE49-F238E27FC236}">
-                  <a16:creationId xmlns:a16="http://schemas.microsoft.com/office/drawing/2014/main" id="{055F9BCC-BE7E-4440-A691-587144A37216}"/>
+                  <a16:creationId xmlns:a16="http://schemas.microsoft.com/office/drawing/2014/main" id="{E053E29B-DD10-4877-994A-3BEB97BB0604}"/>
                 </a:ext>
               </a:extLst>
             </p:cNvPr>
@@ -6256,18 +9416,18 @@
           </p:nvGrpSpPr>
           <p:grpSpPr>
             <a:xfrm>
-              <a:off x="3303189" y="1440940"/>
-              <a:ext cx="2507398" cy="1090326"/>
-              <a:chOff x="2347408" y="3083453"/>
-              <a:chExt cx="2337767" cy="1034410"/>
+              <a:off x="3303188" y="1440938"/>
+              <a:ext cx="2507399" cy="1060362"/>
+              <a:chOff x="2347407" y="3083453"/>
+              <a:chExt cx="2337768" cy="1005983"/>
             </a:xfrm>
           </p:grpSpPr>
           <p:sp>
             <p:nvSpPr>
-              <p:cNvPr id="46" name="CuadroTexto 45">
+              <p:cNvPr id="126" name="CuadroTexto 125">
                 <a:extLst>
                   <a:ext uri="{FF2B5EF4-FFF2-40B4-BE49-F238E27FC236}">
-                    <a16:creationId xmlns:a16="http://schemas.microsoft.com/office/drawing/2014/main" id="{5D7FA04C-DFEF-4618-8C6A-317F9D0E6025}"/>
+                    <a16:creationId xmlns:a16="http://schemas.microsoft.com/office/drawing/2014/main" id="{A6CFEF85-55DC-4FF4-B5A3-0803BDEEB4EE}"/>
                   </a:ext>
                 </a:extLst>
               </p:cNvPr>
@@ -6276,8 +9436,8 @@
             </p:nvSpPr>
             <p:spPr>
               <a:xfrm>
-                <a:off x="2347408" y="3095889"/>
-                <a:ext cx="1619492" cy="1021974"/>
+                <a:off x="2347407" y="3095889"/>
+                <a:ext cx="1619492" cy="925654"/>
               </a:xfrm>
               <a:prstGeom prst="rect">
                 <a:avLst/>
@@ -6292,18 +9452,18 @@
               <a:p>
                 <a:pPr algn="r"/>
                 <a:r>
-                  <a:rPr lang="es-ES" sz="3200" dirty="0">
+                  <a:rPr lang="es-ES" sz="2400" dirty="0">
                     <a:latin typeface="Audiowide" panose="02000503000000020004" pitchFamily="2" charset="0"/>
                   </a:rPr>
                   <a:t>Smart </a:t>
                 </a:r>
                 <a:r>
-                  <a:rPr lang="es-ES" sz="3200" dirty="0" err="1">
+                  <a:rPr lang="es-ES" sz="2400" dirty="0" err="1">
                     <a:latin typeface="Audiowide" panose="02000503000000020004" pitchFamily="2" charset="0"/>
                   </a:rPr>
                   <a:t>Lights</a:t>
                 </a:r>
-                <a:endParaRPr lang="es-ES" sz="3200" dirty="0">
+                <a:endParaRPr lang="es-ES" sz="2400" dirty="0">
                   <a:latin typeface="Audiowide" panose="02000503000000020004" pitchFamily="2" charset="0"/>
                 </a:endParaRPr>
               </a:p>
@@ -6311,10 +9471,10 @@
           </p:sp>
           <p:pic>
             <p:nvPicPr>
-              <p:cNvPr id="3104" name="Picture 32" descr="Internet and WiFi - Bibliothèques de Martigues">
+              <p:cNvPr id="127" name="Picture 32" descr="Internet and WiFi - Bibliothèques de Martigues">
                 <a:extLst>
                   <a:ext uri="{FF2B5EF4-FFF2-40B4-BE49-F238E27FC236}">
-                    <a16:creationId xmlns:a16="http://schemas.microsoft.com/office/drawing/2014/main" id="{A361A618-93F3-45C0-86B1-95B965794789}"/>
+                    <a16:creationId xmlns:a16="http://schemas.microsoft.com/office/drawing/2014/main" id="{E661A52D-C6A5-4B73-A5A5-7532C377E94F}"/>
                   </a:ext>
                 </a:extLst>
               </p:cNvPr>
@@ -6358,10 +9518,10 @@
           </p:pic>
           <p:pic>
             <p:nvPicPr>
-              <p:cNvPr id="8" name="Imagen 7">
+              <p:cNvPr id="128" name="Imagen 127">
                 <a:extLst>
                   <a:ext uri="{FF2B5EF4-FFF2-40B4-BE49-F238E27FC236}">
-                    <a16:creationId xmlns:a16="http://schemas.microsoft.com/office/drawing/2014/main" id="{8EFEF838-999D-4BBD-9A45-94A3A844848B}"/>
+                    <a16:creationId xmlns:a16="http://schemas.microsoft.com/office/drawing/2014/main" id="{C5131F09-1250-4A72-AEA3-5B92832CFEA4}"/>
                   </a:ext>
                 </a:extLst>
               </p:cNvPr>
@@ -6395,10 +9555,10 @@
         </p:grpSp>
         <p:sp>
           <p:nvSpPr>
-            <p:cNvPr id="110" name="CuadroTexto 109">
+            <p:cNvPr id="125" name="CuadroTexto 124">
               <a:extLst>
                 <a:ext uri="{FF2B5EF4-FFF2-40B4-BE49-F238E27FC236}">
-                  <a16:creationId xmlns:a16="http://schemas.microsoft.com/office/drawing/2014/main" id="{3A5F0AE5-A11F-4068-9427-EB5072E6EB25}"/>
+                  <a16:creationId xmlns:a16="http://schemas.microsoft.com/office/drawing/2014/main" id="{F703713C-9AD5-40A0-AF09-EEEC8259F6C2}"/>
                 </a:ext>
               </a:extLst>
             </p:cNvPr>
@@ -6407,8 +9567,8 @@
           </p:nvSpPr>
           <p:spPr>
             <a:xfrm>
-              <a:off x="5219830" y="1519055"/>
-              <a:ext cx="502109" cy="369332"/>
+              <a:off x="5199816" y="1531909"/>
+              <a:ext cx="502109" cy="323319"/>
             </a:xfrm>
             <a:prstGeom prst="rect">
               <a:avLst/>
@@ -6422,15 +9582,433 @@
             <a:lstStyle/>
             <a:p>
               <a:r>
-                <a:rPr lang="es-ES" sz="1800" i="1" dirty="0">
+                <a:rPr lang="es-ES" sz="1000" i="1" dirty="0">
                   <a:solidFill>
                     <a:schemeClr val="bg1"/>
                   </a:solidFill>
                   <a:latin typeface="Audiowide" panose="02000503000000020004" pitchFamily="2" charset="0"/>
                 </a:rPr>
-                <a:t>X1</a:t>
+                <a:t>X4</a:t>
               </a:r>
-              <a:endParaRPr lang="es-ES" i="1" dirty="0"/>
+              <a:endParaRPr lang="es-ES" sz="1100" i="1" dirty="0"/>
+            </a:p>
+          </p:txBody>
+        </p:sp>
+      </p:grpSp>
+      <p:grpSp>
+        <p:nvGrpSpPr>
+          <p:cNvPr id="173" name="Grupo 172">
+            <a:extLst>
+              <a:ext uri="{FF2B5EF4-FFF2-40B4-BE49-F238E27FC236}">
+                <a16:creationId xmlns:a16="http://schemas.microsoft.com/office/drawing/2014/main" id="{326250D1-82BC-4832-8922-DBD7F5664F70}"/>
+              </a:ext>
+            </a:extLst>
+          </p:cNvPr>
+          <p:cNvGrpSpPr/>
+          <p:nvPr/>
+        </p:nvGrpSpPr>
+        <p:grpSpPr>
+          <a:xfrm rot="5400000">
+            <a:off x="775711" y="6459142"/>
+            <a:ext cx="432113" cy="566217"/>
+            <a:chOff x="6790137" y="1271217"/>
+            <a:chExt cx="418969" cy="855280"/>
+          </a:xfrm>
+        </p:grpSpPr>
+        <p:sp>
+          <p:nvSpPr>
+            <p:cNvPr id="190" name="CuadroTexto 189">
+              <a:extLst>
+                <a:ext uri="{FF2B5EF4-FFF2-40B4-BE49-F238E27FC236}">
+                  <a16:creationId xmlns:a16="http://schemas.microsoft.com/office/drawing/2014/main" id="{2E0623A9-F40F-4442-BDA5-2ECACBECBE41}"/>
+                </a:ext>
+              </a:extLst>
+            </p:cNvPr>
+            <p:cNvSpPr txBox="1"/>
+            <p:nvPr/>
+          </p:nvSpPr>
+          <p:spPr>
+            <a:xfrm rot="16200000">
+              <a:off x="6571387" y="1489967"/>
+              <a:ext cx="855280" cy="417780"/>
+            </a:xfrm>
+            <a:prstGeom prst="rect">
+              <a:avLst/>
+            </a:prstGeom>
+            <a:noFill/>
+          </p:spPr>
+          <p:txBody>
+            <a:bodyPr wrap="square">
+              <a:spAutoFit/>
+            </a:bodyPr>
+            <a:lstStyle/>
+            <a:p>
+              <a:pPr algn="ctr"/>
+              <a:r>
+                <a:rPr lang="es-ES" sz="1100" dirty="0">
+                  <a:latin typeface="Audiowide" panose="02000503000000020004" pitchFamily="2" charset="0"/>
+                </a:rPr>
+                <a:t>230</a:t>
+              </a:r>
+            </a:p>
+            <a:p>
+              <a:pPr algn="ctr"/>
+              <a:r>
+                <a:rPr lang="es-ES" sz="1100" dirty="0">
+                  <a:latin typeface="Audiowide" panose="02000503000000020004" pitchFamily="2" charset="0"/>
+                </a:rPr>
+                <a:t>VAC</a:t>
+              </a:r>
+              <a:endParaRPr lang="es-ES" sz="1100" dirty="0"/>
+            </a:p>
+          </p:txBody>
+        </p:sp>
+        <p:sp>
+          <p:nvSpPr>
+            <p:cNvPr id="191" name="Rectángulo: esquinas redondeadas 190">
+              <a:extLst>
+                <a:ext uri="{FF2B5EF4-FFF2-40B4-BE49-F238E27FC236}">
+                  <a16:creationId xmlns:a16="http://schemas.microsoft.com/office/drawing/2014/main" id="{C7A010BC-C5F0-4CCF-99D9-8DAB10FCEF67}"/>
+                </a:ext>
+              </a:extLst>
+            </p:cNvPr>
+            <p:cNvSpPr/>
+            <p:nvPr/>
+          </p:nvSpPr>
+          <p:spPr>
+            <a:xfrm rot="16200000">
+              <a:off x="6695841" y="1488157"/>
+              <a:ext cx="615229" cy="411301"/>
+            </a:xfrm>
+            <a:prstGeom prst="roundRect">
+              <a:avLst>
+                <a:gd name="adj" fmla="val 30781"/>
+              </a:avLst>
+            </a:prstGeom>
+            <a:noFill/>
+            <a:ln w="28575">
+              <a:solidFill>
+                <a:schemeClr val="tx1"/>
+              </a:solidFill>
+            </a:ln>
+          </p:spPr>
+          <p:style>
+            <a:lnRef idx="2">
+              <a:schemeClr val="accent1">
+                <a:shade val="50000"/>
+              </a:schemeClr>
+            </a:lnRef>
+            <a:fillRef idx="1">
+              <a:schemeClr val="accent1"/>
+            </a:fillRef>
+            <a:effectRef idx="0">
+              <a:schemeClr val="accent1"/>
+            </a:effectRef>
+            <a:fontRef idx="minor">
+              <a:schemeClr val="lt1"/>
+            </a:fontRef>
+          </p:style>
+          <p:txBody>
+            <a:bodyPr rtlCol="0" anchor="ctr"/>
+            <a:lstStyle/>
+            <a:p>
+              <a:pPr algn="r"/>
+              <a:endParaRPr lang="es-ES" sz="1400" dirty="0"/>
+            </a:p>
+          </p:txBody>
+        </p:sp>
+      </p:grpSp>
+      <p:grpSp>
+        <p:nvGrpSpPr>
+          <p:cNvPr id="88" name="Grupo 87">
+            <a:extLst>
+              <a:ext uri="{FF2B5EF4-FFF2-40B4-BE49-F238E27FC236}">
+                <a16:creationId xmlns:a16="http://schemas.microsoft.com/office/drawing/2014/main" id="{CBCB390E-E0E7-457C-AA57-D6D3852CEF8A}"/>
+              </a:ext>
+            </a:extLst>
+          </p:cNvPr>
+          <p:cNvGrpSpPr/>
+          <p:nvPr/>
+        </p:nvGrpSpPr>
+        <p:grpSpPr>
+          <a:xfrm>
+            <a:off x="6444316" y="3955440"/>
+            <a:ext cx="673571" cy="1164771"/>
+            <a:chOff x="6525742" y="5052431"/>
+            <a:chExt cx="673571" cy="1164771"/>
+          </a:xfrm>
+        </p:grpSpPr>
+        <p:grpSp>
+          <p:nvGrpSpPr>
+            <p:cNvPr id="109" name="Grupo 108">
+              <a:extLst>
+                <a:ext uri="{FF2B5EF4-FFF2-40B4-BE49-F238E27FC236}">
+                  <a16:creationId xmlns:a16="http://schemas.microsoft.com/office/drawing/2014/main" id="{E930BB12-6C10-4970-A96E-5E917AFD6E88}"/>
+                </a:ext>
+              </a:extLst>
+            </p:cNvPr>
+            <p:cNvGrpSpPr/>
+            <p:nvPr/>
+          </p:nvGrpSpPr>
+          <p:grpSpPr>
+            <a:xfrm rot="16200000">
+              <a:off x="6385661" y="5198254"/>
+              <a:ext cx="924959" cy="644798"/>
+              <a:chOff x="9215255" y="2976432"/>
+              <a:chExt cx="1309051" cy="716973"/>
+            </a:xfrm>
+          </p:grpSpPr>
+          <p:sp>
+            <p:nvSpPr>
+              <p:cNvPr id="120" name="CuadroTexto 119">
+                <a:extLst>
+                  <a:ext uri="{FF2B5EF4-FFF2-40B4-BE49-F238E27FC236}">
+                    <a16:creationId xmlns:a16="http://schemas.microsoft.com/office/drawing/2014/main" id="{AE3DAC8B-D0FE-488D-84C2-DA527B28144D}"/>
+                  </a:ext>
+                </a:extLst>
+              </p:cNvPr>
+              <p:cNvSpPr txBox="1"/>
+              <p:nvPr/>
+            </p:nvSpPr>
+            <p:spPr>
+              <a:xfrm rot="5400000">
+                <a:off x="9057758" y="3133930"/>
+                <a:ext cx="641680" cy="326686"/>
+              </a:xfrm>
+              <a:prstGeom prst="rect">
+                <a:avLst/>
+              </a:prstGeom>
+              <a:noFill/>
+            </p:spPr>
+            <p:txBody>
+              <a:bodyPr wrap="square" rtlCol="0">
+                <a:spAutoFit/>
+              </a:bodyPr>
+              <a:lstStyle/>
+              <a:p>
+                <a:r>
+                  <a:rPr lang="es-ES" sz="900" dirty="0">
+                    <a:latin typeface="Audiowide" panose="02000503000000020004" pitchFamily="2" charset="0"/>
+                  </a:rPr>
+                  <a:t>3V3</a:t>
+                </a:r>
+              </a:p>
+            </p:txBody>
+          </p:sp>
+          <p:sp>
+            <p:nvSpPr>
+              <p:cNvPr id="121" name="CuadroTexto 120">
+                <a:extLst>
+                  <a:ext uri="{FF2B5EF4-FFF2-40B4-BE49-F238E27FC236}">
+                    <a16:creationId xmlns:a16="http://schemas.microsoft.com/office/drawing/2014/main" id="{8D5FD04A-F639-4D42-B085-D37AA08EA963}"/>
+                  </a:ext>
+                </a:extLst>
+              </p:cNvPr>
+              <p:cNvSpPr txBox="1"/>
+              <p:nvPr/>
+            </p:nvSpPr>
+            <p:spPr>
+              <a:xfrm rot="5400000">
+                <a:off x="9325787" y="3171576"/>
+                <a:ext cx="716972" cy="326686"/>
+              </a:xfrm>
+              <a:prstGeom prst="rect">
+                <a:avLst/>
+              </a:prstGeom>
+              <a:noFill/>
+            </p:spPr>
+            <p:txBody>
+              <a:bodyPr wrap="square" rtlCol="0">
+                <a:spAutoFit/>
+              </a:bodyPr>
+              <a:lstStyle/>
+              <a:p>
+                <a:r>
+                  <a:rPr lang="es-ES" sz="900" dirty="0">
+                    <a:latin typeface="Audiowide" panose="02000503000000020004" pitchFamily="2" charset="0"/>
+                  </a:rPr>
+                  <a:t>GND</a:t>
+                </a:r>
+                <a:endParaRPr lang="es-ES" sz="700" dirty="0">
+                  <a:latin typeface="Audiowide" panose="02000503000000020004" pitchFamily="2" charset="0"/>
+                </a:endParaRPr>
+              </a:p>
+            </p:txBody>
+          </p:sp>
+          <p:sp>
+            <p:nvSpPr>
+              <p:cNvPr id="129" name="CuadroTexto 128">
+                <a:extLst>
+                  <a:ext uri="{FF2B5EF4-FFF2-40B4-BE49-F238E27FC236}">
+                    <a16:creationId xmlns:a16="http://schemas.microsoft.com/office/drawing/2014/main" id="{DED81064-AE06-4D13-A0F3-9D7485F25B84}"/>
+                  </a:ext>
+                </a:extLst>
+              </p:cNvPr>
+              <p:cNvSpPr txBox="1"/>
+              <p:nvPr/>
+            </p:nvSpPr>
+            <p:spPr>
+              <a:xfrm rot="5400000">
+                <a:off x="9701780" y="3133929"/>
+                <a:ext cx="641680" cy="326686"/>
+              </a:xfrm>
+              <a:prstGeom prst="rect">
+                <a:avLst/>
+              </a:prstGeom>
+              <a:noFill/>
+            </p:spPr>
+            <p:txBody>
+              <a:bodyPr wrap="square" rtlCol="0">
+                <a:spAutoFit/>
+              </a:bodyPr>
+              <a:lstStyle/>
+              <a:p>
+                <a:r>
+                  <a:rPr lang="es-ES" sz="900" dirty="0">
+                    <a:latin typeface="Audiowide" panose="02000503000000020004" pitchFamily="2" charset="0"/>
+                  </a:rPr>
+                  <a:t>SCL</a:t>
+                </a:r>
+              </a:p>
+            </p:txBody>
+          </p:sp>
+          <p:sp>
+            <p:nvSpPr>
+              <p:cNvPr id="130" name="CuadroTexto 129">
+                <a:extLst>
+                  <a:ext uri="{FF2B5EF4-FFF2-40B4-BE49-F238E27FC236}">
+                    <a16:creationId xmlns:a16="http://schemas.microsoft.com/office/drawing/2014/main" id="{39077D6D-9D98-424C-8199-08F2FB09408A}"/>
+                  </a:ext>
+                </a:extLst>
+              </p:cNvPr>
+              <p:cNvSpPr txBox="1"/>
+              <p:nvPr/>
+            </p:nvSpPr>
+            <p:spPr>
+              <a:xfrm rot="5400000">
+                <a:off x="10040122" y="3133931"/>
+                <a:ext cx="641682" cy="326686"/>
+              </a:xfrm>
+              <a:prstGeom prst="rect">
+                <a:avLst/>
+              </a:prstGeom>
+              <a:noFill/>
+            </p:spPr>
+            <p:txBody>
+              <a:bodyPr wrap="square" rtlCol="0">
+                <a:spAutoFit/>
+              </a:bodyPr>
+              <a:lstStyle/>
+              <a:p>
+                <a:r>
+                  <a:rPr lang="es-ES" sz="900" dirty="0">
+                    <a:latin typeface="Audiowide" panose="02000503000000020004" pitchFamily="2" charset="0"/>
+                  </a:rPr>
+                  <a:t>SDA</a:t>
+                </a:r>
+              </a:p>
+            </p:txBody>
+          </p:sp>
+        </p:grpSp>
+        <p:sp>
+          <p:nvSpPr>
+            <p:cNvPr id="110" name="CuadroTexto 109">
+              <a:extLst>
+                <a:ext uri="{FF2B5EF4-FFF2-40B4-BE49-F238E27FC236}">
+                  <a16:creationId xmlns:a16="http://schemas.microsoft.com/office/drawing/2014/main" id="{ED2FD8D9-71C0-4136-ABBF-BCDAEE1D35C4}"/>
+                </a:ext>
+              </a:extLst>
+            </p:cNvPr>
+            <p:cNvSpPr txBox="1"/>
+            <p:nvPr/>
+          </p:nvSpPr>
+          <p:spPr>
+            <a:xfrm>
+              <a:off x="6570331" y="5997417"/>
+              <a:ext cx="622630" cy="215444"/>
+            </a:xfrm>
+            <a:prstGeom prst="rect">
+              <a:avLst/>
+            </a:prstGeom>
+            <a:solidFill>
+              <a:schemeClr val="tx1"/>
+            </a:solidFill>
+          </p:spPr>
+          <p:txBody>
+            <a:bodyPr wrap="square">
+              <a:spAutoFit/>
+            </a:bodyPr>
+            <a:lstStyle/>
+            <a:p>
+              <a:pPr algn="ctr"/>
+              <a:r>
+                <a:rPr lang="es-ES" sz="800" dirty="0">
+                  <a:solidFill>
+                    <a:schemeClr val="bg1"/>
+                  </a:solidFill>
+                  <a:latin typeface="Audiowide" panose="02000503000000020004" pitchFamily="2" charset="0"/>
+                </a:rPr>
+                <a:t>I2C</a:t>
+              </a:r>
+              <a:endParaRPr lang="es-ES" sz="800" dirty="0">
+                <a:solidFill>
+                  <a:schemeClr val="bg1"/>
+                </a:solidFill>
+              </a:endParaRPr>
+            </a:p>
+          </p:txBody>
+        </p:sp>
+        <p:sp>
+          <p:nvSpPr>
+            <p:cNvPr id="112" name="Rectángulo: esquinas redondeadas 111">
+              <a:extLst>
+                <a:ext uri="{FF2B5EF4-FFF2-40B4-BE49-F238E27FC236}">
+                  <a16:creationId xmlns:a16="http://schemas.microsoft.com/office/drawing/2014/main" id="{328ED668-0578-4E88-BE09-4186FF502948}"/>
+                </a:ext>
+              </a:extLst>
+            </p:cNvPr>
+            <p:cNvSpPr/>
+            <p:nvPr/>
+          </p:nvSpPr>
+          <p:spPr>
+            <a:xfrm>
+              <a:off x="6576683" y="5052431"/>
+              <a:ext cx="622630" cy="1164771"/>
+            </a:xfrm>
+            <a:prstGeom prst="roundRect">
+              <a:avLst>
+                <a:gd name="adj" fmla="val 7955"/>
+              </a:avLst>
+            </a:prstGeom>
+            <a:noFill/>
+            <a:ln w="28575">
+              <a:solidFill>
+                <a:schemeClr val="tx1"/>
+              </a:solidFill>
+            </a:ln>
+          </p:spPr>
+          <p:style>
+            <a:lnRef idx="2">
+              <a:schemeClr val="accent1">
+                <a:shade val="50000"/>
+              </a:schemeClr>
+            </a:lnRef>
+            <a:fillRef idx="1">
+              <a:schemeClr val="accent1"/>
+            </a:fillRef>
+            <a:effectRef idx="0">
+              <a:schemeClr val="accent1"/>
+            </a:effectRef>
+            <a:fontRef idx="minor">
+              <a:schemeClr val="lt1"/>
+            </a:fontRef>
+          </p:style>
+          <p:txBody>
+            <a:bodyPr rtlCol="0" anchor="ctr"/>
+            <a:lstStyle/>
+            <a:p>
+              <a:pPr algn="r"/>
+              <a:endParaRPr lang="es-ES" dirty="0"/>
             </a:p>
           </p:txBody>
         </p:sp>
@@ -6438,7 +10016,7 @@
     </p:spTree>
     <p:extLst>
       <p:ext uri="{BB962C8B-B14F-4D97-AF65-F5344CB8AC3E}">
-        <p14:creationId xmlns:p14="http://schemas.microsoft.com/office/powerpoint/2010/main" val="1407576687"/>
+        <p14:creationId xmlns:p14="http://schemas.microsoft.com/office/powerpoint/2010/main" val="1398759622"/>
       </p:ext>
     </p:extLst>
   </p:cSld>
@@ -6467,10 +10045,10 @@
       </p:grpSpPr>
       <p:grpSp>
         <p:nvGrpSpPr>
-          <p:cNvPr id="43" name="Grupo 42">
+          <p:cNvPr id="88" name="Grupo 87">
             <a:extLst>
               <a:ext uri="{FF2B5EF4-FFF2-40B4-BE49-F238E27FC236}">
-                <a16:creationId xmlns:a16="http://schemas.microsoft.com/office/drawing/2014/main" id="{6ECD7BE4-EC8B-48FE-A635-9DB52124647C}"/>
+                <a16:creationId xmlns:a16="http://schemas.microsoft.com/office/drawing/2014/main" id="{A2F0156B-18EF-48BA-A377-E526EEA52E9B}"/>
               </a:ext>
             </a:extLst>
           </p:cNvPr>
@@ -6479,7 +10057,7 @@
         </p:nvGrpSpPr>
         <p:grpSpPr>
           <a:xfrm>
-            <a:off x="1794800" y="1427489"/>
+            <a:off x="1794800" y="1031249"/>
             <a:ext cx="3609712" cy="1588531"/>
             <a:chOff x="3303189" y="1440939"/>
             <a:chExt cx="2507398" cy="1103434"/>
@@ -6487,10 +10065,10 @@
         </p:grpSpPr>
         <p:grpSp>
           <p:nvGrpSpPr>
-            <p:cNvPr id="44" name="Grupo 43">
+            <p:cNvPr id="109" name="Grupo 108">
               <a:extLst>
                 <a:ext uri="{FF2B5EF4-FFF2-40B4-BE49-F238E27FC236}">
-                  <a16:creationId xmlns:a16="http://schemas.microsoft.com/office/drawing/2014/main" id="{F637FD71-C3D7-473B-954A-95E1E645100D}"/>
+                  <a16:creationId xmlns:a16="http://schemas.microsoft.com/office/drawing/2014/main" id="{8B2A819F-9515-4FA2-B6A1-FE21A70844BD}"/>
                 </a:ext>
               </a:extLst>
             </p:cNvPr>
@@ -6507,10 +10085,10 @@
           </p:grpSpPr>
           <p:sp>
             <p:nvSpPr>
-              <p:cNvPr id="47" name="CuadroTexto 46">
+              <p:cNvPr id="112" name="CuadroTexto 111">
                 <a:extLst>
                   <a:ext uri="{FF2B5EF4-FFF2-40B4-BE49-F238E27FC236}">
-                    <a16:creationId xmlns:a16="http://schemas.microsoft.com/office/drawing/2014/main" id="{F939CCE9-B35A-4540-97B9-E3ABDC15919C}"/>
+                    <a16:creationId xmlns:a16="http://schemas.microsoft.com/office/drawing/2014/main" id="{AA49D201-A462-4269-AD50-096B33AF540B}"/>
                   </a:ext>
                 </a:extLst>
               </p:cNvPr>
@@ -6554,10 +10132,10 @@
           </p:sp>
           <p:pic>
             <p:nvPicPr>
-              <p:cNvPr id="48" name="Picture 32" descr="Internet and WiFi - Bibliothèques de Martigues">
+              <p:cNvPr id="120" name="Picture 32" descr="Internet and WiFi - Bibliothèques de Martigues">
                 <a:extLst>
                   <a:ext uri="{FF2B5EF4-FFF2-40B4-BE49-F238E27FC236}">
-                    <a16:creationId xmlns:a16="http://schemas.microsoft.com/office/drawing/2014/main" id="{DA3B92B6-E70D-4AD7-81D4-4DEF48D62DAC}"/>
+                    <a16:creationId xmlns:a16="http://schemas.microsoft.com/office/drawing/2014/main" id="{80F80EFD-BEB8-43A8-8D1C-965795AC6BA3}"/>
                   </a:ext>
                 </a:extLst>
               </p:cNvPr>
@@ -6601,10 +10179,10 @@
           </p:pic>
           <p:pic>
             <p:nvPicPr>
-              <p:cNvPr id="49" name="Imagen 48">
+              <p:cNvPr id="121" name="Imagen 120">
                 <a:extLst>
                   <a:ext uri="{FF2B5EF4-FFF2-40B4-BE49-F238E27FC236}">
-                    <a16:creationId xmlns:a16="http://schemas.microsoft.com/office/drawing/2014/main" id="{0CE8BE24-F610-444A-8E70-512B1C8B8117}"/>
+                    <a16:creationId xmlns:a16="http://schemas.microsoft.com/office/drawing/2014/main" id="{7D334578-5D0E-4F61-BB26-1709B15EA0FE}"/>
                   </a:ext>
                 </a:extLst>
               </p:cNvPr>
@@ -6638,10 +10216,10 @@
         </p:grpSp>
         <p:sp>
           <p:nvSpPr>
-            <p:cNvPr id="45" name="CuadroTexto 44">
+            <p:cNvPr id="110" name="CuadroTexto 109">
               <a:extLst>
                 <a:ext uri="{FF2B5EF4-FFF2-40B4-BE49-F238E27FC236}">
-                  <a16:creationId xmlns:a16="http://schemas.microsoft.com/office/drawing/2014/main" id="{9379D432-7254-41DD-B1CB-DF9B20DFE802}"/>
+                  <a16:creationId xmlns:a16="http://schemas.microsoft.com/office/drawing/2014/main" id="{47E530E0-73BE-4801-B2C6-D57A2DC8EDEE}"/>
                 </a:ext>
               </a:extLst>
             </p:cNvPr>
@@ -6650,8 +10228,8 @@
           </p:nvSpPr>
           <p:spPr>
             <a:xfrm>
-              <a:off x="5219830" y="1514735"/>
-              <a:ext cx="502109" cy="406200"/>
+              <a:off x="5241002" y="1551786"/>
+              <a:ext cx="502109" cy="277927"/>
             </a:xfrm>
             <a:prstGeom prst="rect">
               <a:avLst/>
@@ -6665,464 +10243,119 @@
             <a:lstStyle/>
             <a:p>
               <a:r>
-                <a:rPr lang="es-ES" sz="3200" i="1" dirty="0">
+                <a:rPr lang="es-ES" sz="2000" i="1" dirty="0">
                   <a:solidFill>
                     <a:schemeClr val="bg1"/>
                   </a:solidFill>
                   <a:latin typeface="Audiowide" panose="02000503000000020004" pitchFamily="2" charset="0"/>
                 </a:rPr>
-                <a:t>X1</a:t>
+                <a:t>X4</a:t>
               </a:r>
-              <a:endParaRPr lang="es-ES" sz="3200" i="1" dirty="0"/>
+              <a:endParaRPr lang="es-ES" sz="2000" i="1" dirty="0"/>
             </a:p>
           </p:txBody>
         </p:sp>
       </p:grpSp>
-      <p:grpSp>
-        <p:nvGrpSpPr>
-          <p:cNvPr id="54" name="Grupo 53">
+      <p:pic>
+        <p:nvPicPr>
+          <p:cNvPr id="2050" name="Picture 2" descr="Arrow Bolt Signal Of Electrical Shock Risk In Triangular - Señal De Riesgo  Electrico Para Colorear | Full Size PNG Download | SeekPNG">
             <a:extLst>
               <a:ext uri="{FF2B5EF4-FFF2-40B4-BE49-F238E27FC236}">
-                <a16:creationId xmlns:a16="http://schemas.microsoft.com/office/drawing/2014/main" id="{8219221A-0DB0-4938-A67A-69E906D194BD}"/>
+                <a16:creationId xmlns:a16="http://schemas.microsoft.com/office/drawing/2014/main" id="{62896FBE-BDCC-41F0-9E06-097490E9852B}"/>
               </a:ext>
             </a:extLst>
           </p:cNvPr>
-          <p:cNvGrpSpPr/>
+          <p:cNvPicPr>
+            <a:picLocks noChangeAspect="1" noChangeArrowheads="1"/>
+          </p:cNvPicPr>
           <p:nvPr/>
-        </p:nvGrpSpPr>
-        <p:grpSpPr>
+        </p:nvPicPr>
+        <p:blipFill>
+          <a:blip r:embed="rId4">
+            <a:extLst>
+              <a:ext uri="{28A0092B-C50C-407E-A947-70E740481C1C}">
+                <a14:useLocalDpi xmlns:a14="http://schemas.microsoft.com/office/drawing/2010/main" val="0"/>
+              </a:ext>
+            </a:extLst>
+          </a:blip>
+          <a:srcRect/>
+          <a:stretch>
+            <a:fillRect/>
+          </a:stretch>
+        </p:blipFill>
+        <p:spPr bwMode="auto">
           <a:xfrm>
-            <a:off x="1972730" y="3988301"/>
-            <a:ext cx="3253853" cy="639286"/>
-            <a:chOff x="4708713" y="3332052"/>
-            <a:chExt cx="832807" cy="147974"/>
+            <a:off x="571500" y="4757751"/>
+            <a:ext cx="1194753" cy="1060656"/>
           </a:xfrm>
-        </p:grpSpPr>
-        <p:sp>
-          <p:nvSpPr>
-            <p:cNvPr id="55" name="Rectángulo: esquinas redondeadas 54">
-              <a:extLst>
-                <a:ext uri="{FF2B5EF4-FFF2-40B4-BE49-F238E27FC236}">
-                  <a16:creationId xmlns:a16="http://schemas.microsoft.com/office/drawing/2014/main" id="{A0D1C1A9-C0A5-44B4-91B0-DE221AED9C20}"/>
-                </a:ext>
-              </a:extLst>
-            </p:cNvPr>
-            <p:cNvSpPr/>
-            <p:nvPr/>
-          </p:nvSpPr>
-          <p:spPr>
-            <a:xfrm>
-              <a:off x="4708713" y="3332052"/>
-              <a:ext cx="832807" cy="147974"/>
-            </a:xfrm>
-            <a:prstGeom prst="roundRect">
-              <a:avLst>
-                <a:gd name="adj" fmla="val 50000"/>
-              </a:avLst>
-            </a:prstGeom>
-            <a:solidFill>
-              <a:schemeClr val="tx1"/>
-            </a:solidFill>
-            <a:ln w="12700">
-              <a:solidFill>
-                <a:schemeClr val="tx1"/>
-              </a:solidFill>
-            </a:ln>
-          </p:spPr>
-          <p:style>
-            <a:lnRef idx="2">
-              <a:schemeClr val="accent1">
-                <a:shade val="50000"/>
-              </a:schemeClr>
-            </a:lnRef>
-            <a:fillRef idx="1">
-              <a:schemeClr val="accent1"/>
-            </a:fillRef>
-            <a:effectRef idx="0">
-              <a:schemeClr val="accent1"/>
-            </a:effectRef>
-            <a:fontRef idx="minor">
-              <a:schemeClr val="lt1"/>
-            </a:fontRef>
-          </p:style>
-          <p:txBody>
-            <a:bodyPr rtlCol="0" anchor="ctr"/>
-            <a:lstStyle/>
-            <a:p>
-              <a:pPr algn="r"/>
-              <a:endParaRPr lang="es-ES" sz="3600" dirty="0"/>
-            </a:p>
-          </p:txBody>
-        </p:sp>
-        <p:sp>
-          <p:nvSpPr>
-            <p:cNvPr id="56" name="Rectángulo: esquinas redondeadas 55">
-              <a:extLst>
-                <a:ext uri="{FF2B5EF4-FFF2-40B4-BE49-F238E27FC236}">
-                  <a16:creationId xmlns:a16="http://schemas.microsoft.com/office/drawing/2014/main" id="{24BE4F4A-758C-4572-8179-440FB8E95D9F}"/>
-                </a:ext>
-              </a:extLst>
-            </p:cNvPr>
-            <p:cNvSpPr/>
-            <p:nvPr/>
-          </p:nvSpPr>
-          <p:spPr>
-            <a:xfrm>
-              <a:off x="4724227" y="3344155"/>
-              <a:ext cx="307646" cy="123768"/>
-            </a:xfrm>
-            <a:prstGeom prst="roundRect">
-              <a:avLst>
-                <a:gd name="adj" fmla="val 50000"/>
-              </a:avLst>
-            </a:prstGeom>
-            <a:solidFill>
-              <a:schemeClr val="bg1"/>
-            </a:solidFill>
-            <a:ln w="12700">
-              <a:solidFill>
-                <a:schemeClr val="tx1"/>
-              </a:solidFill>
-            </a:ln>
-          </p:spPr>
-          <p:style>
-            <a:lnRef idx="2">
-              <a:schemeClr val="accent1">
-                <a:shade val="50000"/>
-              </a:schemeClr>
-            </a:lnRef>
-            <a:fillRef idx="1">
-              <a:schemeClr val="accent1"/>
-            </a:fillRef>
-            <a:effectRef idx="0">
-              <a:schemeClr val="accent1"/>
-            </a:effectRef>
-            <a:fontRef idx="minor">
-              <a:schemeClr val="lt1"/>
-            </a:fontRef>
-          </p:style>
-          <p:txBody>
-            <a:bodyPr lIns="0" rIns="0" rtlCol="0" anchor="ctr"/>
-            <a:lstStyle/>
-            <a:p>
-              <a:pPr algn="ctr"/>
-              <a:r>
-                <a:rPr lang="es-ES" dirty="0" err="1">
-                  <a:solidFill>
-                    <a:schemeClr val="tx1"/>
-                  </a:solidFill>
-                  <a:latin typeface="Audiowide" panose="02000503000000020004" pitchFamily="2" charset="0"/>
-                </a:rPr>
-                <a:t>Maker</a:t>
-              </a:r>
-              <a:r>
-                <a:rPr lang="es-ES" sz="1400" dirty="0">
-                  <a:solidFill>
-                    <a:schemeClr val="tx1"/>
-                  </a:solidFill>
-                  <a:latin typeface="Audiowide" panose="02000503000000020004" pitchFamily="2" charset="0"/>
-                </a:rPr>
-                <a:t>:</a:t>
-              </a:r>
-            </a:p>
-          </p:txBody>
-        </p:sp>
-      </p:grpSp>
-      <p:grpSp>
-        <p:nvGrpSpPr>
-          <p:cNvPr id="58" name="Grupo 57">
+          <a:prstGeom prst="rect">
+            <a:avLst/>
+          </a:prstGeom>
+          <a:noFill/>
+          <a:extLst>
+            <a:ext uri="{909E8E84-426E-40DD-AFC4-6F175D3DCCD1}">
+              <a14:hiddenFill xmlns:a14="http://schemas.microsoft.com/office/drawing/2010/main">
+                <a:solidFill>
+                  <a:srgbClr val="FFFFFF"/>
+                </a:solidFill>
+              </a14:hiddenFill>
+            </a:ext>
+          </a:extLst>
+        </p:spPr>
+      </p:pic>
+      <p:sp>
+        <p:nvSpPr>
+          <p:cNvPr id="138" name="CuadroTexto 137">
             <a:extLst>
               <a:ext uri="{FF2B5EF4-FFF2-40B4-BE49-F238E27FC236}">
-                <a16:creationId xmlns:a16="http://schemas.microsoft.com/office/drawing/2014/main" id="{4B66BD00-67D9-4ADB-8B4D-6A44306DE939}"/>
+                <a16:creationId xmlns:a16="http://schemas.microsoft.com/office/drawing/2014/main" id="{CEF3E27A-F421-4C59-83DA-4871249C0881}"/>
               </a:ext>
             </a:extLst>
           </p:cNvPr>
-          <p:cNvGrpSpPr/>
+          <p:cNvSpPr txBox="1"/>
           <p:nvPr/>
-        </p:nvGrpSpPr>
-        <p:grpSpPr>
+        </p:nvSpPr>
+        <p:spPr>
           <a:xfrm>
-            <a:off x="1972730" y="4783525"/>
-            <a:ext cx="3253853" cy="639286"/>
-            <a:chOff x="4708713" y="3332052"/>
-            <a:chExt cx="832807" cy="147974"/>
+            <a:off x="-645795" y="5769414"/>
+            <a:ext cx="3600450" cy="646331"/>
           </a:xfrm>
-        </p:grpSpPr>
-        <p:sp>
-          <p:nvSpPr>
-            <p:cNvPr id="59" name="Rectángulo: esquinas redondeadas 58">
-              <a:extLst>
-                <a:ext uri="{FF2B5EF4-FFF2-40B4-BE49-F238E27FC236}">
-                  <a16:creationId xmlns:a16="http://schemas.microsoft.com/office/drawing/2014/main" id="{DAF27B37-5B80-4D7B-B440-3D58F3D6D893}"/>
-                </a:ext>
-              </a:extLst>
-            </p:cNvPr>
-            <p:cNvSpPr/>
-            <p:nvPr/>
-          </p:nvSpPr>
-          <p:spPr>
-            <a:xfrm>
-              <a:off x="4708713" y="3332052"/>
-              <a:ext cx="832807" cy="147974"/>
-            </a:xfrm>
-            <a:prstGeom prst="roundRect">
-              <a:avLst>
-                <a:gd name="adj" fmla="val 50000"/>
-              </a:avLst>
-            </a:prstGeom>
-            <a:solidFill>
-              <a:schemeClr val="tx1"/>
-            </a:solidFill>
-            <a:ln w="12700">
-              <a:solidFill>
-                <a:schemeClr val="tx1"/>
-              </a:solidFill>
-            </a:ln>
-          </p:spPr>
-          <p:style>
-            <a:lnRef idx="2">
-              <a:schemeClr val="accent1">
-                <a:shade val="50000"/>
-              </a:schemeClr>
-            </a:lnRef>
-            <a:fillRef idx="1">
-              <a:schemeClr val="accent1"/>
-            </a:fillRef>
-            <a:effectRef idx="0">
-              <a:schemeClr val="accent1"/>
-            </a:effectRef>
-            <a:fontRef idx="minor">
-              <a:schemeClr val="lt1"/>
-            </a:fontRef>
-          </p:style>
-          <p:txBody>
-            <a:bodyPr rtlCol="0" anchor="ctr"/>
-            <a:lstStyle/>
-            <a:p>
-              <a:pPr algn="r"/>
-              <a:endParaRPr lang="es-ES" sz="3600" dirty="0"/>
-            </a:p>
-          </p:txBody>
-        </p:sp>
-        <p:sp>
-          <p:nvSpPr>
-            <p:cNvPr id="60" name="Rectángulo: esquinas redondeadas 59">
-              <a:extLst>
-                <a:ext uri="{FF2B5EF4-FFF2-40B4-BE49-F238E27FC236}">
-                  <a16:creationId xmlns:a16="http://schemas.microsoft.com/office/drawing/2014/main" id="{C1B5A100-5506-4F78-BE3F-7106E91097F1}"/>
-                </a:ext>
-              </a:extLst>
-            </p:cNvPr>
-            <p:cNvSpPr/>
-            <p:nvPr/>
-          </p:nvSpPr>
-          <p:spPr>
-            <a:xfrm>
-              <a:off x="4724227" y="3344155"/>
-              <a:ext cx="307646" cy="123768"/>
-            </a:xfrm>
-            <a:prstGeom prst="roundRect">
-              <a:avLst>
-                <a:gd name="adj" fmla="val 50000"/>
-              </a:avLst>
-            </a:prstGeom>
-            <a:solidFill>
-              <a:schemeClr val="bg1"/>
-            </a:solidFill>
-            <a:ln w="12700">
-              <a:solidFill>
-                <a:schemeClr val="tx1"/>
-              </a:solidFill>
-            </a:ln>
-          </p:spPr>
-          <p:style>
-            <a:lnRef idx="2">
-              <a:schemeClr val="accent1">
-                <a:shade val="50000"/>
-              </a:schemeClr>
-            </a:lnRef>
-            <a:fillRef idx="1">
-              <a:schemeClr val="accent1"/>
-            </a:fillRef>
-            <a:effectRef idx="0">
-              <a:schemeClr val="accent1"/>
-            </a:effectRef>
-            <a:fontRef idx="minor">
-              <a:schemeClr val="lt1"/>
-            </a:fontRef>
-          </p:style>
-          <p:txBody>
-            <a:bodyPr lIns="0" rIns="0" rtlCol="0" anchor="ctr"/>
-            <a:lstStyle/>
-            <a:p>
-              <a:pPr algn="ctr"/>
-              <a:r>
-                <a:rPr lang="es-ES" dirty="0">
-                  <a:solidFill>
-                    <a:schemeClr val="tx1"/>
-                  </a:solidFill>
-                  <a:latin typeface="Audiowide" panose="02000503000000020004" pitchFamily="2" charset="0"/>
-                </a:rPr>
-                <a:t>Date</a:t>
-              </a:r>
-              <a:r>
-                <a:rPr lang="es-ES" sz="1400" dirty="0">
-                  <a:solidFill>
-                    <a:schemeClr val="tx1"/>
-                  </a:solidFill>
-                  <a:latin typeface="Audiowide" panose="02000503000000020004" pitchFamily="2" charset="0"/>
-                </a:rPr>
-                <a:t>:</a:t>
-              </a:r>
-            </a:p>
-          </p:txBody>
-        </p:sp>
-      </p:grpSp>
-      <p:grpSp>
-        <p:nvGrpSpPr>
-          <p:cNvPr id="4" name="Grupo 3">
-            <a:extLst>
-              <a:ext uri="{FF2B5EF4-FFF2-40B4-BE49-F238E27FC236}">
-                <a16:creationId xmlns:a16="http://schemas.microsoft.com/office/drawing/2014/main" id="{4A65D5CA-36CC-4E70-BB4C-5A2D30A9053F}"/>
-              </a:ext>
-            </a:extLst>
-          </p:cNvPr>
-          <p:cNvGrpSpPr/>
-          <p:nvPr/>
-        </p:nvGrpSpPr>
-        <p:grpSpPr>
-          <a:xfrm>
-            <a:off x="2436285" y="3171958"/>
-            <a:ext cx="2326742" cy="464061"/>
-            <a:chOff x="1924205" y="3171958"/>
-            <a:chExt cx="3260314" cy="464061"/>
-          </a:xfrm>
-        </p:grpSpPr>
-        <p:sp>
-          <p:nvSpPr>
-            <p:cNvPr id="62" name="Rectángulo: esquinas redondeadas 61">
-              <a:extLst>
-                <a:ext uri="{FF2B5EF4-FFF2-40B4-BE49-F238E27FC236}">
-                  <a16:creationId xmlns:a16="http://schemas.microsoft.com/office/drawing/2014/main" id="{BC2ED4A6-4D38-4C2E-AF76-E445138E892B}"/>
-                </a:ext>
-              </a:extLst>
-            </p:cNvPr>
-            <p:cNvSpPr/>
-            <p:nvPr/>
-          </p:nvSpPr>
-          <p:spPr>
-            <a:xfrm>
-              <a:off x="1924205" y="3171958"/>
-              <a:ext cx="3253853" cy="464061"/>
-            </a:xfrm>
-            <a:prstGeom prst="roundRect">
-              <a:avLst>
-                <a:gd name="adj" fmla="val 50000"/>
-              </a:avLst>
-            </a:prstGeom>
-            <a:solidFill>
-              <a:schemeClr val="tx1"/>
-            </a:solidFill>
-            <a:ln w="12700">
-              <a:solidFill>
-                <a:schemeClr val="tx1"/>
-              </a:solidFill>
-            </a:ln>
-          </p:spPr>
-          <p:style>
-            <a:lnRef idx="2">
-              <a:schemeClr val="accent1">
-                <a:shade val="50000"/>
-              </a:schemeClr>
-            </a:lnRef>
-            <a:fillRef idx="1">
-              <a:schemeClr val="accent1"/>
-            </a:fillRef>
-            <a:effectRef idx="0">
-              <a:schemeClr val="accent1"/>
-            </a:effectRef>
-            <a:fontRef idx="minor">
-              <a:schemeClr val="lt1"/>
-            </a:fontRef>
-          </p:style>
-          <p:txBody>
-            <a:bodyPr rtlCol="0" anchor="ctr"/>
-            <a:lstStyle/>
-            <a:p>
-              <a:pPr algn="r"/>
-              <a:endParaRPr lang="es-ES" sz="3600" dirty="0"/>
-            </a:p>
-          </p:txBody>
-        </p:sp>
-        <p:sp>
-          <p:nvSpPr>
-            <p:cNvPr id="64" name="CuadroTexto 63">
-              <a:extLst>
-                <a:ext uri="{FF2B5EF4-FFF2-40B4-BE49-F238E27FC236}">
-                  <a16:creationId xmlns:a16="http://schemas.microsoft.com/office/drawing/2014/main" id="{C7A56912-8318-40F1-B4DC-E82CA9EE941D}"/>
-                </a:ext>
-              </a:extLst>
-            </p:cNvPr>
-            <p:cNvSpPr txBox="1"/>
-            <p:nvPr/>
-          </p:nvSpPr>
-          <p:spPr>
-            <a:xfrm>
-              <a:off x="1930666" y="3213865"/>
-              <a:ext cx="3253853" cy="369332"/>
-            </a:xfrm>
-            <a:prstGeom prst="rect">
-              <a:avLst/>
-            </a:prstGeom>
-            <a:noFill/>
-          </p:spPr>
-          <p:txBody>
-            <a:bodyPr wrap="square">
-              <a:spAutoFit/>
-            </a:bodyPr>
-            <a:lstStyle/>
-            <a:p>
-              <a:pPr algn="ctr"/>
-              <a:r>
-                <a:rPr lang="es-ES" sz="1800" i="1" dirty="0" err="1">
-                  <a:solidFill>
-                    <a:schemeClr val="bg1"/>
-                  </a:solidFill>
-                  <a:latin typeface="Audiowide" panose="02000503000000020004" pitchFamily="2" charset="0"/>
-                </a:rPr>
-                <a:t>Maker</a:t>
-              </a:r>
-              <a:r>
-                <a:rPr lang="es-ES" sz="1800" i="1" dirty="0">
-                  <a:solidFill>
-                    <a:schemeClr val="bg1"/>
-                  </a:solidFill>
-                  <a:latin typeface="Audiowide" panose="02000503000000020004" pitchFamily="2" charset="0"/>
-                </a:rPr>
-                <a:t> </a:t>
-              </a:r>
-              <a:r>
-                <a:rPr lang="es-ES" sz="1800" i="1" dirty="0" err="1">
-                  <a:solidFill>
-                    <a:schemeClr val="bg1"/>
-                  </a:solidFill>
-                  <a:latin typeface="Audiowide" panose="02000503000000020004" pitchFamily="2" charset="0"/>
-                </a:rPr>
-                <a:t>Edition</a:t>
-              </a:r>
-              <a:endParaRPr lang="es-ES" i="1" dirty="0">
-                <a:solidFill>
-                  <a:schemeClr val="bg1"/>
-                </a:solidFill>
-              </a:endParaRPr>
-            </a:p>
-          </p:txBody>
-        </p:sp>
-      </p:grpSp>
+          <a:prstGeom prst="rect">
+            <a:avLst/>
+          </a:prstGeom>
+          <a:noFill/>
+        </p:spPr>
+        <p:txBody>
+          <a:bodyPr wrap="square">
+            <a:spAutoFit/>
+          </a:bodyPr>
+          <a:lstStyle/>
+          <a:p>
+            <a:pPr algn="ctr"/>
+            <a:r>
+              <a:rPr lang="es-ES" sz="1800" dirty="0" err="1">
+                <a:latin typeface="Audiowide" panose="02000503000000020004" pitchFamily="2" charset="0"/>
+              </a:rPr>
+              <a:t>Danger</a:t>
+            </a:r>
+            <a:br>
+              <a:rPr lang="es-ES" sz="1800" dirty="0">
+                <a:latin typeface="Audiowide" panose="02000503000000020004" pitchFamily="2" charset="0"/>
+              </a:rPr>
+            </a:br>
+            <a:r>
+              <a:rPr lang="es-ES" sz="1800" dirty="0">
+                <a:latin typeface="Audiowide" panose="02000503000000020004" pitchFamily="2" charset="0"/>
+              </a:rPr>
+              <a:t>DO NOT TOUCH</a:t>
+            </a:r>
+          </a:p>
+        </p:txBody>
+      </p:sp>
     </p:spTree>
     <p:extLst>
       <p:ext uri="{BB962C8B-B14F-4D97-AF65-F5344CB8AC3E}">
-        <p14:creationId xmlns:p14="http://schemas.microsoft.com/office/powerpoint/2010/main" val="2365809516"/>
+        <p14:creationId xmlns:p14="http://schemas.microsoft.com/office/powerpoint/2010/main" val="2562888691"/>
       </p:ext>
     </p:extLst>
   </p:cSld>
